--- a/docs/final_documentation/Präsi_vonAlexgeändert.pptx
+++ b/docs/final_documentation/Präsi_vonAlexgeändert.pptx
@@ -5,29 +5,30 @@
     <p:sldMasterId id="2147483649" r:id="rId1"/>
   </p:sldMasterIdLst>
   <p:notesMasterIdLst>
-    <p:notesMasterId r:id="rId19"/>
+    <p:notesMasterId r:id="rId20"/>
   </p:notesMasterIdLst>
   <p:handoutMasterIdLst>
-    <p:handoutMasterId r:id="rId20"/>
+    <p:handoutMasterId r:id="rId21"/>
   </p:handoutMasterIdLst>
   <p:sldIdLst>
     <p:sldId id="350" r:id="rId2"/>
     <p:sldId id="330" r:id="rId3"/>
     <p:sldId id="331" r:id="rId4"/>
     <p:sldId id="338" r:id="rId5"/>
-    <p:sldId id="348" r:id="rId6"/>
-    <p:sldId id="351" r:id="rId7"/>
-    <p:sldId id="352" r:id="rId8"/>
-    <p:sldId id="349" r:id="rId9"/>
-    <p:sldId id="337" r:id="rId10"/>
-    <p:sldId id="334" r:id="rId11"/>
-    <p:sldId id="336" r:id="rId12"/>
-    <p:sldId id="339" r:id="rId13"/>
-    <p:sldId id="341" r:id="rId14"/>
-    <p:sldId id="342" r:id="rId15"/>
-    <p:sldId id="343" r:id="rId16"/>
-    <p:sldId id="344" r:id="rId17"/>
-    <p:sldId id="345" r:id="rId18"/>
+    <p:sldId id="353" r:id="rId6"/>
+    <p:sldId id="348" r:id="rId7"/>
+    <p:sldId id="351" r:id="rId8"/>
+    <p:sldId id="352" r:id="rId9"/>
+    <p:sldId id="349" r:id="rId10"/>
+    <p:sldId id="337" r:id="rId11"/>
+    <p:sldId id="334" r:id="rId12"/>
+    <p:sldId id="336" r:id="rId13"/>
+    <p:sldId id="339" r:id="rId14"/>
+    <p:sldId id="341" r:id="rId15"/>
+    <p:sldId id="342" r:id="rId16"/>
+    <p:sldId id="343" r:id="rId17"/>
+    <p:sldId id="344" r:id="rId18"/>
+    <p:sldId id="345" r:id="rId19"/>
   </p:sldIdLst>
   <p:sldSz cx="9144000" cy="6858000" type="screen4x3"/>
   <p:notesSz cx="6858000" cy="9144000"/>
@@ -221,7 +222,7 @@
 </file>
 
 <file path=ppt/charts/chart1.xml><?xml version="1.0" encoding="utf-8"?>
-<c:chartSpace xmlns:c="http://schemas.openxmlformats.org/drawingml/2006/chart" xmlns:a="http://schemas.openxmlformats.org/drawingml/2006/main" xmlns:r="http://schemas.openxmlformats.org/officeDocument/2006/relationships">
+<c:chartSpace xmlns:c="http://schemas.openxmlformats.org/drawingml/2006/chart" xmlns:a="http://schemas.openxmlformats.org/drawingml/2006/main" xmlns:r="http://schemas.openxmlformats.org/officeDocument/2006/relationships" xmlns:c16r2="http://schemas.microsoft.com/office/drawing/2015/06/chart">
   <c:date1904 val="0"/>
   <c:lang val="de-DE"/>
   <c:roundedCorners val="0"/>
@@ -241,10 +242,10 @@
           <c:layoutTarget val="inner"/>
           <c:xMode val="edge"/>
           <c:yMode val="edge"/>
-          <c:x val="0.235908141962422"/>
-          <c:y val="0.179831932773109"/>
+          <c:x val="0.23590814196242199"/>
+          <c:y val="0.17983193277310899"/>
           <c:w val="0.446764091858038"/>
-          <c:h val="0.568067226890756"/>
+          <c:h val="0.56806722689075595"/>
         </c:manualLayout>
       </c:layout>
       <c:barChart>
@@ -282,8 +283,8 @@
               <c:idx val="2"/>
               <c:layout>
                 <c:manualLayout>
-                  <c:x val="0.0791798940419647"/>
-                  <c:y val="-0.00636340324967697"/>
+                  <c:x val="7.9179894041964696E-2"/>
+                  <c:y val="-6.3634032496769702E-3"/>
                 </c:manualLayout>
               </c:layout>
               <c:dLblPos val="ctr"/>
@@ -293,12 +294,10 @@
               <c:showSerName val="0"/>
               <c:showPercent val="0"/>
               <c:showBubbleSize val="0"/>
-              <c:extLst xmlns:c16r2="http://schemas.microsoft.com/office/drawing/2015/06/chart">
+              <c:extLst>
+                <c:ext xmlns:c15="http://schemas.microsoft.com/office/drawing/2012/chart" uri="{CE6537A1-D6FC-4f65-9D91-7224C49458BB}"/>
                 <c:ext xmlns:c16="http://schemas.microsoft.com/office/drawing/2014/chart" uri="{C3380CC4-5D6E-409C-BE32-E72D297353CC}">
                   <c16:uniqueId val="{00000000-D7B4-4EC4-AEA7-4BAC4B03574F}"/>
-                </c:ext>
-                <c:ext xmlns:c15="http://schemas.microsoft.com/office/drawing/2012/chart" uri="{CE6537A1-D6FC-4f65-9D91-7224C49458BB}">
-                  <c15:layout/>
                 </c:ext>
               </c:extLst>
             </c:dLbl>
@@ -333,9 +332,8 @@
             <c:showPercent val="0"/>
             <c:showBubbleSize val="0"/>
             <c:showLeaderLines val="0"/>
-            <c:extLst xmlns:c16r2="http://schemas.microsoft.com/office/drawing/2015/06/chart">
+            <c:extLst>
               <c:ext xmlns:c15="http://schemas.microsoft.com/office/drawing/2012/chart" uri="{CE6537A1-D6FC-4f65-9D91-7224C49458BB}">
-                <c15:layout/>
                 <c15:showLeaderLines val="0"/>
               </c:ext>
             </c:extLst>
@@ -367,21 +365,21 @@
                 <c:formatCode>0.0</c:formatCode>
                 <c:ptCount val="4"/>
                 <c:pt idx="0">
-                  <c:v>25.0</c:v>
+                  <c:v>25</c:v>
                 </c:pt>
                 <c:pt idx="1">
-                  <c:v>25.0</c:v>
+                  <c:v>25</c:v>
                 </c:pt>
                 <c:pt idx="2">
-                  <c:v>80.0</c:v>
+                  <c:v>80</c:v>
                 </c:pt>
                 <c:pt idx="3">
-                  <c:v>30.0</c:v>
+                  <c:v>30</c:v>
                 </c:pt>
               </c:numCache>
             </c:numRef>
           </c:val>
-          <c:extLst xmlns:c16r2="http://schemas.microsoft.com/office/drawing/2015/06/chart">
+          <c:extLst>
             <c:ext xmlns:c16="http://schemas.microsoft.com/office/drawing/2014/chart" uri="{C3380CC4-5D6E-409C-BE32-E72D297353CC}">
               <c16:uniqueId val="{00000001-D7B4-4EC4-AEA7-4BAC4B03574F}"/>
             </c:ext>
@@ -445,9 +443,8 @@
             <c:showPercent val="0"/>
             <c:showBubbleSize val="0"/>
             <c:showLeaderLines val="0"/>
-            <c:extLst xmlns:c16r2="http://schemas.microsoft.com/office/drawing/2015/06/chart">
+            <c:extLst>
               <c:ext xmlns:c15="http://schemas.microsoft.com/office/drawing/2012/chart" uri="{CE6537A1-D6FC-4f65-9D91-7224C49458BB}">
-                <c15:layout/>
                 <c15:showLeaderLines val="0"/>
               </c:ext>
             </c:extLst>
@@ -479,21 +476,21 @@
                 <c:formatCode>0.0</c:formatCode>
                 <c:ptCount val="4"/>
                 <c:pt idx="0">
-                  <c:v>30.0</c:v>
+                  <c:v>30</c:v>
                 </c:pt>
                 <c:pt idx="1">
-                  <c:v>40.0</c:v>
+                  <c:v>40</c:v>
                 </c:pt>
                 <c:pt idx="2">
-                  <c:v>25.0</c:v>
+                  <c:v>25</c:v>
                 </c:pt>
                 <c:pt idx="3">
-                  <c:v>48.0</c:v>
+                  <c:v>48</c:v>
                 </c:pt>
               </c:numCache>
             </c:numRef>
           </c:val>
-          <c:extLst xmlns:c16r2="http://schemas.microsoft.com/office/drawing/2015/06/chart">
+          <c:extLst>
             <c:ext xmlns:c16="http://schemas.microsoft.com/office/drawing/2014/chart" uri="{C3380CC4-5D6E-409C-BE32-E72D297353CC}">
               <c16:uniqueId val="{00000002-D7B4-4EC4-AEA7-4BAC4B03574F}"/>
             </c:ext>
@@ -557,9 +554,8 @@
             <c:showPercent val="0"/>
             <c:showBubbleSize val="0"/>
             <c:showLeaderLines val="0"/>
-            <c:extLst xmlns:c16r2="http://schemas.microsoft.com/office/drawing/2015/06/chart">
+            <c:extLst>
               <c:ext xmlns:c15="http://schemas.microsoft.com/office/drawing/2012/chart" uri="{CE6537A1-D6FC-4f65-9D91-7224C49458BB}">
-                <c15:layout/>
                 <c15:showLeaderLines val="0"/>
               </c:ext>
             </c:extLst>
@@ -591,21 +587,21 @@
                 <c:formatCode>0.0</c:formatCode>
                 <c:ptCount val="4"/>
                 <c:pt idx="0">
-                  <c:v>35.0</c:v>
+                  <c:v>35</c:v>
                 </c:pt>
                 <c:pt idx="1">
-                  <c:v>45.0</c:v>
+                  <c:v>45</c:v>
                 </c:pt>
                 <c:pt idx="2">
-                  <c:v>40.0</c:v>
+                  <c:v>40</c:v>
                 </c:pt>
                 <c:pt idx="3">
-                  <c:v>50.0</c:v>
+                  <c:v>50</c:v>
                 </c:pt>
               </c:numCache>
             </c:numRef>
           </c:val>
-          <c:extLst xmlns:c16r2="http://schemas.microsoft.com/office/drawing/2015/06/chart">
+          <c:extLst>
             <c:ext xmlns:c16="http://schemas.microsoft.com/office/drawing/2014/chart" uri="{C3380CC4-5D6E-409C-BE32-E72D297353CC}">
               <c16:uniqueId val="{00000003-D7B4-4EC4-AEA7-4BAC4B03574F}"/>
             </c:ext>
@@ -673,7 +669,7 @@
         <c:axId val="2039010304"/>
         <c:scaling>
           <c:orientation val="minMax"/>
-          <c:max val="150.0"/>
+          <c:max val="150"/>
         </c:scaling>
         <c:delete val="0"/>
         <c:axPos val="b"/>
@@ -716,8 +712,8 @@
         <c:crossAx val="2039008256"/>
         <c:crosses val="autoZero"/>
         <c:crossBetween val="between"/>
-        <c:majorUnit val="25.0"/>
-        <c:minorUnit val="5.0"/>
+        <c:majorUnit val="25"/>
+        <c:minorUnit val="5"/>
       </c:valAx>
       <c:spPr>
         <a:noFill/>
@@ -792,10 +788,10 @@
         <c:manualLayout>
           <c:xMode val="edge"/>
           <c:yMode val="edge"/>
-          <c:x val="0.706680584551148"/>
-          <c:y val="0.522689075630252"/>
-          <c:w val="0.138830897703549"/>
-          <c:h val="0.178151260504202"/>
+          <c:x val="0.70668058455114802"/>
+          <c:y val="0.52268907563025202"/>
+          <c:w val="0.13883089770354901"/>
+          <c:h val="0.17815126050420199"/>
         </c:manualLayout>
       </c:layout>
       <c:overlay val="0"/>
@@ -857,7 +853,7 @@
 </file>
 
 <file path=ppt/charts/chart2.xml><?xml version="1.0" encoding="utf-8"?>
-<c:chartSpace xmlns:c="http://schemas.openxmlformats.org/drawingml/2006/chart" xmlns:a="http://schemas.openxmlformats.org/drawingml/2006/main" xmlns:r="http://schemas.openxmlformats.org/officeDocument/2006/relationships">
+<c:chartSpace xmlns:c="http://schemas.openxmlformats.org/drawingml/2006/chart" xmlns:a="http://schemas.openxmlformats.org/drawingml/2006/main" xmlns:r="http://schemas.openxmlformats.org/officeDocument/2006/relationships" xmlns:c16r2="http://schemas.microsoft.com/office/drawing/2015/06/chart">
   <c:date1904 val="0"/>
   <c:lang val="de-DE"/>
   <c:roundedCorners val="0"/>
@@ -878,8 +874,8 @@
           <c:xMode val="edge"/>
           <c:yMode val="edge"/>
           <c:x val="0.238938053097345"/>
-          <c:y val="0.18452380952381"/>
-          <c:w val="0.404551201011378"/>
+          <c:y val="0.18452380952381001"/>
+          <c:w val="0.40455120101137798"/>
           <c:h val="0.634920634920635"/>
         </c:manualLayout>
       </c:layout>
@@ -924,7 +920,7 @@
                 <a:prstDash val="solid"/>
               </a:ln>
             </c:spPr>
-            <c:extLst xmlns:c16r2="http://schemas.microsoft.com/office/drawing/2015/06/chart">
+            <c:extLst>
               <c:ext xmlns:c16="http://schemas.microsoft.com/office/drawing/2014/chart" uri="{C3380CC4-5D6E-409C-BE32-E72D297353CC}">
                 <c16:uniqueId val="{00000001-C391-49F3-B26A-0895E1FF37E3}"/>
               </c:ext>
@@ -944,7 +940,7 @@
                 <a:prstDash val="solid"/>
               </a:ln>
             </c:spPr>
-            <c:extLst xmlns:c16r2="http://schemas.microsoft.com/office/drawing/2015/06/chart">
+            <c:extLst>
               <c:ext xmlns:c16="http://schemas.microsoft.com/office/drawing/2014/chart" uri="{C3380CC4-5D6E-409C-BE32-E72D297353CC}">
                 <c16:uniqueId val="{00000003-C391-49F3-B26A-0895E1FF37E3}"/>
               </c:ext>
@@ -964,7 +960,7 @@
                 <a:prstDash val="solid"/>
               </a:ln>
             </c:spPr>
-            <c:extLst xmlns:c16r2="http://schemas.microsoft.com/office/drawing/2015/06/chart">
+            <c:extLst>
               <c:ext xmlns:c16="http://schemas.microsoft.com/office/drawing/2014/chart" uri="{C3380CC4-5D6E-409C-BE32-E72D297353CC}">
                 <c16:uniqueId val="{00000005-C391-49F3-B26A-0895E1FF37E3}"/>
               </c:ext>
@@ -984,7 +980,7 @@
                 <a:prstDash val="solid"/>
               </a:ln>
             </c:spPr>
-            <c:extLst xmlns:c16r2="http://schemas.microsoft.com/office/drawing/2015/06/chart">
+            <c:extLst>
               <c:ext xmlns:c16="http://schemas.microsoft.com/office/drawing/2014/chart" uri="{C3380CC4-5D6E-409C-BE32-E72D297353CC}">
                 <c16:uniqueId val="{00000007-C391-49F3-B26A-0895E1FF37E3}"/>
               </c:ext>
@@ -995,8 +991,8 @@
               <c:idx val="0"/>
               <c:layout>
                 <c:manualLayout>
-                  <c:x val="-0.00626964735610435"/>
-                  <c:y val="-0.0206593096155813"/>
+                  <c:x val="-6.2696473561043497E-3"/>
+                  <c:y val="-2.0659309615581298E-2"/>
                 </c:manualLayout>
               </c:layout>
               <c:dLblPos val="bestFit"/>
@@ -1006,12 +1002,10 @@
               <c:showSerName val="0"/>
               <c:showPercent val="0"/>
               <c:showBubbleSize val="0"/>
-              <c:extLst xmlns:c16r2="http://schemas.microsoft.com/office/drawing/2015/06/chart">
+              <c:extLst>
+                <c:ext xmlns:c15="http://schemas.microsoft.com/office/drawing/2012/chart" uri="{CE6537A1-D6FC-4f65-9D91-7224C49458BB}"/>
                 <c:ext xmlns:c16="http://schemas.microsoft.com/office/drawing/2014/chart" uri="{C3380CC4-5D6E-409C-BE32-E72D297353CC}">
                   <c16:uniqueId val="{00000001-C391-49F3-B26A-0895E1FF37E3}"/>
-                </c:ext>
-                <c:ext xmlns:c15="http://schemas.microsoft.com/office/drawing/2012/chart" uri="{CE6537A1-D6FC-4f65-9D91-7224C49458BB}">
-                  <c15:layout/>
                 </c:ext>
               </c:extLst>
             </c:dLbl>
@@ -1019,8 +1013,8 @@
               <c:idx val="1"/>
               <c:layout>
                 <c:manualLayout>
-                  <c:x val="0.0101405502031871"/>
-                  <c:y val="0.0179259291393549"/>
+                  <c:x val="1.0140550203187101E-2"/>
+                  <c:y val="1.7925929139354899E-2"/>
                 </c:manualLayout>
               </c:layout>
               <c:dLblPos val="bestFit"/>
@@ -1030,12 +1024,10 @@
               <c:showSerName val="0"/>
               <c:showPercent val="0"/>
               <c:showBubbleSize val="0"/>
-              <c:extLst xmlns:c16r2="http://schemas.microsoft.com/office/drawing/2015/06/chart">
+              <c:extLst>
+                <c:ext xmlns:c15="http://schemas.microsoft.com/office/drawing/2012/chart" uri="{CE6537A1-D6FC-4f65-9D91-7224C49458BB}"/>
                 <c:ext xmlns:c16="http://schemas.microsoft.com/office/drawing/2014/chart" uri="{C3380CC4-5D6E-409C-BE32-E72D297353CC}">
                   <c16:uniqueId val="{00000003-C391-49F3-B26A-0895E1FF37E3}"/>
-                </c:ext>
-                <c:ext xmlns:c15="http://schemas.microsoft.com/office/drawing/2012/chart" uri="{CE6537A1-D6FC-4f65-9D91-7224C49458BB}">
-                  <c15:layout/>
                 </c:ext>
               </c:extLst>
             </c:dLbl>
@@ -1043,8 +1035,8 @@
               <c:idx val="3"/>
               <c:layout>
                 <c:manualLayout>
-                  <c:x val="-0.0128483448847597"/>
-                  <c:y val="-0.0108952868259431"/>
+                  <c:x val="-1.2848344884759701E-2"/>
+                  <c:y val="-1.0895286825943099E-2"/>
                 </c:manualLayout>
               </c:layout>
               <c:dLblPos val="bestFit"/>
@@ -1054,12 +1046,10 @@
               <c:showSerName val="0"/>
               <c:showPercent val="0"/>
               <c:showBubbleSize val="0"/>
-              <c:extLst xmlns:c16r2="http://schemas.microsoft.com/office/drawing/2015/06/chart">
+              <c:extLst>
+                <c:ext xmlns:c15="http://schemas.microsoft.com/office/drawing/2012/chart" uri="{CE6537A1-D6FC-4f65-9D91-7224C49458BB}"/>
                 <c:ext xmlns:c16="http://schemas.microsoft.com/office/drawing/2014/chart" uri="{C3380CC4-5D6E-409C-BE32-E72D297353CC}">
                   <c16:uniqueId val="{00000007-C391-49F3-B26A-0895E1FF37E3}"/>
-                </c:ext>
-                <c:ext xmlns:c15="http://schemas.microsoft.com/office/drawing/2012/chart" uri="{CE6537A1-D6FC-4f65-9D91-7224C49458BB}">
-                  <c15:layout/>
                 </c:ext>
               </c:extLst>
             </c:dLbl>
@@ -1093,10 +1083,8 @@
             <c:showPercent val="0"/>
             <c:showBubbleSize val="0"/>
             <c:showLeaderLines val="0"/>
-            <c:extLst xmlns:c16r2="http://schemas.microsoft.com/office/drawing/2015/06/chart">
-              <c:ext xmlns:c15="http://schemas.microsoft.com/office/drawing/2012/chart" uri="{CE6537A1-D6FC-4f65-9D91-7224C49458BB}">
-                <c15:layout/>
-              </c:ext>
+            <c:extLst>
+              <c:ext xmlns:c15="http://schemas.microsoft.com/office/drawing/2012/chart" uri="{CE6537A1-D6FC-4f65-9D91-7224C49458BB}"/>
             </c:extLst>
           </c:dLbls>
           <c:cat>
@@ -1132,15 +1120,15 @@
                   <c:v>10.5</c:v>
                 </c:pt>
                 <c:pt idx="2">
-                  <c:v>61.0</c:v>
+                  <c:v>61</c:v>
                 </c:pt>
                 <c:pt idx="3">
-                  <c:v>6.0</c:v>
+                  <c:v>6</c:v>
                 </c:pt>
               </c:numCache>
             </c:numRef>
           </c:val>
-          <c:extLst xmlns:c16r2="http://schemas.microsoft.com/office/drawing/2015/06/chart">
+          <c:extLst>
             <c:ext xmlns:c16="http://schemas.microsoft.com/office/drawing/2014/chart" uri="{C3380CC4-5D6E-409C-BE32-E72D297353CC}">
               <c16:uniqueId val="{00000008-C391-49F3-B26A-0895E1FF37E3}"/>
             </c:ext>
@@ -1185,7 +1173,7 @@
                 <a:prstDash val="solid"/>
               </a:ln>
             </c:spPr>
-            <c:extLst xmlns:c16r2="http://schemas.microsoft.com/office/drawing/2015/06/chart">
+            <c:extLst>
               <c:ext xmlns:c16="http://schemas.microsoft.com/office/drawing/2014/chart" uri="{C3380CC4-5D6E-409C-BE32-E72D297353CC}">
                 <c16:uniqueId val="{0000000A-C391-49F3-B26A-0895E1FF37E3}"/>
               </c:ext>
@@ -1194,7 +1182,7 @@
           <c:dPt>
             <c:idx val="1"/>
             <c:bubble3D val="0"/>
-            <c:extLst xmlns:c16r2="http://schemas.microsoft.com/office/drawing/2015/06/chart">
+            <c:extLst>
               <c:ext xmlns:c16="http://schemas.microsoft.com/office/drawing/2014/chart" uri="{C3380CC4-5D6E-409C-BE32-E72D297353CC}">
                 <c16:uniqueId val="{0000000B-C391-49F3-B26A-0895E1FF37E3}"/>
               </c:ext>
@@ -1214,7 +1202,7 @@
                 <a:prstDash val="solid"/>
               </a:ln>
             </c:spPr>
-            <c:extLst xmlns:c16r2="http://schemas.microsoft.com/office/drawing/2015/06/chart">
+            <c:extLst>
               <c:ext xmlns:c16="http://schemas.microsoft.com/office/drawing/2014/chart" uri="{C3380CC4-5D6E-409C-BE32-E72D297353CC}">
                 <c16:uniqueId val="{0000000D-C391-49F3-B26A-0895E1FF37E3}"/>
               </c:ext>
@@ -1234,7 +1222,7 @@
                 <a:prstDash val="solid"/>
               </a:ln>
             </c:spPr>
-            <c:extLst xmlns:c16r2="http://schemas.microsoft.com/office/drawing/2015/06/chart">
+            <c:extLst>
               <c:ext xmlns:c16="http://schemas.microsoft.com/office/drawing/2014/chart" uri="{C3380CC4-5D6E-409C-BE32-E72D297353CC}">
                 <c16:uniqueId val="{0000000F-C391-49F3-B26A-0895E1FF37E3}"/>
               </c:ext>
@@ -1271,7 +1259,7 @@
             <c:showPercent val="0"/>
             <c:showBubbleSize val="0"/>
             <c:showLeaderLines val="0"/>
-            <c:extLst xmlns:c16r2="http://schemas.microsoft.com/office/drawing/2015/06/chart">
+            <c:extLst>
               <c:ext xmlns:c15="http://schemas.microsoft.com/office/drawing/2012/chart" uri="{CE6537A1-D6FC-4f65-9D91-7224C49458BB}"/>
             </c:extLst>
           </c:dLbls>
@@ -1302,21 +1290,21 @@
                 <c:formatCode>General</c:formatCode>
                 <c:ptCount val="4"/>
                 <c:pt idx="0">
-                  <c:v>1.0</c:v>
+                  <c:v>1</c:v>
                 </c:pt>
                 <c:pt idx="1">
-                  <c:v>1.0</c:v>
+                  <c:v>1</c:v>
                 </c:pt>
                 <c:pt idx="2">
-                  <c:v>1.0</c:v>
+                  <c:v>1</c:v>
                 </c:pt>
                 <c:pt idx="3">
-                  <c:v>1.0</c:v>
+                  <c:v>1</c:v>
                 </c:pt>
               </c:numCache>
             </c:numRef>
           </c:val>
-          <c:extLst xmlns:c16r2="http://schemas.microsoft.com/office/drawing/2015/06/chart">
+          <c:extLst>
             <c:ext xmlns:c16="http://schemas.microsoft.com/office/drawing/2014/chart" uri="{C3380CC4-5D6E-409C-BE32-E72D297353CC}">
               <c16:uniqueId val="{00000010-C391-49F3-B26A-0895E1FF37E3}"/>
             </c:ext>
@@ -1361,7 +1349,7 @@
                 <a:prstDash val="solid"/>
               </a:ln>
             </c:spPr>
-            <c:extLst xmlns:c16r2="http://schemas.microsoft.com/office/drawing/2015/06/chart">
+            <c:extLst>
               <c:ext xmlns:c16="http://schemas.microsoft.com/office/drawing/2014/chart" uri="{C3380CC4-5D6E-409C-BE32-E72D297353CC}">
                 <c16:uniqueId val="{00000012-C391-49F3-B26A-0895E1FF37E3}"/>
               </c:ext>
@@ -1381,7 +1369,7 @@
                 <a:prstDash val="solid"/>
               </a:ln>
             </c:spPr>
-            <c:extLst xmlns:c16r2="http://schemas.microsoft.com/office/drawing/2015/06/chart">
+            <c:extLst>
               <c:ext xmlns:c16="http://schemas.microsoft.com/office/drawing/2014/chart" uri="{C3380CC4-5D6E-409C-BE32-E72D297353CC}">
                 <c16:uniqueId val="{00000014-C391-49F3-B26A-0895E1FF37E3}"/>
               </c:ext>
@@ -1390,7 +1378,7 @@
           <c:dPt>
             <c:idx val="2"/>
             <c:bubble3D val="0"/>
-            <c:extLst xmlns:c16r2="http://schemas.microsoft.com/office/drawing/2015/06/chart">
+            <c:extLst>
               <c:ext xmlns:c16="http://schemas.microsoft.com/office/drawing/2014/chart" uri="{C3380CC4-5D6E-409C-BE32-E72D297353CC}">
                 <c16:uniqueId val="{00000015-C391-49F3-B26A-0895E1FF37E3}"/>
               </c:ext>
@@ -1410,7 +1398,7 @@
                 <a:prstDash val="solid"/>
               </a:ln>
             </c:spPr>
-            <c:extLst xmlns:c16r2="http://schemas.microsoft.com/office/drawing/2015/06/chart">
+            <c:extLst>
               <c:ext xmlns:c16="http://schemas.microsoft.com/office/drawing/2014/chart" uri="{C3380CC4-5D6E-409C-BE32-E72D297353CC}">
                 <c16:uniqueId val="{00000017-C391-49F3-B26A-0895E1FF37E3}"/>
               </c:ext>
@@ -1447,7 +1435,7 @@
             <c:showPercent val="0"/>
             <c:showBubbleSize val="0"/>
             <c:showLeaderLines val="0"/>
-            <c:extLst xmlns:c16r2="http://schemas.microsoft.com/office/drawing/2015/06/chart">
+            <c:extLst>
               <c:ext xmlns:c15="http://schemas.microsoft.com/office/drawing/2012/chart" uri="{CE6537A1-D6FC-4f65-9D91-7224C49458BB}"/>
             </c:extLst>
           </c:dLbls>
@@ -1478,21 +1466,21 @@
                 <c:formatCode>General</c:formatCode>
                 <c:ptCount val="4"/>
                 <c:pt idx="0">
-                  <c:v>1.0</c:v>
+                  <c:v>1</c:v>
                 </c:pt>
                 <c:pt idx="1">
-                  <c:v>1.0</c:v>
+                  <c:v>1</c:v>
                 </c:pt>
                 <c:pt idx="2">
-                  <c:v>1.0</c:v>
+                  <c:v>1</c:v>
                 </c:pt>
                 <c:pt idx="3">
-                  <c:v>1.0</c:v>
+                  <c:v>1</c:v>
                 </c:pt>
               </c:numCache>
             </c:numRef>
           </c:val>
-          <c:extLst xmlns:c16r2="http://schemas.microsoft.com/office/drawing/2015/06/chart">
+          <c:extLst>
             <c:ext xmlns:c16="http://schemas.microsoft.com/office/drawing/2014/chart" uri="{C3380CC4-5D6E-409C-BE32-E72D297353CC}">
               <c16:uniqueId val="{00000018-C391-49F3-B26A-0895E1FF37E3}"/>
             </c:ext>
@@ -1602,10 +1590,10 @@
         <c:manualLayout>
           <c:xMode val="edge"/>
           <c:yMode val="edge"/>
-          <c:x val="0.744627054361568"/>
-          <c:y val="0.30952380952381"/>
+          <c:x val="0.74462705436156795"/>
+          <c:y val="0.30952380952380998"/>
           <c:w val="0.193426042983565"/>
-          <c:h val="0.279761904761905"/>
+          <c:h val="0.27976190476190499"/>
         </c:manualLayout>
       </c:layout>
       <c:overlay val="0"/>
@@ -3030,7 +3018,7 @@
             <a:fld id="{1760A340-2167-4270-89CF-50EB6C0DB420}" type="slidenum">
               <a:rPr lang="de-DE" altLang="de-DE" smtClean="0"/>
               <a:pPr/>
-              <a:t>6</a:t>
+              <a:t>7</a:t>
             </a:fld>
             <a:endParaRPr lang="de-DE" altLang="de-DE"/>
           </a:p>
@@ -3119,7 +3107,7 @@
             <a:fld id="{1760A340-2167-4270-89CF-50EB6C0DB420}" type="slidenum">
               <a:rPr lang="de-DE" altLang="de-DE" smtClean="0"/>
               <a:pPr/>
-              <a:t>7</a:t>
+              <a:t>8</a:t>
             </a:fld>
             <a:endParaRPr lang="de-DE" altLang="de-DE"/>
           </a:p>
@@ -3456,7 +3444,7 @@
           <a:lstStyle/>
           <a:p>
             <a:r>
-              <a:rPr lang="en-US" altLang="de-DE" smtClean="0"/>
+              <a:rPr lang="en-US" altLang="de-DE"/>
               <a:t>SIP2 Zwischenpräsentation | Uschakow | Alhanoun | Skiadas</a:t>
             </a:r>
             <a:endParaRPr lang="de-DE" altLang="de-DE" dirty="0"/>
@@ -3853,7 +3841,7 @@
           </a:lstStyle>
           <a:p>
             <a:r>
-              <a:rPr lang="en-US" altLang="de-DE" smtClean="0"/>
+              <a:rPr lang="en-US" altLang="de-DE"/>
               <a:t>SIP2 Zwischenpräsentation | Uschakow | Alhanoun | Skiadas</a:t>
             </a:r>
             <a:endParaRPr lang="de-DE" altLang="de-DE" dirty="0"/>
@@ -4509,33 +4497,33 @@
           </a:p>
           <a:p>
             <a:r>
-              <a:rPr lang="de-DE" altLang="de-DE" dirty="0" smtClean="0"/>
+              <a:rPr lang="de-DE" altLang="de-DE" dirty="0"/>
               <a:t>Alexandros </a:t>
             </a:r>
             <a:r>
-              <a:rPr lang="de-DE" altLang="de-DE" dirty="0" err="1" smtClean="0"/>
+              <a:rPr lang="de-DE" altLang="de-DE" dirty="0" err="1"/>
               <a:t>Skiadas</a:t>
             </a:r>
             <a:endParaRPr lang="de-DE" altLang="de-DE" dirty="0"/>
           </a:p>
           <a:p>
             <a:r>
-              <a:rPr lang="de-DE" altLang="de-DE" dirty="0" smtClean="0"/>
-              <a:t>Eduard </a:t>
-            </a:r>
-            <a:r>
-              <a:rPr lang="de-DE" altLang="de-DE" dirty="0" err="1" smtClean="0"/>
+              <a:rPr lang="de-DE" altLang="de-DE" dirty="0"/>
+              <a:t>Edward </a:t>
+            </a:r>
+            <a:r>
+              <a:rPr lang="de-DE" altLang="de-DE" dirty="0" err="1"/>
               <a:t>Alhanoun</a:t>
             </a:r>
             <a:endParaRPr lang="de-DE" altLang="de-DE" dirty="0"/>
           </a:p>
           <a:p>
             <a:r>
-              <a:rPr lang="de-DE" altLang="de-DE" dirty="0" smtClean="0"/>
+              <a:rPr lang="de-DE" altLang="de-DE" dirty="0"/>
               <a:t>Stanislav </a:t>
             </a:r>
             <a:r>
-              <a:rPr lang="de-DE" altLang="de-DE" dirty="0" err="1" smtClean="0"/>
+              <a:rPr lang="de-DE" altLang="de-DE" dirty="0" err="1"/>
               <a:t>Uschakow</a:t>
             </a:r>
             <a:endParaRPr lang="de-DE" altLang="de-DE" dirty="0"/>
@@ -4689,828 +4677,56 @@
         <p:spPr>
           <a:xfrm>
             <a:off x="971550" y="1404000"/>
-            <a:ext cx="6984826" cy="792162"/>
+            <a:ext cx="7704138" cy="792162"/>
           </a:xfrm>
         </p:spPr>
         <p:txBody>
           <a:bodyPr/>
           <a:lstStyle/>
           <a:p>
-            <a:r>
+            <a:br>
               <a:rPr lang="de-DE" altLang="de-DE" dirty="0"/>
-              <a:t>Überschrift Bildfolie – zwei Bilder mit Text</a:t>
-            </a:r>
+            </a:br>
+            <a:endParaRPr lang="de-DE" altLang="de-DE" dirty="0"/>
           </a:p>
         </p:txBody>
       </p:sp>
-      <p:sp>
-        <p:nvSpPr>
-          <p:cNvPr id="6" name="Rectangle 3"/>
-          <p:cNvSpPr txBox="1">
-            <a:spLocks noChangeArrowheads="1"/>
-          </p:cNvSpPr>
+      <p:pic>
+        <p:nvPicPr>
+          <p:cNvPr id="7" name="Grafik 6">
+            <a:extLst>
+              <a:ext uri="{FF2B5EF4-FFF2-40B4-BE49-F238E27FC236}">
+                <a16:creationId xmlns:a16="http://schemas.microsoft.com/office/drawing/2014/main" id="{8483136C-9CE8-4C03-9D7D-41B57C8F8891}"/>
+              </a:ext>
+            </a:extLst>
+          </p:cNvPr>
+          <p:cNvPicPr>
+            <a:picLocks noChangeAspect="1"/>
+          </p:cNvPicPr>
           <p:nvPr/>
-        </p:nvSpPr>
+        </p:nvPicPr>
+        <p:blipFill>
+          <a:blip r:embed="rId2">
+            <a:extLst>
+              <a:ext uri="{28A0092B-C50C-407E-A947-70E740481C1C}">
+                <a14:useLocalDpi xmlns:a14="http://schemas.microsoft.com/office/drawing/2010/main" val="0"/>
+              </a:ext>
+            </a:extLst>
+          </a:blip>
+          <a:stretch>
+            <a:fillRect/>
+          </a:stretch>
+        </p:blipFill>
         <p:spPr>
           <a:xfrm>
-            <a:off x="971550" y="5373688"/>
-            <a:ext cx="3744913" cy="863600"/>
+            <a:off x="665820" y="1196752"/>
+            <a:ext cx="7812360" cy="5122859"/>
           </a:xfrm>
           <a:prstGeom prst="rect">
             <a:avLst/>
           </a:prstGeom>
         </p:spPr>
-        <p:txBody>
-          <a:bodyPr/>
-          <a:lstStyle>
-            <a:lvl1pPr algn="l" rtl="0" eaLnBrk="1" fontAlgn="base" hangingPunct="1">
-              <a:lnSpc>
-                <a:spcPct val="110000"/>
-              </a:lnSpc>
-              <a:spcBef>
-                <a:spcPct val="0"/>
-              </a:spcBef>
-              <a:spcAft>
-                <a:spcPct val="20000"/>
-              </a:spcAft>
-              <a:defRPr>
-                <a:solidFill>
-                  <a:schemeClr val="tx1"/>
-                </a:solidFill>
-                <a:latin typeface="+mn-lt"/>
-                <a:ea typeface="+mn-ea"/>
-                <a:cs typeface="+mn-cs"/>
-              </a:defRPr>
-            </a:lvl1pPr>
-            <a:lvl2pPr marL="182563" indent="-180975" algn="l" rtl="0" eaLnBrk="1" fontAlgn="base" hangingPunct="1">
-              <a:lnSpc>
-                <a:spcPct val="110000"/>
-              </a:lnSpc>
-              <a:spcBef>
-                <a:spcPct val="0"/>
-              </a:spcBef>
-              <a:spcAft>
-                <a:spcPct val="20000"/>
-              </a:spcAft>
-              <a:buFont typeface="Arial" charset="0"/>
-              <a:buChar char="•"/>
-              <a:defRPr>
-                <a:solidFill>
-                  <a:schemeClr val="tx1"/>
-                </a:solidFill>
-                <a:latin typeface="+mn-lt"/>
-              </a:defRPr>
-            </a:lvl2pPr>
-            <a:lvl3pPr marL="366713" indent="-182563" algn="l" rtl="0" eaLnBrk="1" fontAlgn="base" hangingPunct="1">
-              <a:lnSpc>
-                <a:spcPct val="110000"/>
-              </a:lnSpc>
-              <a:spcBef>
-                <a:spcPct val="0"/>
-              </a:spcBef>
-              <a:spcAft>
-                <a:spcPct val="20000"/>
-              </a:spcAft>
-              <a:buFont typeface="Arial" charset="0"/>
-              <a:buChar char="•"/>
-              <a:defRPr>
-                <a:solidFill>
-                  <a:schemeClr val="tx1"/>
-                </a:solidFill>
-                <a:latin typeface="+mn-lt"/>
-              </a:defRPr>
-            </a:lvl3pPr>
-            <a:lvl4pPr marL="552450" indent="-184150" algn="l" rtl="0" eaLnBrk="1" fontAlgn="base" hangingPunct="1">
-              <a:lnSpc>
-                <a:spcPct val="110000"/>
-              </a:lnSpc>
-              <a:spcBef>
-                <a:spcPct val="0"/>
-              </a:spcBef>
-              <a:spcAft>
-                <a:spcPct val="20000"/>
-              </a:spcAft>
-              <a:buFont typeface="Arial" charset="0"/>
-              <a:buChar char="•"/>
-              <a:defRPr>
-                <a:solidFill>
-                  <a:schemeClr val="tx1"/>
-                </a:solidFill>
-                <a:latin typeface="+mn-lt"/>
-              </a:defRPr>
-            </a:lvl4pPr>
-            <a:lvl5pPr marL="738188" indent="-184150" algn="l" rtl="0" eaLnBrk="1" fontAlgn="base" hangingPunct="1">
-              <a:lnSpc>
-                <a:spcPct val="110000"/>
-              </a:lnSpc>
-              <a:spcBef>
-                <a:spcPct val="0"/>
-              </a:spcBef>
-              <a:spcAft>
-                <a:spcPct val="20000"/>
-              </a:spcAft>
-              <a:buFont typeface="Arial" charset="0"/>
-              <a:buChar char="•"/>
-              <a:defRPr>
-                <a:solidFill>
-                  <a:schemeClr val="tx1"/>
-                </a:solidFill>
-                <a:latin typeface="+mn-lt"/>
-              </a:defRPr>
-            </a:lvl5pPr>
-            <a:lvl6pPr marL="1195388" indent="-184150" algn="l" rtl="0" eaLnBrk="1" fontAlgn="base" hangingPunct="1">
-              <a:lnSpc>
-                <a:spcPct val="110000"/>
-              </a:lnSpc>
-              <a:spcBef>
-                <a:spcPct val="0"/>
-              </a:spcBef>
-              <a:spcAft>
-                <a:spcPct val="20000"/>
-              </a:spcAft>
-              <a:buFont typeface="Arial" charset="0"/>
-              <a:buChar char="•"/>
-              <a:defRPr>
-                <a:solidFill>
-                  <a:schemeClr val="tx1"/>
-                </a:solidFill>
-                <a:latin typeface="+mn-lt"/>
-              </a:defRPr>
-            </a:lvl6pPr>
-            <a:lvl7pPr marL="1652588" indent="-184150" algn="l" rtl="0" eaLnBrk="1" fontAlgn="base" hangingPunct="1">
-              <a:lnSpc>
-                <a:spcPct val="110000"/>
-              </a:lnSpc>
-              <a:spcBef>
-                <a:spcPct val="0"/>
-              </a:spcBef>
-              <a:spcAft>
-                <a:spcPct val="20000"/>
-              </a:spcAft>
-              <a:buFont typeface="Arial" charset="0"/>
-              <a:buChar char="•"/>
-              <a:defRPr>
-                <a:solidFill>
-                  <a:schemeClr val="tx1"/>
-                </a:solidFill>
-                <a:latin typeface="+mn-lt"/>
-              </a:defRPr>
-            </a:lvl7pPr>
-            <a:lvl8pPr marL="2109788" indent="-184150" algn="l" rtl="0" eaLnBrk="1" fontAlgn="base" hangingPunct="1">
-              <a:lnSpc>
-                <a:spcPct val="110000"/>
-              </a:lnSpc>
-              <a:spcBef>
-                <a:spcPct val="0"/>
-              </a:spcBef>
-              <a:spcAft>
-                <a:spcPct val="20000"/>
-              </a:spcAft>
-              <a:buFont typeface="Arial" charset="0"/>
-              <a:buChar char="•"/>
-              <a:defRPr>
-                <a:solidFill>
-                  <a:schemeClr val="tx1"/>
-                </a:solidFill>
-                <a:latin typeface="+mn-lt"/>
-              </a:defRPr>
-            </a:lvl8pPr>
-            <a:lvl9pPr marL="2566988" indent="-184150" algn="l" rtl="0" eaLnBrk="1" fontAlgn="base" hangingPunct="1">
-              <a:lnSpc>
-                <a:spcPct val="110000"/>
-              </a:lnSpc>
-              <a:spcBef>
-                <a:spcPct val="0"/>
-              </a:spcBef>
-              <a:spcAft>
-                <a:spcPct val="20000"/>
-              </a:spcAft>
-              <a:buFont typeface="Arial" charset="0"/>
-              <a:buChar char="•"/>
-              <a:defRPr>
-                <a:solidFill>
-                  <a:schemeClr val="tx1"/>
-                </a:solidFill>
-                <a:latin typeface="+mn-lt"/>
-              </a:defRPr>
-            </a:lvl9pPr>
-          </a:lstStyle>
-          <a:p>
-            <a:r>
-              <a:rPr lang="de-DE" altLang="de-DE" sz="1500" kern="0"/>
-              <a:t>Mit seiner Aufnahme in die Elite war Knechts Leben auf eine andre Ebene verpflanzt.</a:t>
-            </a:r>
-          </a:p>
-        </p:txBody>
-      </p:sp>
-      <p:sp>
-        <p:nvSpPr>
-          <p:cNvPr id="7" name="Rectangle 4"/>
-          <p:cNvSpPr>
-            <a:spLocks noChangeArrowheads="1"/>
-          </p:cNvSpPr>
-          <p:nvPr/>
-        </p:nvSpPr>
-        <p:spPr bwMode="invGray">
-          <a:xfrm>
-            <a:off x="971550" y="2060848"/>
-            <a:ext cx="3744913" cy="3096940"/>
-          </a:xfrm>
-          <a:prstGeom prst="rect">
-            <a:avLst/>
-          </a:prstGeom>
-          <a:solidFill>
-            <a:srgbClr val="C0C0C0"/>
-          </a:solidFill>
-          <a:ln>
-            <a:noFill/>
-          </a:ln>
-          <a:effectLst/>
-          <a:extLst>
-            <a:ext uri="{91240B29-F687-4F45-9708-019B960494DF}">
-              <a14:hiddenLine xmlns:a14="http://schemas.microsoft.com/office/drawing/2010/main" w="19050" algn="ctr">
-                <a:solidFill>
-                  <a:schemeClr val="tx2"/>
-                </a:solidFill>
-                <a:miter lim="800000"/>
-                <a:headEnd/>
-                <a:tailEnd/>
-              </a14:hiddenLine>
-            </a:ext>
-            <a:ext uri="{AF507438-7753-43E0-B8FC-AC1667EBCBE1}">
-              <a14:hiddenEffects xmlns:a14="http://schemas.microsoft.com/office/drawing/2010/main">
-                <a:effectLst>
-                  <a:outerShdw dist="35921" dir="2700000" algn="ctr" rotWithShape="0">
-                    <a:schemeClr val="bg2"/>
-                  </a:outerShdw>
-                </a:effectLst>
-              </a14:hiddenEffects>
-            </a:ext>
-          </a:extLst>
-        </p:spPr>
-        <p:txBody>
-          <a:bodyPr lIns="0" tIns="0" rIns="0" bIns="0" anchor="ctr"/>
-          <a:lstStyle>
-            <a:lvl1pPr marL="376238" algn="l">
-              <a:defRPr sz="2400">
-                <a:solidFill>
-                  <a:schemeClr val="tx1"/>
-                </a:solidFill>
-                <a:latin typeface="Arial" charset="0"/>
-              </a:defRPr>
-            </a:lvl1pPr>
-            <a:lvl2pPr marL="566738" algn="l">
-              <a:defRPr sz="2400">
-                <a:solidFill>
-                  <a:schemeClr val="tx1"/>
-                </a:solidFill>
-                <a:latin typeface="Arial" charset="0"/>
-              </a:defRPr>
-            </a:lvl2pPr>
-            <a:lvl3pPr algn="l">
-              <a:defRPr sz="2400">
-                <a:solidFill>
-                  <a:schemeClr val="tx1"/>
-                </a:solidFill>
-                <a:latin typeface="Arial" charset="0"/>
-              </a:defRPr>
-            </a:lvl3pPr>
-            <a:lvl4pPr algn="l">
-              <a:defRPr sz="2400">
-                <a:solidFill>
-                  <a:schemeClr val="tx1"/>
-                </a:solidFill>
-                <a:latin typeface="Arial" charset="0"/>
-              </a:defRPr>
-            </a:lvl4pPr>
-            <a:lvl5pPr algn="l">
-              <a:defRPr sz="2400">
-                <a:solidFill>
-                  <a:schemeClr val="tx1"/>
-                </a:solidFill>
-                <a:latin typeface="Arial" charset="0"/>
-              </a:defRPr>
-            </a:lvl5pPr>
-            <a:lvl6pPr eaLnBrk="0" fontAlgn="base" hangingPunct="0">
-              <a:spcBef>
-                <a:spcPct val="0"/>
-              </a:spcBef>
-              <a:spcAft>
-                <a:spcPct val="0"/>
-              </a:spcAft>
-              <a:defRPr sz="2400">
-                <a:solidFill>
-                  <a:schemeClr val="tx1"/>
-                </a:solidFill>
-                <a:latin typeface="Arial" charset="0"/>
-              </a:defRPr>
-            </a:lvl6pPr>
-            <a:lvl7pPr eaLnBrk="0" fontAlgn="base" hangingPunct="0">
-              <a:spcBef>
-                <a:spcPct val="0"/>
-              </a:spcBef>
-              <a:spcAft>
-                <a:spcPct val="0"/>
-              </a:spcAft>
-              <a:defRPr sz="2400">
-                <a:solidFill>
-                  <a:schemeClr val="tx1"/>
-                </a:solidFill>
-                <a:latin typeface="Arial" charset="0"/>
-              </a:defRPr>
-            </a:lvl7pPr>
-            <a:lvl8pPr eaLnBrk="0" fontAlgn="base" hangingPunct="0">
-              <a:spcBef>
-                <a:spcPct val="0"/>
-              </a:spcBef>
-              <a:spcAft>
-                <a:spcPct val="0"/>
-              </a:spcAft>
-              <a:defRPr sz="2400">
-                <a:solidFill>
-                  <a:schemeClr val="tx1"/>
-                </a:solidFill>
-                <a:latin typeface="Arial" charset="0"/>
-              </a:defRPr>
-            </a:lvl8pPr>
-            <a:lvl9pPr eaLnBrk="0" fontAlgn="base" hangingPunct="0">
-              <a:spcBef>
-                <a:spcPct val="0"/>
-              </a:spcBef>
-              <a:spcAft>
-                <a:spcPct val="0"/>
-              </a:spcAft>
-              <a:defRPr sz="2400">
-                <a:solidFill>
-                  <a:schemeClr val="tx1"/>
-                </a:solidFill>
-                <a:latin typeface="Arial" charset="0"/>
-              </a:defRPr>
-            </a:lvl9pPr>
-          </a:lstStyle>
-          <a:p>
-            <a:pPr eaLnBrk="1" hangingPunct="1">
-              <a:spcBef>
-                <a:spcPct val="30000"/>
-              </a:spcBef>
-            </a:pPr>
-            <a:r>
-              <a:rPr lang="de-DE" altLang="de-DE" sz="1300" b="1" dirty="0">
-                <a:solidFill>
-                  <a:srgbClr val="000000"/>
-                </a:solidFill>
-              </a:rPr>
-              <a:t>BILD</a:t>
-            </a:r>
-          </a:p>
-          <a:p>
-            <a:pPr eaLnBrk="1" hangingPunct="1">
-              <a:spcBef>
-                <a:spcPct val="30000"/>
-              </a:spcBef>
-            </a:pPr>
-            <a:r>
-              <a:rPr lang="de-DE" altLang="de-DE" sz="1300" dirty="0">
-                <a:solidFill>
-                  <a:srgbClr val="000000"/>
-                </a:solidFill>
-              </a:rPr>
-              <a:t>Positionierungsfläche für Bilder.</a:t>
-            </a:r>
-          </a:p>
-          <a:p>
-            <a:pPr eaLnBrk="1" hangingPunct="1">
-              <a:spcBef>
-                <a:spcPct val="30000"/>
-              </a:spcBef>
-            </a:pPr>
-            <a:r>
-              <a:rPr lang="de-DE" altLang="de-DE" sz="1300" dirty="0">
-                <a:solidFill>
-                  <a:srgbClr val="000000"/>
-                </a:solidFill>
-              </a:rPr>
-              <a:t>Bitte in linker oberer Ecke beginnen.</a:t>
-            </a:r>
-          </a:p>
-          <a:p>
-            <a:pPr eaLnBrk="1" hangingPunct="1">
-              <a:spcBef>
-                <a:spcPct val="30000"/>
-              </a:spcBef>
-            </a:pPr>
-            <a:r>
-              <a:rPr lang="de-DE" altLang="de-DE" sz="1300" dirty="0">
-                <a:solidFill>
-                  <a:srgbClr val="000000"/>
-                </a:solidFill>
-              </a:rPr>
-              <a:t>Bis maximal rechte und/oder untere Begrenzung, ggf. Bild beschneiden.</a:t>
-            </a:r>
-          </a:p>
-          <a:p>
-            <a:pPr eaLnBrk="1" hangingPunct="1">
-              <a:spcBef>
-                <a:spcPct val="30000"/>
-              </a:spcBef>
-            </a:pPr>
-            <a:endParaRPr lang="de-DE" altLang="de-DE" sz="1300" dirty="0">
-              <a:solidFill>
-                <a:srgbClr val="000000"/>
-              </a:solidFill>
-            </a:endParaRPr>
-          </a:p>
-        </p:txBody>
-      </p:sp>
-      <p:sp>
-        <p:nvSpPr>
-          <p:cNvPr id="8" name="Rectangle 11"/>
-          <p:cNvSpPr>
-            <a:spLocks noChangeArrowheads="1"/>
-          </p:cNvSpPr>
-          <p:nvPr/>
-        </p:nvSpPr>
-        <p:spPr bwMode="gray">
-          <a:xfrm>
-            <a:off x="4932363" y="5373688"/>
-            <a:ext cx="3743325" cy="863600"/>
-          </a:xfrm>
-          <a:prstGeom prst="rect">
-            <a:avLst/>
-          </a:prstGeom>
-          <a:noFill/>
-          <a:ln>
-            <a:noFill/>
-          </a:ln>
-          <a:effectLst/>
-          <a:extLst>
-            <a:ext uri="{909E8E84-426E-40DD-AFC4-6F175D3DCCD1}">
-              <a14:hiddenFill xmlns:a14="http://schemas.microsoft.com/office/drawing/2010/main">
-                <a:solidFill>
-                  <a:schemeClr val="tx2"/>
-                </a:solidFill>
-              </a14:hiddenFill>
-            </a:ext>
-            <a:ext uri="{91240B29-F687-4F45-9708-019B960494DF}">
-              <a14:hiddenLine xmlns:a14="http://schemas.microsoft.com/office/drawing/2010/main" w="9525">
-                <a:solidFill>
-                  <a:schemeClr val="tx1"/>
-                </a:solidFill>
-                <a:miter lim="800000"/>
-                <a:headEnd/>
-                <a:tailEnd/>
-              </a14:hiddenLine>
-            </a:ext>
-            <a:ext uri="{AF507438-7753-43E0-B8FC-AC1667EBCBE1}">
-              <a14:hiddenEffects xmlns:a14="http://schemas.microsoft.com/office/drawing/2010/main">
-                <a:effectLst>
-                  <a:outerShdw dist="35921" dir="2700000" algn="ctr" rotWithShape="0">
-                    <a:schemeClr val="bg2"/>
-                  </a:outerShdw>
-                </a:effectLst>
-              </a14:hiddenEffects>
-            </a:ext>
-          </a:extLst>
-        </p:spPr>
-        <p:txBody>
-          <a:bodyPr lIns="0" tIns="0" rIns="0" bIns="0"/>
-          <a:lstStyle>
-            <a:lvl1pPr algn="l">
-              <a:defRPr sz="2400">
-                <a:solidFill>
-                  <a:schemeClr val="tx1"/>
-                </a:solidFill>
-                <a:latin typeface="Arial" charset="0"/>
-              </a:defRPr>
-            </a:lvl1pPr>
-            <a:lvl2pPr marL="188913" indent="133350" algn="l">
-              <a:defRPr sz="2400">
-                <a:solidFill>
-                  <a:schemeClr val="tx1"/>
-                </a:solidFill>
-                <a:latin typeface="Arial" charset="0"/>
-              </a:defRPr>
-            </a:lvl2pPr>
-            <a:lvl3pPr marL="339725" indent="123825" algn="l">
-              <a:defRPr sz="2400">
-                <a:solidFill>
-                  <a:schemeClr val="tx1"/>
-                </a:solidFill>
-                <a:latin typeface="Arial" charset="0"/>
-              </a:defRPr>
-            </a:lvl3pPr>
-            <a:lvl4pPr marL="479425" indent="123825" algn="l">
-              <a:defRPr sz="2400">
-                <a:solidFill>
-                  <a:schemeClr val="tx1"/>
-                </a:solidFill>
-                <a:latin typeface="Arial" charset="0"/>
-              </a:defRPr>
-            </a:lvl4pPr>
-            <a:lvl5pPr marL="622300" indent="120650" algn="l">
-              <a:defRPr sz="2400">
-                <a:solidFill>
-                  <a:schemeClr val="tx1"/>
-                </a:solidFill>
-                <a:latin typeface="Arial" charset="0"/>
-              </a:defRPr>
-            </a:lvl5pPr>
-            <a:lvl6pPr marL="1079500" indent="120650" eaLnBrk="0" fontAlgn="base" hangingPunct="0">
-              <a:spcBef>
-                <a:spcPct val="0"/>
-              </a:spcBef>
-              <a:spcAft>
-                <a:spcPct val="0"/>
-              </a:spcAft>
-              <a:defRPr sz="2400">
-                <a:solidFill>
-                  <a:schemeClr val="tx1"/>
-                </a:solidFill>
-                <a:latin typeface="Arial" charset="0"/>
-              </a:defRPr>
-            </a:lvl6pPr>
-            <a:lvl7pPr marL="1536700" indent="120650" eaLnBrk="0" fontAlgn="base" hangingPunct="0">
-              <a:spcBef>
-                <a:spcPct val="0"/>
-              </a:spcBef>
-              <a:spcAft>
-                <a:spcPct val="0"/>
-              </a:spcAft>
-              <a:defRPr sz="2400">
-                <a:solidFill>
-                  <a:schemeClr val="tx1"/>
-                </a:solidFill>
-                <a:latin typeface="Arial" charset="0"/>
-              </a:defRPr>
-            </a:lvl7pPr>
-            <a:lvl8pPr marL="1993900" indent="120650" eaLnBrk="0" fontAlgn="base" hangingPunct="0">
-              <a:spcBef>
-                <a:spcPct val="0"/>
-              </a:spcBef>
-              <a:spcAft>
-                <a:spcPct val="0"/>
-              </a:spcAft>
-              <a:defRPr sz="2400">
-                <a:solidFill>
-                  <a:schemeClr val="tx1"/>
-                </a:solidFill>
-                <a:latin typeface="Arial" charset="0"/>
-              </a:defRPr>
-            </a:lvl8pPr>
-            <a:lvl9pPr marL="2451100" indent="120650" eaLnBrk="0" fontAlgn="base" hangingPunct="0">
-              <a:spcBef>
-                <a:spcPct val="0"/>
-              </a:spcBef>
-              <a:spcAft>
-                <a:spcPct val="0"/>
-              </a:spcAft>
-              <a:defRPr sz="2400">
-                <a:solidFill>
-                  <a:schemeClr val="tx1"/>
-                </a:solidFill>
-                <a:latin typeface="Arial" charset="0"/>
-              </a:defRPr>
-            </a:lvl9pPr>
-          </a:lstStyle>
-          <a:p>
-            <a:pPr eaLnBrk="1" hangingPunct="1">
-              <a:lnSpc>
-                <a:spcPct val="110000"/>
-              </a:lnSpc>
-              <a:spcAft>
-                <a:spcPct val="20000"/>
-              </a:spcAft>
-            </a:pPr>
-            <a:r>
-              <a:rPr lang="de-DE" altLang="de-DE" sz="1500">
-                <a:solidFill>
-                  <a:srgbClr val="000000"/>
-                </a:solidFill>
-              </a:rPr>
-              <a:t>Es war der erste und entscheidende Schritt in seiner Entwicklung geschehen. </a:t>
-            </a:r>
-          </a:p>
-        </p:txBody>
-      </p:sp>
-      <p:sp>
-        <p:nvSpPr>
-          <p:cNvPr id="9" name="Rectangle 12"/>
-          <p:cNvSpPr>
-            <a:spLocks noChangeArrowheads="1"/>
-          </p:cNvSpPr>
-          <p:nvPr/>
-        </p:nvSpPr>
-        <p:spPr bwMode="invGray">
-          <a:xfrm>
-            <a:off x="4932363" y="2060848"/>
-            <a:ext cx="3743325" cy="3096940"/>
-          </a:xfrm>
-          <a:prstGeom prst="rect">
-            <a:avLst/>
-          </a:prstGeom>
-          <a:solidFill>
-            <a:srgbClr val="C0C0C0"/>
-          </a:solidFill>
-          <a:ln>
-            <a:noFill/>
-          </a:ln>
-          <a:effectLst/>
-          <a:extLst>
-            <a:ext uri="{91240B29-F687-4F45-9708-019B960494DF}">
-              <a14:hiddenLine xmlns:a14="http://schemas.microsoft.com/office/drawing/2010/main" w="19050" algn="ctr">
-                <a:solidFill>
-                  <a:schemeClr val="tx2"/>
-                </a:solidFill>
-                <a:miter lim="800000"/>
-                <a:headEnd/>
-                <a:tailEnd/>
-              </a14:hiddenLine>
-            </a:ext>
-            <a:ext uri="{AF507438-7753-43E0-B8FC-AC1667EBCBE1}">
-              <a14:hiddenEffects xmlns:a14="http://schemas.microsoft.com/office/drawing/2010/main">
-                <a:effectLst>
-                  <a:outerShdw dist="35921" dir="2700000" algn="ctr" rotWithShape="0">
-                    <a:schemeClr val="bg2"/>
-                  </a:outerShdw>
-                </a:effectLst>
-              </a14:hiddenEffects>
-            </a:ext>
-          </a:extLst>
-        </p:spPr>
-        <p:txBody>
-          <a:bodyPr lIns="0" tIns="0" rIns="0" bIns="0" anchor="ctr"/>
-          <a:lstStyle>
-            <a:lvl1pPr marL="376238" algn="l">
-              <a:defRPr sz="2400">
-                <a:solidFill>
-                  <a:schemeClr val="tx1"/>
-                </a:solidFill>
-                <a:latin typeface="Arial" charset="0"/>
-              </a:defRPr>
-            </a:lvl1pPr>
-            <a:lvl2pPr marL="566738" algn="l">
-              <a:defRPr sz="2400">
-                <a:solidFill>
-                  <a:schemeClr val="tx1"/>
-                </a:solidFill>
-                <a:latin typeface="Arial" charset="0"/>
-              </a:defRPr>
-            </a:lvl2pPr>
-            <a:lvl3pPr algn="l">
-              <a:defRPr sz="2400">
-                <a:solidFill>
-                  <a:schemeClr val="tx1"/>
-                </a:solidFill>
-                <a:latin typeface="Arial" charset="0"/>
-              </a:defRPr>
-            </a:lvl3pPr>
-            <a:lvl4pPr algn="l">
-              <a:defRPr sz="2400">
-                <a:solidFill>
-                  <a:schemeClr val="tx1"/>
-                </a:solidFill>
-                <a:latin typeface="Arial" charset="0"/>
-              </a:defRPr>
-            </a:lvl4pPr>
-            <a:lvl5pPr algn="l">
-              <a:defRPr sz="2400">
-                <a:solidFill>
-                  <a:schemeClr val="tx1"/>
-                </a:solidFill>
-                <a:latin typeface="Arial" charset="0"/>
-              </a:defRPr>
-            </a:lvl5pPr>
-            <a:lvl6pPr eaLnBrk="0" fontAlgn="base" hangingPunct="0">
-              <a:spcBef>
-                <a:spcPct val="0"/>
-              </a:spcBef>
-              <a:spcAft>
-                <a:spcPct val="0"/>
-              </a:spcAft>
-              <a:defRPr sz="2400">
-                <a:solidFill>
-                  <a:schemeClr val="tx1"/>
-                </a:solidFill>
-                <a:latin typeface="Arial" charset="0"/>
-              </a:defRPr>
-            </a:lvl6pPr>
-            <a:lvl7pPr eaLnBrk="0" fontAlgn="base" hangingPunct="0">
-              <a:spcBef>
-                <a:spcPct val="0"/>
-              </a:spcBef>
-              <a:spcAft>
-                <a:spcPct val="0"/>
-              </a:spcAft>
-              <a:defRPr sz="2400">
-                <a:solidFill>
-                  <a:schemeClr val="tx1"/>
-                </a:solidFill>
-                <a:latin typeface="Arial" charset="0"/>
-              </a:defRPr>
-            </a:lvl7pPr>
-            <a:lvl8pPr eaLnBrk="0" fontAlgn="base" hangingPunct="0">
-              <a:spcBef>
-                <a:spcPct val="0"/>
-              </a:spcBef>
-              <a:spcAft>
-                <a:spcPct val="0"/>
-              </a:spcAft>
-              <a:defRPr sz="2400">
-                <a:solidFill>
-                  <a:schemeClr val="tx1"/>
-                </a:solidFill>
-                <a:latin typeface="Arial" charset="0"/>
-              </a:defRPr>
-            </a:lvl8pPr>
-            <a:lvl9pPr eaLnBrk="0" fontAlgn="base" hangingPunct="0">
-              <a:spcBef>
-                <a:spcPct val="0"/>
-              </a:spcBef>
-              <a:spcAft>
-                <a:spcPct val="0"/>
-              </a:spcAft>
-              <a:defRPr sz="2400">
-                <a:solidFill>
-                  <a:schemeClr val="tx1"/>
-                </a:solidFill>
-                <a:latin typeface="Arial" charset="0"/>
-              </a:defRPr>
-            </a:lvl9pPr>
-          </a:lstStyle>
-          <a:p>
-            <a:pPr eaLnBrk="1" hangingPunct="1">
-              <a:spcBef>
-                <a:spcPct val="30000"/>
-              </a:spcBef>
-            </a:pPr>
-            <a:r>
-              <a:rPr lang="de-DE" altLang="de-DE" sz="1300" b="1" dirty="0">
-                <a:solidFill>
-                  <a:srgbClr val="000000"/>
-                </a:solidFill>
-              </a:rPr>
-              <a:t>BILD</a:t>
-            </a:r>
-          </a:p>
-          <a:p>
-            <a:pPr eaLnBrk="1" hangingPunct="1">
-              <a:spcBef>
-                <a:spcPct val="30000"/>
-              </a:spcBef>
-            </a:pPr>
-            <a:r>
-              <a:rPr lang="de-DE" altLang="de-DE" sz="1300" dirty="0">
-                <a:solidFill>
-                  <a:srgbClr val="000000"/>
-                </a:solidFill>
-              </a:rPr>
-              <a:t>Positionierungsfläche für Bilder.</a:t>
-            </a:r>
-          </a:p>
-          <a:p>
-            <a:pPr eaLnBrk="1" hangingPunct="1">
-              <a:spcBef>
-                <a:spcPct val="30000"/>
-              </a:spcBef>
-            </a:pPr>
-            <a:r>
-              <a:rPr lang="de-DE" altLang="de-DE" sz="1300" dirty="0">
-                <a:solidFill>
-                  <a:srgbClr val="000000"/>
-                </a:solidFill>
-              </a:rPr>
-              <a:t>Bitte in linker oberer Ecke beginnen.</a:t>
-            </a:r>
-          </a:p>
-          <a:p>
-            <a:pPr eaLnBrk="1" hangingPunct="1">
-              <a:spcBef>
-                <a:spcPct val="30000"/>
-              </a:spcBef>
-            </a:pPr>
-            <a:r>
-              <a:rPr lang="de-DE" altLang="de-DE" sz="1300" dirty="0">
-                <a:solidFill>
-                  <a:srgbClr val="000000"/>
-                </a:solidFill>
-              </a:rPr>
-              <a:t>Bis maximal rechte und/oder untere Begrenzung, ggf. Bild beschneiden.</a:t>
-            </a:r>
-          </a:p>
-          <a:p>
-            <a:pPr eaLnBrk="1" hangingPunct="1">
-              <a:spcBef>
-                <a:spcPct val="30000"/>
-              </a:spcBef>
-            </a:pPr>
-            <a:endParaRPr lang="de-DE" altLang="de-DE" sz="1300" dirty="0">
-              <a:solidFill>
-                <a:srgbClr val="000000"/>
-              </a:solidFill>
-            </a:endParaRPr>
-          </a:p>
-        </p:txBody>
-      </p:sp>
+      </p:pic>
       <p:sp>
         <p:nvSpPr>
           <p:cNvPr id="2" name="Fußzeilenplatzhalter 1"/>
@@ -5527,7 +4743,7 @@
           <a:lstStyle/>
           <a:p>
             <a:r>
-              <a:rPr lang="en-US" altLang="de-DE" smtClean="0"/>
+              <a:rPr lang="en-US" altLang="de-DE"/>
               <a:t>SIP2 Zwischenpräsentation | Uschakow | Alhanoun | Skiadas</a:t>
             </a:r>
             <a:endParaRPr lang="de-DE" altLang="de-DE" dirty="0"/>
@@ -5536,7 +4752,7 @@
       </p:sp>
       <p:sp>
         <p:nvSpPr>
-          <p:cNvPr id="10" name="Foliennummernplatzhalter 9"/>
+          <p:cNvPr id="6" name="Foliennummernplatzhalter 5"/>
           <p:cNvSpPr>
             <a:spLocks noGrp="1"/>
           </p:cNvSpPr>
@@ -5561,7 +4777,7 @@
     </p:spTree>
     <p:extLst>
       <p:ext uri="{BB962C8B-B14F-4D97-AF65-F5344CB8AC3E}">
-        <p14:creationId xmlns:p14="http://schemas.microsoft.com/office/powerpoint/2010/main" val="1276860995"/>
+        <p14:creationId xmlns:p14="http://schemas.microsoft.com/office/powerpoint/2010/main" val="422122669"/>
       </p:ext>
     </p:extLst>
   </p:cSld>
@@ -5602,6 +4818,919 @@
         <p:spPr>
           <a:xfrm>
             <a:off x="971550" y="1404000"/>
+            <a:ext cx="6984826" cy="792162"/>
+          </a:xfrm>
+        </p:spPr>
+        <p:txBody>
+          <a:bodyPr/>
+          <a:lstStyle/>
+          <a:p>
+            <a:r>
+              <a:rPr lang="de-DE" altLang="de-DE" dirty="0"/>
+              <a:t>Überschrift Bildfolie – zwei Bilder mit Text</a:t>
+            </a:r>
+          </a:p>
+        </p:txBody>
+      </p:sp>
+      <p:sp>
+        <p:nvSpPr>
+          <p:cNvPr id="6" name="Rectangle 3"/>
+          <p:cNvSpPr txBox="1">
+            <a:spLocks noChangeArrowheads="1"/>
+          </p:cNvSpPr>
+          <p:nvPr/>
+        </p:nvSpPr>
+        <p:spPr>
+          <a:xfrm>
+            <a:off x="971550" y="5373688"/>
+            <a:ext cx="3744913" cy="863600"/>
+          </a:xfrm>
+          <a:prstGeom prst="rect">
+            <a:avLst/>
+          </a:prstGeom>
+        </p:spPr>
+        <p:txBody>
+          <a:bodyPr/>
+          <a:lstStyle>
+            <a:lvl1pPr algn="l" rtl="0" eaLnBrk="1" fontAlgn="base" hangingPunct="1">
+              <a:lnSpc>
+                <a:spcPct val="110000"/>
+              </a:lnSpc>
+              <a:spcBef>
+                <a:spcPct val="0"/>
+              </a:spcBef>
+              <a:spcAft>
+                <a:spcPct val="20000"/>
+              </a:spcAft>
+              <a:defRPr>
+                <a:solidFill>
+                  <a:schemeClr val="tx1"/>
+                </a:solidFill>
+                <a:latin typeface="+mn-lt"/>
+                <a:ea typeface="+mn-ea"/>
+                <a:cs typeface="+mn-cs"/>
+              </a:defRPr>
+            </a:lvl1pPr>
+            <a:lvl2pPr marL="182563" indent="-180975" algn="l" rtl="0" eaLnBrk="1" fontAlgn="base" hangingPunct="1">
+              <a:lnSpc>
+                <a:spcPct val="110000"/>
+              </a:lnSpc>
+              <a:spcBef>
+                <a:spcPct val="0"/>
+              </a:spcBef>
+              <a:spcAft>
+                <a:spcPct val="20000"/>
+              </a:spcAft>
+              <a:buFont typeface="Arial" charset="0"/>
+              <a:buChar char="•"/>
+              <a:defRPr>
+                <a:solidFill>
+                  <a:schemeClr val="tx1"/>
+                </a:solidFill>
+                <a:latin typeface="+mn-lt"/>
+              </a:defRPr>
+            </a:lvl2pPr>
+            <a:lvl3pPr marL="366713" indent="-182563" algn="l" rtl="0" eaLnBrk="1" fontAlgn="base" hangingPunct="1">
+              <a:lnSpc>
+                <a:spcPct val="110000"/>
+              </a:lnSpc>
+              <a:spcBef>
+                <a:spcPct val="0"/>
+              </a:spcBef>
+              <a:spcAft>
+                <a:spcPct val="20000"/>
+              </a:spcAft>
+              <a:buFont typeface="Arial" charset="0"/>
+              <a:buChar char="•"/>
+              <a:defRPr>
+                <a:solidFill>
+                  <a:schemeClr val="tx1"/>
+                </a:solidFill>
+                <a:latin typeface="+mn-lt"/>
+              </a:defRPr>
+            </a:lvl3pPr>
+            <a:lvl4pPr marL="552450" indent="-184150" algn="l" rtl="0" eaLnBrk="1" fontAlgn="base" hangingPunct="1">
+              <a:lnSpc>
+                <a:spcPct val="110000"/>
+              </a:lnSpc>
+              <a:spcBef>
+                <a:spcPct val="0"/>
+              </a:spcBef>
+              <a:spcAft>
+                <a:spcPct val="20000"/>
+              </a:spcAft>
+              <a:buFont typeface="Arial" charset="0"/>
+              <a:buChar char="•"/>
+              <a:defRPr>
+                <a:solidFill>
+                  <a:schemeClr val="tx1"/>
+                </a:solidFill>
+                <a:latin typeface="+mn-lt"/>
+              </a:defRPr>
+            </a:lvl4pPr>
+            <a:lvl5pPr marL="738188" indent="-184150" algn="l" rtl="0" eaLnBrk="1" fontAlgn="base" hangingPunct="1">
+              <a:lnSpc>
+                <a:spcPct val="110000"/>
+              </a:lnSpc>
+              <a:spcBef>
+                <a:spcPct val="0"/>
+              </a:spcBef>
+              <a:spcAft>
+                <a:spcPct val="20000"/>
+              </a:spcAft>
+              <a:buFont typeface="Arial" charset="0"/>
+              <a:buChar char="•"/>
+              <a:defRPr>
+                <a:solidFill>
+                  <a:schemeClr val="tx1"/>
+                </a:solidFill>
+                <a:latin typeface="+mn-lt"/>
+              </a:defRPr>
+            </a:lvl5pPr>
+            <a:lvl6pPr marL="1195388" indent="-184150" algn="l" rtl="0" eaLnBrk="1" fontAlgn="base" hangingPunct="1">
+              <a:lnSpc>
+                <a:spcPct val="110000"/>
+              </a:lnSpc>
+              <a:spcBef>
+                <a:spcPct val="0"/>
+              </a:spcBef>
+              <a:spcAft>
+                <a:spcPct val="20000"/>
+              </a:spcAft>
+              <a:buFont typeface="Arial" charset="0"/>
+              <a:buChar char="•"/>
+              <a:defRPr>
+                <a:solidFill>
+                  <a:schemeClr val="tx1"/>
+                </a:solidFill>
+                <a:latin typeface="+mn-lt"/>
+              </a:defRPr>
+            </a:lvl6pPr>
+            <a:lvl7pPr marL="1652588" indent="-184150" algn="l" rtl="0" eaLnBrk="1" fontAlgn="base" hangingPunct="1">
+              <a:lnSpc>
+                <a:spcPct val="110000"/>
+              </a:lnSpc>
+              <a:spcBef>
+                <a:spcPct val="0"/>
+              </a:spcBef>
+              <a:spcAft>
+                <a:spcPct val="20000"/>
+              </a:spcAft>
+              <a:buFont typeface="Arial" charset="0"/>
+              <a:buChar char="•"/>
+              <a:defRPr>
+                <a:solidFill>
+                  <a:schemeClr val="tx1"/>
+                </a:solidFill>
+                <a:latin typeface="+mn-lt"/>
+              </a:defRPr>
+            </a:lvl7pPr>
+            <a:lvl8pPr marL="2109788" indent="-184150" algn="l" rtl="0" eaLnBrk="1" fontAlgn="base" hangingPunct="1">
+              <a:lnSpc>
+                <a:spcPct val="110000"/>
+              </a:lnSpc>
+              <a:spcBef>
+                <a:spcPct val="0"/>
+              </a:spcBef>
+              <a:spcAft>
+                <a:spcPct val="20000"/>
+              </a:spcAft>
+              <a:buFont typeface="Arial" charset="0"/>
+              <a:buChar char="•"/>
+              <a:defRPr>
+                <a:solidFill>
+                  <a:schemeClr val="tx1"/>
+                </a:solidFill>
+                <a:latin typeface="+mn-lt"/>
+              </a:defRPr>
+            </a:lvl8pPr>
+            <a:lvl9pPr marL="2566988" indent="-184150" algn="l" rtl="0" eaLnBrk="1" fontAlgn="base" hangingPunct="1">
+              <a:lnSpc>
+                <a:spcPct val="110000"/>
+              </a:lnSpc>
+              <a:spcBef>
+                <a:spcPct val="0"/>
+              </a:spcBef>
+              <a:spcAft>
+                <a:spcPct val="20000"/>
+              </a:spcAft>
+              <a:buFont typeface="Arial" charset="0"/>
+              <a:buChar char="•"/>
+              <a:defRPr>
+                <a:solidFill>
+                  <a:schemeClr val="tx1"/>
+                </a:solidFill>
+                <a:latin typeface="+mn-lt"/>
+              </a:defRPr>
+            </a:lvl9pPr>
+          </a:lstStyle>
+          <a:p>
+            <a:r>
+              <a:rPr lang="de-DE" altLang="de-DE" sz="1500" kern="0"/>
+              <a:t>Mit seiner Aufnahme in die Elite war Knechts Leben auf eine andre Ebene verpflanzt.</a:t>
+            </a:r>
+          </a:p>
+        </p:txBody>
+      </p:sp>
+      <p:sp>
+        <p:nvSpPr>
+          <p:cNvPr id="7" name="Rectangle 4"/>
+          <p:cNvSpPr>
+            <a:spLocks noChangeArrowheads="1"/>
+          </p:cNvSpPr>
+          <p:nvPr/>
+        </p:nvSpPr>
+        <p:spPr bwMode="invGray">
+          <a:xfrm>
+            <a:off x="971550" y="2060848"/>
+            <a:ext cx="3744913" cy="3096940"/>
+          </a:xfrm>
+          <a:prstGeom prst="rect">
+            <a:avLst/>
+          </a:prstGeom>
+          <a:solidFill>
+            <a:srgbClr val="C0C0C0"/>
+          </a:solidFill>
+          <a:ln>
+            <a:noFill/>
+          </a:ln>
+          <a:effectLst/>
+          <a:extLst>
+            <a:ext uri="{91240B29-F687-4F45-9708-019B960494DF}">
+              <a14:hiddenLine xmlns:a14="http://schemas.microsoft.com/office/drawing/2010/main" w="19050" algn="ctr">
+                <a:solidFill>
+                  <a:schemeClr val="tx2"/>
+                </a:solidFill>
+                <a:miter lim="800000"/>
+                <a:headEnd/>
+                <a:tailEnd/>
+              </a14:hiddenLine>
+            </a:ext>
+            <a:ext uri="{AF507438-7753-43E0-B8FC-AC1667EBCBE1}">
+              <a14:hiddenEffects xmlns:a14="http://schemas.microsoft.com/office/drawing/2010/main">
+                <a:effectLst>
+                  <a:outerShdw dist="35921" dir="2700000" algn="ctr" rotWithShape="0">
+                    <a:schemeClr val="bg2"/>
+                  </a:outerShdw>
+                </a:effectLst>
+              </a14:hiddenEffects>
+            </a:ext>
+          </a:extLst>
+        </p:spPr>
+        <p:txBody>
+          <a:bodyPr lIns="0" tIns="0" rIns="0" bIns="0" anchor="ctr"/>
+          <a:lstStyle>
+            <a:lvl1pPr marL="376238" algn="l">
+              <a:defRPr sz="2400">
+                <a:solidFill>
+                  <a:schemeClr val="tx1"/>
+                </a:solidFill>
+                <a:latin typeface="Arial" charset="0"/>
+              </a:defRPr>
+            </a:lvl1pPr>
+            <a:lvl2pPr marL="566738" algn="l">
+              <a:defRPr sz="2400">
+                <a:solidFill>
+                  <a:schemeClr val="tx1"/>
+                </a:solidFill>
+                <a:latin typeface="Arial" charset="0"/>
+              </a:defRPr>
+            </a:lvl2pPr>
+            <a:lvl3pPr algn="l">
+              <a:defRPr sz="2400">
+                <a:solidFill>
+                  <a:schemeClr val="tx1"/>
+                </a:solidFill>
+                <a:latin typeface="Arial" charset="0"/>
+              </a:defRPr>
+            </a:lvl3pPr>
+            <a:lvl4pPr algn="l">
+              <a:defRPr sz="2400">
+                <a:solidFill>
+                  <a:schemeClr val="tx1"/>
+                </a:solidFill>
+                <a:latin typeface="Arial" charset="0"/>
+              </a:defRPr>
+            </a:lvl4pPr>
+            <a:lvl5pPr algn="l">
+              <a:defRPr sz="2400">
+                <a:solidFill>
+                  <a:schemeClr val="tx1"/>
+                </a:solidFill>
+                <a:latin typeface="Arial" charset="0"/>
+              </a:defRPr>
+            </a:lvl5pPr>
+            <a:lvl6pPr eaLnBrk="0" fontAlgn="base" hangingPunct="0">
+              <a:spcBef>
+                <a:spcPct val="0"/>
+              </a:spcBef>
+              <a:spcAft>
+                <a:spcPct val="0"/>
+              </a:spcAft>
+              <a:defRPr sz="2400">
+                <a:solidFill>
+                  <a:schemeClr val="tx1"/>
+                </a:solidFill>
+                <a:latin typeface="Arial" charset="0"/>
+              </a:defRPr>
+            </a:lvl6pPr>
+            <a:lvl7pPr eaLnBrk="0" fontAlgn="base" hangingPunct="0">
+              <a:spcBef>
+                <a:spcPct val="0"/>
+              </a:spcBef>
+              <a:spcAft>
+                <a:spcPct val="0"/>
+              </a:spcAft>
+              <a:defRPr sz="2400">
+                <a:solidFill>
+                  <a:schemeClr val="tx1"/>
+                </a:solidFill>
+                <a:latin typeface="Arial" charset="0"/>
+              </a:defRPr>
+            </a:lvl7pPr>
+            <a:lvl8pPr eaLnBrk="0" fontAlgn="base" hangingPunct="0">
+              <a:spcBef>
+                <a:spcPct val="0"/>
+              </a:spcBef>
+              <a:spcAft>
+                <a:spcPct val="0"/>
+              </a:spcAft>
+              <a:defRPr sz="2400">
+                <a:solidFill>
+                  <a:schemeClr val="tx1"/>
+                </a:solidFill>
+                <a:latin typeface="Arial" charset="0"/>
+              </a:defRPr>
+            </a:lvl8pPr>
+            <a:lvl9pPr eaLnBrk="0" fontAlgn="base" hangingPunct="0">
+              <a:spcBef>
+                <a:spcPct val="0"/>
+              </a:spcBef>
+              <a:spcAft>
+                <a:spcPct val="0"/>
+              </a:spcAft>
+              <a:defRPr sz="2400">
+                <a:solidFill>
+                  <a:schemeClr val="tx1"/>
+                </a:solidFill>
+                <a:latin typeface="Arial" charset="0"/>
+              </a:defRPr>
+            </a:lvl9pPr>
+          </a:lstStyle>
+          <a:p>
+            <a:pPr eaLnBrk="1" hangingPunct="1">
+              <a:spcBef>
+                <a:spcPct val="30000"/>
+              </a:spcBef>
+            </a:pPr>
+            <a:r>
+              <a:rPr lang="de-DE" altLang="de-DE" sz="1300" b="1" dirty="0">
+                <a:solidFill>
+                  <a:srgbClr val="000000"/>
+                </a:solidFill>
+              </a:rPr>
+              <a:t>BILD</a:t>
+            </a:r>
+          </a:p>
+          <a:p>
+            <a:pPr eaLnBrk="1" hangingPunct="1">
+              <a:spcBef>
+                <a:spcPct val="30000"/>
+              </a:spcBef>
+            </a:pPr>
+            <a:r>
+              <a:rPr lang="de-DE" altLang="de-DE" sz="1300" dirty="0">
+                <a:solidFill>
+                  <a:srgbClr val="000000"/>
+                </a:solidFill>
+              </a:rPr>
+              <a:t>Positionierungsfläche für Bilder.</a:t>
+            </a:r>
+          </a:p>
+          <a:p>
+            <a:pPr eaLnBrk="1" hangingPunct="1">
+              <a:spcBef>
+                <a:spcPct val="30000"/>
+              </a:spcBef>
+            </a:pPr>
+            <a:r>
+              <a:rPr lang="de-DE" altLang="de-DE" sz="1300" dirty="0">
+                <a:solidFill>
+                  <a:srgbClr val="000000"/>
+                </a:solidFill>
+              </a:rPr>
+              <a:t>Bitte in linker oberer Ecke beginnen.</a:t>
+            </a:r>
+          </a:p>
+          <a:p>
+            <a:pPr eaLnBrk="1" hangingPunct="1">
+              <a:spcBef>
+                <a:spcPct val="30000"/>
+              </a:spcBef>
+            </a:pPr>
+            <a:r>
+              <a:rPr lang="de-DE" altLang="de-DE" sz="1300" dirty="0">
+                <a:solidFill>
+                  <a:srgbClr val="000000"/>
+                </a:solidFill>
+              </a:rPr>
+              <a:t>Bis maximal rechte und/oder untere Begrenzung, ggf. Bild beschneiden.</a:t>
+            </a:r>
+          </a:p>
+          <a:p>
+            <a:pPr eaLnBrk="1" hangingPunct="1">
+              <a:spcBef>
+                <a:spcPct val="30000"/>
+              </a:spcBef>
+            </a:pPr>
+            <a:endParaRPr lang="de-DE" altLang="de-DE" sz="1300" dirty="0">
+              <a:solidFill>
+                <a:srgbClr val="000000"/>
+              </a:solidFill>
+            </a:endParaRPr>
+          </a:p>
+        </p:txBody>
+      </p:sp>
+      <p:sp>
+        <p:nvSpPr>
+          <p:cNvPr id="8" name="Rectangle 11"/>
+          <p:cNvSpPr>
+            <a:spLocks noChangeArrowheads="1"/>
+          </p:cNvSpPr>
+          <p:nvPr/>
+        </p:nvSpPr>
+        <p:spPr bwMode="gray">
+          <a:xfrm>
+            <a:off x="4932363" y="5373688"/>
+            <a:ext cx="3743325" cy="863600"/>
+          </a:xfrm>
+          <a:prstGeom prst="rect">
+            <a:avLst/>
+          </a:prstGeom>
+          <a:noFill/>
+          <a:ln>
+            <a:noFill/>
+          </a:ln>
+          <a:effectLst/>
+          <a:extLst>
+            <a:ext uri="{909E8E84-426E-40DD-AFC4-6F175D3DCCD1}">
+              <a14:hiddenFill xmlns:a14="http://schemas.microsoft.com/office/drawing/2010/main">
+                <a:solidFill>
+                  <a:schemeClr val="tx2"/>
+                </a:solidFill>
+              </a14:hiddenFill>
+            </a:ext>
+            <a:ext uri="{91240B29-F687-4F45-9708-019B960494DF}">
+              <a14:hiddenLine xmlns:a14="http://schemas.microsoft.com/office/drawing/2010/main" w="9525">
+                <a:solidFill>
+                  <a:schemeClr val="tx1"/>
+                </a:solidFill>
+                <a:miter lim="800000"/>
+                <a:headEnd/>
+                <a:tailEnd/>
+              </a14:hiddenLine>
+            </a:ext>
+            <a:ext uri="{AF507438-7753-43E0-B8FC-AC1667EBCBE1}">
+              <a14:hiddenEffects xmlns:a14="http://schemas.microsoft.com/office/drawing/2010/main">
+                <a:effectLst>
+                  <a:outerShdw dist="35921" dir="2700000" algn="ctr" rotWithShape="0">
+                    <a:schemeClr val="bg2"/>
+                  </a:outerShdw>
+                </a:effectLst>
+              </a14:hiddenEffects>
+            </a:ext>
+          </a:extLst>
+        </p:spPr>
+        <p:txBody>
+          <a:bodyPr lIns="0" tIns="0" rIns="0" bIns="0"/>
+          <a:lstStyle>
+            <a:lvl1pPr algn="l">
+              <a:defRPr sz="2400">
+                <a:solidFill>
+                  <a:schemeClr val="tx1"/>
+                </a:solidFill>
+                <a:latin typeface="Arial" charset="0"/>
+              </a:defRPr>
+            </a:lvl1pPr>
+            <a:lvl2pPr marL="188913" indent="133350" algn="l">
+              <a:defRPr sz="2400">
+                <a:solidFill>
+                  <a:schemeClr val="tx1"/>
+                </a:solidFill>
+                <a:latin typeface="Arial" charset="0"/>
+              </a:defRPr>
+            </a:lvl2pPr>
+            <a:lvl3pPr marL="339725" indent="123825" algn="l">
+              <a:defRPr sz="2400">
+                <a:solidFill>
+                  <a:schemeClr val="tx1"/>
+                </a:solidFill>
+                <a:latin typeface="Arial" charset="0"/>
+              </a:defRPr>
+            </a:lvl3pPr>
+            <a:lvl4pPr marL="479425" indent="123825" algn="l">
+              <a:defRPr sz="2400">
+                <a:solidFill>
+                  <a:schemeClr val="tx1"/>
+                </a:solidFill>
+                <a:latin typeface="Arial" charset="0"/>
+              </a:defRPr>
+            </a:lvl4pPr>
+            <a:lvl5pPr marL="622300" indent="120650" algn="l">
+              <a:defRPr sz="2400">
+                <a:solidFill>
+                  <a:schemeClr val="tx1"/>
+                </a:solidFill>
+                <a:latin typeface="Arial" charset="0"/>
+              </a:defRPr>
+            </a:lvl5pPr>
+            <a:lvl6pPr marL="1079500" indent="120650" eaLnBrk="0" fontAlgn="base" hangingPunct="0">
+              <a:spcBef>
+                <a:spcPct val="0"/>
+              </a:spcBef>
+              <a:spcAft>
+                <a:spcPct val="0"/>
+              </a:spcAft>
+              <a:defRPr sz="2400">
+                <a:solidFill>
+                  <a:schemeClr val="tx1"/>
+                </a:solidFill>
+                <a:latin typeface="Arial" charset="0"/>
+              </a:defRPr>
+            </a:lvl6pPr>
+            <a:lvl7pPr marL="1536700" indent="120650" eaLnBrk="0" fontAlgn="base" hangingPunct="0">
+              <a:spcBef>
+                <a:spcPct val="0"/>
+              </a:spcBef>
+              <a:spcAft>
+                <a:spcPct val="0"/>
+              </a:spcAft>
+              <a:defRPr sz="2400">
+                <a:solidFill>
+                  <a:schemeClr val="tx1"/>
+                </a:solidFill>
+                <a:latin typeface="Arial" charset="0"/>
+              </a:defRPr>
+            </a:lvl7pPr>
+            <a:lvl8pPr marL="1993900" indent="120650" eaLnBrk="0" fontAlgn="base" hangingPunct="0">
+              <a:spcBef>
+                <a:spcPct val="0"/>
+              </a:spcBef>
+              <a:spcAft>
+                <a:spcPct val="0"/>
+              </a:spcAft>
+              <a:defRPr sz="2400">
+                <a:solidFill>
+                  <a:schemeClr val="tx1"/>
+                </a:solidFill>
+                <a:latin typeface="Arial" charset="0"/>
+              </a:defRPr>
+            </a:lvl8pPr>
+            <a:lvl9pPr marL="2451100" indent="120650" eaLnBrk="0" fontAlgn="base" hangingPunct="0">
+              <a:spcBef>
+                <a:spcPct val="0"/>
+              </a:spcBef>
+              <a:spcAft>
+                <a:spcPct val="0"/>
+              </a:spcAft>
+              <a:defRPr sz="2400">
+                <a:solidFill>
+                  <a:schemeClr val="tx1"/>
+                </a:solidFill>
+                <a:latin typeface="Arial" charset="0"/>
+              </a:defRPr>
+            </a:lvl9pPr>
+          </a:lstStyle>
+          <a:p>
+            <a:pPr eaLnBrk="1" hangingPunct="1">
+              <a:lnSpc>
+                <a:spcPct val="110000"/>
+              </a:lnSpc>
+              <a:spcAft>
+                <a:spcPct val="20000"/>
+              </a:spcAft>
+            </a:pPr>
+            <a:r>
+              <a:rPr lang="de-DE" altLang="de-DE" sz="1500">
+                <a:solidFill>
+                  <a:srgbClr val="000000"/>
+                </a:solidFill>
+              </a:rPr>
+              <a:t>Es war der erste und entscheidende Schritt in seiner Entwicklung geschehen. </a:t>
+            </a:r>
+          </a:p>
+        </p:txBody>
+      </p:sp>
+      <p:sp>
+        <p:nvSpPr>
+          <p:cNvPr id="9" name="Rectangle 12"/>
+          <p:cNvSpPr>
+            <a:spLocks noChangeArrowheads="1"/>
+          </p:cNvSpPr>
+          <p:nvPr/>
+        </p:nvSpPr>
+        <p:spPr bwMode="invGray">
+          <a:xfrm>
+            <a:off x="4932363" y="2060848"/>
+            <a:ext cx="3743325" cy="3096940"/>
+          </a:xfrm>
+          <a:prstGeom prst="rect">
+            <a:avLst/>
+          </a:prstGeom>
+          <a:solidFill>
+            <a:srgbClr val="C0C0C0"/>
+          </a:solidFill>
+          <a:ln>
+            <a:noFill/>
+          </a:ln>
+          <a:effectLst/>
+          <a:extLst>
+            <a:ext uri="{91240B29-F687-4F45-9708-019B960494DF}">
+              <a14:hiddenLine xmlns:a14="http://schemas.microsoft.com/office/drawing/2010/main" w="19050" algn="ctr">
+                <a:solidFill>
+                  <a:schemeClr val="tx2"/>
+                </a:solidFill>
+                <a:miter lim="800000"/>
+                <a:headEnd/>
+                <a:tailEnd/>
+              </a14:hiddenLine>
+            </a:ext>
+            <a:ext uri="{AF507438-7753-43E0-B8FC-AC1667EBCBE1}">
+              <a14:hiddenEffects xmlns:a14="http://schemas.microsoft.com/office/drawing/2010/main">
+                <a:effectLst>
+                  <a:outerShdw dist="35921" dir="2700000" algn="ctr" rotWithShape="0">
+                    <a:schemeClr val="bg2"/>
+                  </a:outerShdw>
+                </a:effectLst>
+              </a14:hiddenEffects>
+            </a:ext>
+          </a:extLst>
+        </p:spPr>
+        <p:txBody>
+          <a:bodyPr lIns="0" tIns="0" rIns="0" bIns="0" anchor="ctr"/>
+          <a:lstStyle>
+            <a:lvl1pPr marL="376238" algn="l">
+              <a:defRPr sz="2400">
+                <a:solidFill>
+                  <a:schemeClr val="tx1"/>
+                </a:solidFill>
+                <a:latin typeface="Arial" charset="0"/>
+              </a:defRPr>
+            </a:lvl1pPr>
+            <a:lvl2pPr marL="566738" algn="l">
+              <a:defRPr sz="2400">
+                <a:solidFill>
+                  <a:schemeClr val="tx1"/>
+                </a:solidFill>
+                <a:latin typeface="Arial" charset="0"/>
+              </a:defRPr>
+            </a:lvl2pPr>
+            <a:lvl3pPr algn="l">
+              <a:defRPr sz="2400">
+                <a:solidFill>
+                  <a:schemeClr val="tx1"/>
+                </a:solidFill>
+                <a:latin typeface="Arial" charset="0"/>
+              </a:defRPr>
+            </a:lvl3pPr>
+            <a:lvl4pPr algn="l">
+              <a:defRPr sz="2400">
+                <a:solidFill>
+                  <a:schemeClr val="tx1"/>
+                </a:solidFill>
+                <a:latin typeface="Arial" charset="0"/>
+              </a:defRPr>
+            </a:lvl4pPr>
+            <a:lvl5pPr algn="l">
+              <a:defRPr sz="2400">
+                <a:solidFill>
+                  <a:schemeClr val="tx1"/>
+                </a:solidFill>
+                <a:latin typeface="Arial" charset="0"/>
+              </a:defRPr>
+            </a:lvl5pPr>
+            <a:lvl6pPr eaLnBrk="0" fontAlgn="base" hangingPunct="0">
+              <a:spcBef>
+                <a:spcPct val="0"/>
+              </a:spcBef>
+              <a:spcAft>
+                <a:spcPct val="0"/>
+              </a:spcAft>
+              <a:defRPr sz="2400">
+                <a:solidFill>
+                  <a:schemeClr val="tx1"/>
+                </a:solidFill>
+                <a:latin typeface="Arial" charset="0"/>
+              </a:defRPr>
+            </a:lvl6pPr>
+            <a:lvl7pPr eaLnBrk="0" fontAlgn="base" hangingPunct="0">
+              <a:spcBef>
+                <a:spcPct val="0"/>
+              </a:spcBef>
+              <a:spcAft>
+                <a:spcPct val="0"/>
+              </a:spcAft>
+              <a:defRPr sz="2400">
+                <a:solidFill>
+                  <a:schemeClr val="tx1"/>
+                </a:solidFill>
+                <a:latin typeface="Arial" charset="0"/>
+              </a:defRPr>
+            </a:lvl7pPr>
+            <a:lvl8pPr eaLnBrk="0" fontAlgn="base" hangingPunct="0">
+              <a:spcBef>
+                <a:spcPct val="0"/>
+              </a:spcBef>
+              <a:spcAft>
+                <a:spcPct val="0"/>
+              </a:spcAft>
+              <a:defRPr sz="2400">
+                <a:solidFill>
+                  <a:schemeClr val="tx1"/>
+                </a:solidFill>
+                <a:latin typeface="Arial" charset="0"/>
+              </a:defRPr>
+            </a:lvl8pPr>
+            <a:lvl9pPr eaLnBrk="0" fontAlgn="base" hangingPunct="0">
+              <a:spcBef>
+                <a:spcPct val="0"/>
+              </a:spcBef>
+              <a:spcAft>
+                <a:spcPct val="0"/>
+              </a:spcAft>
+              <a:defRPr sz="2400">
+                <a:solidFill>
+                  <a:schemeClr val="tx1"/>
+                </a:solidFill>
+                <a:latin typeface="Arial" charset="0"/>
+              </a:defRPr>
+            </a:lvl9pPr>
+          </a:lstStyle>
+          <a:p>
+            <a:pPr eaLnBrk="1" hangingPunct="1">
+              <a:spcBef>
+                <a:spcPct val="30000"/>
+              </a:spcBef>
+            </a:pPr>
+            <a:r>
+              <a:rPr lang="de-DE" altLang="de-DE" sz="1300" b="1" dirty="0">
+                <a:solidFill>
+                  <a:srgbClr val="000000"/>
+                </a:solidFill>
+              </a:rPr>
+              <a:t>BILD</a:t>
+            </a:r>
+          </a:p>
+          <a:p>
+            <a:pPr eaLnBrk="1" hangingPunct="1">
+              <a:spcBef>
+                <a:spcPct val="30000"/>
+              </a:spcBef>
+            </a:pPr>
+            <a:r>
+              <a:rPr lang="de-DE" altLang="de-DE" sz="1300" dirty="0">
+                <a:solidFill>
+                  <a:srgbClr val="000000"/>
+                </a:solidFill>
+              </a:rPr>
+              <a:t>Positionierungsfläche für Bilder.</a:t>
+            </a:r>
+          </a:p>
+          <a:p>
+            <a:pPr eaLnBrk="1" hangingPunct="1">
+              <a:spcBef>
+                <a:spcPct val="30000"/>
+              </a:spcBef>
+            </a:pPr>
+            <a:r>
+              <a:rPr lang="de-DE" altLang="de-DE" sz="1300" dirty="0">
+                <a:solidFill>
+                  <a:srgbClr val="000000"/>
+                </a:solidFill>
+              </a:rPr>
+              <a:t>Bitte in linker oberer Ecke beginnen.</a:t>
+            </a:r>
+          </a:p>
+          <a:p>
+            <a:pPr eaLnBrk="1" hangingPunct="1">
+              <a:spcBef>
+                <a:spcPct val="30000"/>
+              </a:spcBef>
+            </a:pPr>
+            <a:r>
+              <a:rPr lang="de-DE" altLang="de-DE" sz="1300" dirty="0">
+                <a:solidFill>
+                  <a:srgbClr val="000000"/>
+                </a:solidFill>
+              </a:rPr>
+              <a:t>Bis maximal rechte und/oder untere Begrenzung, ggf. Bild beschneiden.</a:t>
+            </a:r>
+          </a:p>
+          <a:p>
+            <a:pPr eaLnBrk="1" hangingPunct="1">
+              <a:spcBef>
+                <a:spcPct val="30000"/>
+              </a:spcBef>
+            </a:pPr>
+            <a:endParaRPr lang="de-DE" altLang="de-DE" sz="1300" dirty="0">
+              <a:solidFill>
+                <a:srgbClr val="000000"/>
+              </a:solidFill>
+            </a:endParaRPr>
+          </a:p>
+        </p:txBody>
+      </p:sp>
+      <p:sp>
+        <p:nvSpPr>
+          <p:cNvPr id="2" name="Fußzeilenplatzhalter 1"/>
+          <p:cNvSpPr>
+            <a:spLocks noGrp="1"/>
+          </p:cNvSpPr>
+          <p:nvPr>
+            <p:ph type="ftr" sz="quarter" idx="10"/>
+          </p:nvPr>
+        </p:nvSpPr>
+        <p:spPr/>
+        <p:txBody>
+          <a:bodyPr/>
+          <a:lstStyle/>
+          <a:p>
+            <a:r>
+              <a:rPr lang="en-US" altLang="de-DE"/>
+              <a:t>SIP2 Zwischenpräsentation | Uschakow | Alhanoun | Skiadas</a:t>
+            </a:r>
+            <a:endParaRPr lang="de-DE" altLang="de-DE" dirty="0"/>
+          </a:p>
+        </p:txBody>
+      </p:sp>
+      <p:sp>
+        <p:nvSpPr>
+          <p:cNvPr id="10" name="Foliennummernplatzhalter 9"/>
+          <p:cNvSpPr>
+            <a:spLocks noGrp="1"/>
+          </p:cNvSpPr>
+          <p:nvPr>
+            <p:ph type="sldNum" sz="quarter" idx="11"/>
+          </p:nvPr>
+        </p:nvSpPr>
+        <p:spPr/>
+        <p:txBody>
+          <a:bodyPr/>
+          <a:lstStyle/>
+          <a:p>
+            <a:fld id="{57D12BB6-0ED4-46B6-AB23-7758AD07EFBF}" type="slidenum">
+              <a:rPr lang="de-DE" smtClean="0"/>
+              <a:pPr/>
+              <a:t>11</a:t>
+            </a:fld>
+            <a:endParaRPr lang="de-DE" dirty="0"/>
+          </a:p>
+        </p:txBody>
+      </p:sp>
+    </p:spTree>
+    <p:extLst>
+      <p:ext uri="{BB962C8B-B14F-4D97-AF65-F5344CB8AC3E}">
+        <p14:creationId xmlns:p14="http://schemas.microsoft.com/office/powerpoint/2010/main" val="1276860995"/>
+      </p:ext>
+    </p:extLst>
+  </p:cSld>
+  <p:clrMapOvr>
+    <a:masterClrMapping/>
+  </p:clrMapOvr>
+  <p:transition/>
+</p:sld>
+</file>
+
+<file path=ppt/slides/slide12.xml><?xml version="1.0" encoding="utf-8"?>
+<p:sld xmlns:a="http://schemas.openxmlformats.org/drawingml/2006/main" xmlns:r="http://schemas.openxmlformats.org/officeDocument/2006/relationships" xmlns:p="http://schemas.openxmlformats.org/presentationml/2006/main">
+  <p:cSld>
+    <p:spTree>
+      <p:nvGrpSpPr>
+        <p:cNvPr id="1" name=""/>
+        <p:cNvGrpSpPr/>
+        <p:nvPr/>
+      </p:nvGrpSpPr>
+      <p:grpSpPr>
+        <a:xfrm>
+          <a:off x="0" y="0"/>
+          <a:ext cx="0" cy="0"/>
+          <a:chOff x="0" y="0"/>
+          <a:chExt cx="0" cy="0"/>
+        </a:xfrm>
+      </p:grpSpPr>
+      <p:sp>
+        <p:nvSpPr>
+          <p:cNvPr id="5" name="Rectangle 2"/>
+          <p:cNvSpPr>
+            <a:spLocks noGrp="1" noChangeArrowheads="1"/>
+          </p:cNvSpPr>
+          <p:nvPr>
+            <p:ph type="title"/>
+          </p:nvPr>
+        </p:nvSpPr>
+        <p:spPr>
+          <a:xfrm>
+            <a:off x="971550" y="1404000"/>
             <a:ext cx="7704138" cy="792162"/>
           </a:xfrm>
         </p:spPr>
@@ -6060,7 +6189,7 @@
           <a:lstStyle/>
           <a:p>
             <a:r>
-              <a:rPr lang="en-US" altLang="de-DE" smtClean="0"/>
+              <a:rPr lang="en-US" altLang="de-DE"/>
               <a:t>SIP2 Zwischenpräsentation | Uschakow | Alhanoun | Skiadas</a:t>
             </a:r>
             <a:endParaRPr lang="de-DE" altLang="de-DE" dirty="0"/>
@@ -6085,7 +6214,7 @@
             <a:fld id="{57D12BB6-0ED4-46B6-AB23-7758AD07EFBF}" type="slidenum">
               <a:rPr lang="de-DE" smtClean="0"/>
               <a:pPr/>
-              <a:t>11</a:t>
+              <a:t>12</a:t>
             </a:fld>
             <a:endParaRPr lang="de-DE" dirty="0"/>
           </a:p>
@@ -6105,7 +6234,7 @@
 </p:sld>
 </file>
 
-<file path=ppt/slides/slide12.xml><?xml version="1.0" encoding="utf-8"?>
+<file path=ppt/slides/slide13.xml><?xml version="1.0" encoding="utf-8"?>
 <p:sld xmlns:a="http://schemas.openxmlformats.org/drawingml/2006/main" xmlns:r="http://schemas.openxmlformats.org/officeDocument/2006/relationships" xmlns:p="http://schemas.openxmlformats.org/presentationml/2006/main">
   <p:cSld>
     <p:spTree>
@@ -6183,7 +6312,7 @@
           <a:lstStyle/>
           <a:p>
             <a:r>
-              <a:rPr lang="en-US" altLang="de-DE" smtClean="0"/>
+              <a:rPr lang="en-US" altLang="de-DE"/>
               <a:t>SIP2 Zwischenpräsentation | Uschakow | Alhanoun | Skiadas</a:t>
             </a:r>
             <a:endParaRPr lang="de-DE" altLang="de-DE" dirty="0"/>
@@ -6208,7 +6337,7 @@
             <a:fld id="{57D12BB6-0ED4-46B6-AB23-7758AD07EFBF}" type="slidenum">
               <a:rPr lang="de-DE" smtClean="0"/>
               <a:pPr/>
-              <a:t>12</a:t>
+              <a:t>13</a:t>
             </a:fld>
             <a:endParaRPr lang="de-DE" dirty="0"/>
           </a:p>
@@ -6228,7 +6357,7 @@
 </p:sld>
 </file>
 
-<file path=ppt/slides/slide13.xml><?xml version="1.0" encoding="utf-8"?>
+<file path=ppt/slides/slide14.xml><?xml version="1.0" encoding="utf-8"?>
 <p:sld xmlns:a="http://schemas.openxmlformats.org/drawingml/2006/main" xmlns:r="http://schemas.openxmlformats.org/officeDocument/2006/relationships" xmlns:p="http://schemas.openxmlformats.org/presentationml/2006/main">
   <p:cSld>
     <p:spTree>
@@ -6312,7 +6441,7 @@
           <a:lstStyle/>
           <a:p>
             <a:r>
-              <a:rPr lang="en-US" altLang="de-DE" smtClean="0"/>
+              <a:rPr lang="en-US" altLang="de-DE"/>
               <a:t>SIP2 Zwischenpräsentation | Uschakow | Alhanoun | Skiadas</a:t>
             </a:r>
             <a:endParaRPr lang="de-DE" altLang="de-DE" dirty="0"/>
@@ -6337,7 +6466,7 @@
             <a:fld id="{57D12BB6-0ED4-46B6-AB23-7758AD07EFBF}" type="slidenum">
               <a:rPr lang="de-DE" smtClean="0"/>
               <a:pPr/>
-              <a:t>13</a:t>
+              <a:t>14</a:t>
             </a:fld>
             <a:endParaRPr lang="de-DE" dirty="0"/>
           </a:p>
@@ -6357,7 +6486,7 @@
 </p:sld>
 </file>
 
-<file path=ppt/slides/slide14.xml><?xml version="1.0" encoding="utf-8"?>
+<file path=ppt/slides/slide15.xml><?xml version="1.0" encoding="utf-8"?>
 <p:sld xmlns:a="http://schemas.openxmlformats.org/drawingml/2006/main" xmlns:r="http://schemas.openxmlformats.org/officeDocument/2006/relationships" xmlns:p="http://schemas.openxmlformats.org/presentationml/2006/main">
   <p:cSld>
     <p:spTree>
@@ -6417,7 +6546,7 @@
         </p:nvGraphicFramePr>
         <p:xfrm>
           <a:off x="971550" y="2160000"/>
-          <a:ext cx="7704138" cy="2013300"/>
+          <a:ext cx="7704138" cy="1915830"/>
         </p:xfrm>
         <a:graphic>
           <a:graphicData uri="http://schemas.openxmlformats.org/drawingml/2006/table">
@@ -6427,28 +6556,28 @@
                 <a:gridCol w="1925638">
                   <a:extLst>
                     <a:ext uri="{9D8B030D-6E8A-4147-A177-3AD203B41FA5}">
-                      <a16:colId xmlns:a16="http://schemas.microsoft.com/office/drawing/2014/main" xmlns="" val="20000"/>
+                      <a16:colId xmlns:a16="http://schemas.microsoft.com/office/drawing/2014/main" val="20000"/>
                     </a:ext>
                   </a:extLst>
                 </a:gridCol>
                 <a:gridCol w="1927225">
                   <a:extLst>
                     <a:ext uri="{9D8B030D-6E8A-4147-A177-3AD203B41FA5}">
-                      <a16:colId xmlns:a16="http://schemas.microsoft.com/office/drawing/2014/main" xmlns="" val="20001"/>
+                      <a16:colId xmlns:a16="http://schemas.microsoft.com/office/drawing/2014/main" val="20001"/>
                     </a:ext>
                   </a:extLst>
                 </a:gridCol>
                 <a:gridCol w="1925637">
                   <a:extLst>
                     <a:ext uri="{9D8B030D-6E8A-4147-A177-3AD203B41FA5}">
-                      <a16:colId xmlns:a16="http://schemas.microsoft.com/office/drawing/2014/main" xmlns="" val="20002"/>
+                      <a16:colId xmlns:a16="http://schemas.microsoft.com/office/drawing/2014/main" val="20002"/>
                     </a:ext>
                   </a:extLst>
                 </a:gridCol>
                 <a:gridCol w="1925638">
                   <a:extLst>
                     <a:ext uri="{9D8B030D-6E8A-4147-A177-3AD203B41FA5}">
-                      <a16:colId xmlns:a16="http://schemas.microsoft.com/office/drawing/2014/main" xmlns="" val="20003"/>
+                      <a16:colId xmlns:a16="http://schemas.microsoft.com/office/drawing/2014/main" val="20003"/>
                     </a:ext>
                   </a:extLst>
                 </a:gridCol>
@@ -7320,7 +7449,7 @@
                 </a:tc>
                 <a:extLst>
                   <a:ext uri="{0D108BD9-81ED-4DB2-BD59-A6C34878D82A}">
-                    <a16:rowId xmlns:a16="http://schemas.microsoft.com/office/drawing/2014/main" xmlns="" val="10000"/>
+                    <a16:rowId xmlns:a16="http://schemas.microsoft.com/office/drawing/2014/main" val="10000"/>
                   </a:ext>
                 </a:extLst>
               </a:tr>
@@ -8207,7 +8336,7 @@
                 </a:tc>
                 <a:extLst>
                   <a:ext uri="{0D108BD9-81ED-4DB2-BD59-A6C34878D82A}">
-                    <a16:rowId xmlns:a16="http://schemas.microsoft.com/office/drawing/2014/main" xmlns="" val="10001"/>
+                    <a16:rowId xmlns:a16="http://schemas.microsoft.com/office/drawing/2014/main" val="10001"/>
                   </a:ext>
                 </a:extLst>
               </a:tr>
@@ -9118,7 +9247,7 @@
                 </a:tc>
                 <a:extLst>
                   <a:ext uri="{0D108BD9-81ED-4DB2-BD59-A6C34878D82A}">
-                    <a16:rowId xmlns:a16="http://schemas.microsoft.com/office/drawing/2014/main" xmlns="" val="10002"/>
+                    <a16:rowId xmlns:a16="http://schemas.microsoft.com/office/drawing/2014/main" val="10002"/>
                   </a:ext>
                 </a:extLst>
               </a:tr>
@@ -10029,7 +10158,7 @@
                 </a:tc>
                 <a:extLst>
                   <a:ext uri="{0D108BD9-81ED-4DB2-BD59-A6C34878D82A}">
-                    <a16:rowId xmlns:a16="http://schemas.microsoft.com/office/drawing/2014/main" xmlns="" val="10003"/>
+                    <a16:rowId xmlns:a16="http://schemas.microsoft.com/office/drawing/2014/main" val="10003"/>
                   </a:ext>
                 </a:extLst>
               </a:tr>
@@ -10940,7 +11069,7 @@
                 </a:tc>
                 <a:extLst>
                   <a:ext uri="{0D108BD9-81ED-4DB2-BD59-A6C34878D82A}">
-                    <a16:rowId xmlns:a16="http://schemas.microsoft.com/office/drawing/2014/main" xmlns="" val="10004"/>
+                    <a16:rowId xmlns:a16="http://schemas.microsoft.com/office/drawing/2014/main" val="10004"/>
                   </a:ext>
                 </a:extLst>
               </a:tr>
@@ -10964,7 +11093,7 @@
           <a:lstStyle/>
           <a:p>
             <a:r>
-              <a:rPr lang="en-US" altLang="de-DE" smtClean="0"/>
+              <a:rPr lang="en-US" altLang="de-DE"/>
               <a:t>SIP2 Zwischenpräsentation | Uschakow | Alhanoun | Skiadas</a:t>
             </a:r>
             <a:endParaRPr lang="de-DE" altLang="de-DE" dirty="0"/>
@@ -10989,7 +11118,7 @@
             <a:fld id="{57D12BB6-0ED4-46B6-AB23-7758AD07EFBF}" type="slidenum">
               <a:rPr lang="de-DE" smtClean="0"/>
               <a:pPr/>
-              <a:t>14</a:t>
+              <a:t>15</a:t>
             </a:fld>
             <a:endParaRPr lang="de-DE" dirty="0"/>
           </a:p>
@@ -11009,7 +11138,7 @@
 </p:sld>
 </file>
 
-<file path=ppt/slides/slide15.xml><?xml version="1.0" encoding="utf-8"?>
+<file path=ppt/slides/slide16.xml><?xml version="1.0" encoding="utf-8"?>
 <p:sld xmlns:a="http://schemas.openxmlformats.org/drawingml/2006/main" xmlns:r="http://schemas.openxmlformats.org/officeDocument/2006/relationships" xmlns:p="http://schemas.openxmlformats.org/presentationml/2006/main">
   <p:cSld>
     <p:spTree>
@@ -12237,7 +12366,7 @@
           <a:lstStyle/>
           <a:p>
             <a:r>
-              <a:rPr lang="en-US" altLang="de-DE" smtClean="0"/>
+              <a:rPr lang="en-US" altLang="de-DE"/>
               <a:t>SIP2 Zwischenpräsentation | Uschakow | Alhanoun | Skiadas</a:t>
             </a:r>
             <a:endParaRPr lang="de-DE" altLang="de-DE" dirty="0"/>
@@ -12262,7 +12391,7 @@
             <a:fld id="{57D12BB6-0ED4-46B6-AB23-7758AD07EFBF}" type="slidenum">
               <a:rPr lang="de-DE" smtClean="0"/>
               <a:pPr/>
-              <a:t>15</a:t>
+              <a:t>16</a:t>
             </a:fld>
             <a:endParaRPr lang="de-DE" dirty="0"/>
           </a:p>
@@ -12282,7 +12411,7 @@
 </p:sld>
 </file>
 
-<file path=ppt/slides/slide16.xml><?xml version="1.0" encoding="utf-8"?>
+<file path=ppt/slides/slide17.xml><?xml version="1.0" encoding="utf-8"?>
 <p:sld xmlns:a="http://schemas.openxmlformats.org/drawingml/2006/main" xmlns:r="http://schemas.openxmlformats.org/officeDocument/2006/relationships" xmlns:p="http://schemas.openxmlformats.org/presentationml/2006/main">
   <p:cSld>
     <p:spTree>
@@ -14107,7 +14236,7 @@
           <a:lstStyle/>
           <a:p>
             <a:r>
-              <a:rPr lang="en-US" altLang="de-DE" smtClean="0"/>
+              <a:rPr lang="en-US" altLang="de-DE"/>
               <a:t>SIP2 Zwischenpräsentation | Uschakow | Alhanoun | Skiadas</a:t>
             </a:r>
             <a:endParaRPr lang="de-DE" altLang="de-DE" dirty="0"/>
@@ -14132,7 +14261,7 @@
             <a:fld id="{57D12BB6-0ED4-46B6-AB23-7758AD07EFBF}" type="slidenum">
               <a:rPr lang="de-DE" smtClean="0"/>
               <a:pPr/>
-              <a:t>16</a:t>
+              <a:t>17</a:t>
             </a:fld>
             <a:endParaRPr lang="de-DE" dirty="0"/>
           </a:p>
@@ -14152,7 +14281,7 @@
 </p:sld>
 </file>
 
-<file path=ppt/slides/slide17.xml><?xml version="1.0" encoding="utf-8"?>
+<file path=ppt/slides/slide18.xml><?xml version="1.0" encoding="utf-8"?>
 <p:sld xmlns:a="http://schemas.openxmlformats.org/drawingml/2006/main" xmlns:r="http://schemas.openxmlformats.org/officeDocument/2006/relationships" xmlns:p="http://schemas.openxmlformats.org/presentationml/2006/main">
   <p:cSld>
     <p:spTree>
@@ -17769,7 +17898,7 @@
           <a:lstStyle/>
           <a:p>
             <a:r>
-              <a:rPr lang="en-US" altLang="de-DE" smtClean="0"/>
+              <a:rPr lang="en-US" altLang="de-DE"/>
               <a:t>SIP2 Zwischenpräsentation | Uschakow | Alhanoun | Skiadas</a:t>
             </a:r>
             <a:endParaRPr lang="de-DE" altLang="de-DE" dirty="0"/>
@@ -17794,7 +17923,7 @@
             <a:fld id="{57D12BB6-0ED4-46B6-AB23-7758AD07EFBF}" type="slidenum">
               <a:rPr lang="de-DE" smtClean="0"/>
               <a:pPr/>
-              <a:t>17</a:t>
+              <a:t>18</a:t>
             </a:fld>
             <a:endParaRPr lang="de-DE" dirty="0"/>
           </a:p>
@@ -18056,7 +18185,7 @@
               <a:buAutoNum type="arabicPeriod"/>
             </a:pPr>
             <a:r>
-              <a:rPr lang="de-DE" altLang="de-DE" kern="0" dirty="0" smtClean="0"/>
+              <a:rPr lang="de-DE" altLang="de-DE" kern="0" dirty="0"/>
               <a:t>Einleitung</a:t>
             </a:r>
           </a:p>
@@ -18066,10 +18195,9 @@
               <a:buAutoNum type="arabicPeriod" startAt="2"/>
             </a:pPr>
             <a:r>
-              <a:rPr lang="de-DE" altLang="de-DE" kern="0" dirty="0" smtClean="0"/>
+              <a:rPr lang="de-DE" altLang="de-DE" kern="0" dirty="0"/>
               <a:t>Signalverarbeitung</a:t>
             </a:r>
-            <a:endParaRPr lang="de-DE" altLang="de-DE" kern="0" dirty="0"/>
           </a:p>
           <a:p>
             <a:pPr marL="381000" indent="-381000">
@@ -18077,7 +18205,7 @@
               <a:buAutoNum type="arabicPeriod" startAt="2"/>
             </a:pPr>
             <a:r>
-              <a:rPr lang="en-US" altLang="de-DE" kern="0" dirty="0" smtClean="0"/>
+              <a:rPr lang="en-US" altLang="de-DE" kern="0" dirty="0"/>
               <a:t>M</a:t>
             </a:r>
             <a:r>
@@ -18101,10 +18229,9 @@
               <a:buAutoNum type="arabicPeriod" startAt="2"/>
             </a:pPr>
             <a:r>
-              <a:rPr lang="de-DE" altLang="de-DE" kern="0" dirty="0" smtClean="0"/>
+              <a:rPr lang="de-DE" altLang="de-DE" kern="0" dirty="0"/>
               <a:t>Ausblick</a:t>
             </a:r>
-            <a:endParaRPr lang="de-DE" altLang="de-DE" kern="0" dirty="0"/>
           </a:p>
         </p:txBody>
       </p:sp>
@@ -18124,7 +18251,7 @@
           <a:lstStyle/>
           <a:p>
             <a:r>
-              <a:rPr lang="en-US" altLang="de-DE" smtClean="0"/>
+              <a:rPr lang="en-US" altLang="de-DE"/>
               <a:t>SIP2 Zwischenpräsentation | Uschakow | Alhanoun | Skiadas</a:t>
             </a:r>
             <a:endParaRPr lang="de-DE" altLang="de-DE" dirty="0"/>
@@ -18208,13 +18335,8 @@
           <a:p>
             <a:r>
               <a:rPr lang="de-DE" altLang="de-DE" dirty="0"/>
-              <a:t>1. </a:t>
-            </a:r>
-            <a:r>
-              <a:rPr lang="de-DE" altLang="de-DE" dirty="0" smtClean="0"/>
-              <a:t>Einführung</a:t>
-            </a:r>
-            <a:endParaRPr lang="de-DE" altLang="de-DE" dirty="0"/>
+              <a:t>1. Einführung</a:t>
+            </a:r>
           </a:p>
         </p:txBody>
       </p:sp>
@@ -18522,7 +18644,7 @@
           <a:lstStyle/>
           <a:p>
             <a:r>
-              <a:rPr lang="en-US" altLang="de-DE" smtClean="0"/>
+              <a:rPr lang="en-US" altLang="de-DE"/>
               <a:t>SIP2 Zwischenpräsentation | Uschakow | Alhanoun | Skiadas</a:t>
             </a:r>
             <a:endParaRPr lang="de-DE" altLang="de-DE" dirty="0"/>
@@ -18622,7 +18744,7 @@
         <p:spPr>
           <a:xfrm>
             <a:off x="971550" y="2160000"/>
-            <a:ext cx="7677150" cy="3600450"/>
+            <a:ext cx="3096394" cy="3600450"/>
           </a:xfrm>
           <a:prstGeom prst="rect">
             <a:avLst/>
@@ -18806,9 +18928,57 @@
           <a:p>
             <a:pPr lvl="1"/>
             <a:r>
+              <a:rPr lang="de-DE" altLang="de-DE" kern="0" dirty="0"/>
+              <a:t>Ziel: Generieren die </a:t>
+            </a:r>
+            <a:r>
               <a:rPr lang="de-DE" altLang="de-DE" kern="0" dirty="0" err="1"/>
-              <a:t>asdf</a:t>
-            </a:r>
+              <a:t>Featurevektoren</a:t>
+            </a:r>
+            <a:r>
+              <a:rPr lang="de-DE" altLang="de-DE" kern="0" dirty="0"/>
+              <a:t> für das neuronale Netz</a:t>
+            </a:r>
+            <a:r>
+              <a:rPr lang="de-DE" altLang="de-DE" dirty="0"/>
+              <a:t>.</a:t>
+            </a:r>
+            <a:endParaRPr lang="de-DE" dirty="0"/>
+          </a:p>
+          <a:p>
+            <a:pPr lvl="1"/>
+            <a:endParaRPr lang="de-DE" altLang="de-DE" kern="0" dirty="0"/>
+          </a:p>
+          <a:p>
+            <a:pPr lvl="1"/>
+            <a:endParaRPr lang="de-DE" altLang="de-DE" kern="0" dirty="0"/>
+          </a:p>
+          <a:p>
+            <a:pPr lvl="1"/>
+            <a:endParaRPr lang="de-DE" altLang="de-DE" kern="0" dirty="0"/>
+          </a:p>
+          <a:p>
+            <a:pPr lvl="1"/>
+            <a:endParaRPr lang="de-DE" altLang="de-DE" kern="0" dirty="0"/>
+          </a:p>
+          <a:p>
+            <a:pPr lvl="1"/>
+            <a:r>
+              <a:rPr lang="de-DE" altLang="de-DE" kern="0" dirty="0"/>
+              <a:t> Fensterung der EKG Daten und Generieren</a:t>
+            </a:r>
+          </a:p>
+          <a:p>
+            <a:pPr marL="1588" lvl="1" indent="0">
+              <a:buNone/>
+            </a:pPr>
+            <a:r>
+              <a:rPr lang="de-DE" altLang="de-DE" kern="0" dirty="0"/>
+              <a:t>  des AKF Histogramms.</a:t>
+            </a:r>
+          </a:p>
+          <a:p>
+            <a:pPr lvl="1"/>
             <a:endParaRPr lang="de-DE" altLang="de-DE" kern="0" dirty="0"/>
           </a:p>
           <a:p>
@@ -18833,7 +19003,7 @@
           <a:lstStyle/>
           <a:p>
             <a:r>
-              <a:rPr lang="en-US" altLang="de-DE" smtClean="0"/>
+              <a:rPr lang="en-US" altLang="de-DE"/>
               <a:t>SIP2 Zwischenpräsentation | Uschakow | Alhanoun | Skiadas</a:t>
             </a:r>
             <a:endParaRPr lang="de-DE" altLang="de-DE" dirty="0"/>
@@ -18864,6 +19034,74 @@
           </a:p>
         </p:txBody>
       </p:sp>
+      <p:pic>
+        <p:nvPicPr>
+          <p:cNvPr id="10" name="Grafik 9">
+            <a:extLst>
+              <a:ext uri="{FF2B5EF4-FFF2-40B4-BE49-F238E27FC236}">
+                <a16:creationId xmlns:a16="http://schemas.microsoft.com/office/drawing/2014/main" id="{7FA50D20-75BE-4C41-A432-157806BD6463}"/>
+              </a:ext>
+            </a:extLst>
+          </p:cNvPr>
+          <p:cNvPicPr/>
+          <p:nvPr/>
+        </p:nvPicPr>
+        <p:blipFill>
+          <a:blip r:embed="rId2" cstate="print">
+            <a:extLst>
+              <a:ext uri="{28A0092B-C50C-407E-A947-70E740481C1C}">
+                <a14:useLocalDpi xmlns:a14="http://schemas.microsoft.com/office/drawing/2010/main" val="0"/>
+              </a:ext>
+            </a:extLst>
+          </a:blip>
+          <a:stretch>
+            <a:fillRect/>
+          </a:stretch>
+        </p:blipFill>
+        <p:spPr>
+          <a:xfrm>
+            <a:off x="3923928" y="1391424"/>
+            <a:ext cx="4879630" cy="2736304"/>
+          </a:xfrm>
+          <a:prstGeom prst="rect">
+            <a:avLst/>
+          </a:prstGeom>
+        </p:spPr>
+      </p:pic>
+      <p:pic>
+        <p:nvPicPr>
+          <p:cNvPr id="12" name="Grafik 11">
+            <a:extLst>
+              <a:ext uri="{FF2B5EF4-FFF2-40B4-BE49-F238E27FC236}">
+                <a16:creationId xmlns:a16="http://schemas.microsoft.com/office/drawing/2014/main" id="{35B1DCD8-1446-4362-B077-2CD268E27393}"/>
+              </a:ext>
+            </a:extLst>
+          </p:cNvPr>
+          <p:cNvPicPr/>
+          <p:nvPr/>
+        </p:nvPicPr>
+        <p:blipFill>
+          <a:blip r:embed="rId3" cstate="print">
+            <a:extLst>
+              <a:ext uri="{28A0092B-C50C-407E-A947-70E740481C1C}">
+                <a14:useLocalDpi xmlns:a14="http://schemas.microsoft.com/office/drawing/2010/main" val="0"/>
+              </a:ext>
+            </a:extLst>
+          </a:blip>
+          <a:stretch>
+            <a:fillRect/>
+          </a:stretch>
+        </p:blipFill>
+        <p:spPr>
+          <a:xfrm>
+            <a:off x="3923928" y="4153822"/>
+            <a:ext cx="4884194" cy="2241812"/>
+          </a:xfrm>
+          <a:prstGeom prst="rect">
+            <a:avLst/>
+          </a:prstGeom>
+        </p:spPr>
+      </p:pic>
     </p:spTree>
     <p:extLst>
       <p:ext uri="{BB962C8B-B14F-4D97-AF65-F5344CB8AC3E}">
@@ -18895,367 +19133,80 @@
           <a:chExt cx="0" cy="0"/>
         </a:xfrm>
       </p:grpSpPr>
+      <p:pic>
+        <p:nvPicPr>
+          <p:cNvPr id="7" name="Grafik 6">
+            <a:extLst>
+              <a:ext uri="{FF2B5EF4-FFF2-40B4-BE49-F238E27FC236}">
+                <a16:creationId xmlns:a16="http://schemas.microsoft.com/office/drawing/2014/main" id="{D0EB3F51-8406-4F90-BFA9-4613669C8A27}"/>
+              </a:ext>
+            </a:extLst>
+          </p:cNvPr>
+          <p:cNvPicPr>
+            <a:picLocks noChangeAspect="1"/>
+          </p:cNvPicPr>
+          <p:nvPr/>
+        </p:nvPicPr>
+        <p:blipFill>
+          <a:blip r:embed="rId2">
+            <a:extLst>
+              <a:ext uri="{28A0092B-C50C-407E-A947-70E740481C1C}">
+                <a14:useLocalDpi xmlns:a14="http://schemas.microsoft.com/office/drawing/2010/main" val="0"/>
+              </a:ext>
+            </a:extLst>
+          </a:blip>
+          <a:stretch>
+            <a:fillRect/>
+          </a:stretch>
+        </p:blipFill>
+        <p:spPr>
+          <a:xfrm>
+            <a:off x="4715632" y="4075957"/>
+            <a:ext cx="4428368" cy="1882282"/>
+          </a:xfrm>
+          <a:prstGeom prst="rect">
+            <a:avLst/>
+          </a:prstGeom>
+        </p:spPr>
+      </p:pic>
       <p:sp>
         <p:nvSpPr>
-          <p:cNvPr id="5" name="Rectangle 2"/>
+          <p:cNvPr id="2" name="Titel 1">
+            <a:extLst>
+              <a:ext uri="{FF2B5EF4-FFF2-40B4-BE49-F238E27FC236}">
+                <a16:creationId xmlns:a16="http://schemas.microsoft.com/office/drawing/2014/main" id="{7B21990D-DAE7-4F36-B502-75A336D7A62E}"/>
+              </a:ext>
+            </a:extLst>
+          </p:cNvPr>
           <p:cNvSpPr>
-            <a:spLocks noGrp="1" noChangeArrowheads="1"/>
+            <a:spLocks noGrp="1"/>
           </p:cNvSpPr>
           <p:nvPr>
             <p:ph type="title"/>
           </p:nvPr>
         </p:nvSpPr>
-        <p:spPr>
-          <a:xfrm>
-            <a:off x="971550" y="1404000"/>
-            <a:ext cx="7704138" cy="792162"/>
-          </a:xfrm>
-        </p:spPr>
+        <p:spPr/>
         <p:txBody>
           <a:bodyPr/>
           <a:lstStyle/>
           <a:p>
             <a:r>
               <a:rPr lang="de-DE" altLang="de-DE" dirty="0"/>
-              <a:t>4. Modulbeschreibung</a:t>
-            </a:r>
+              <a:t>2. Signalverarbeitung</a:t>
+            </a:r>
+            <a:endParaRPr lang="de-DE" dirty="0"/>
           </a:p>
         </p:txBody>
       </p:sp>
       <p:sp>
         <p:nvSpPr>
-          <p:cNvPr id="6" name="Rectangle 3"/>
-          <p:cNvSpPr txBox="1">
-            <a:spLocks noChangeArrowheads="1"/>
-          </p:cNvSpPr>
-          <p:nvPr/>
-        </p:nvSpPr>
-        <p:spPr>
-          <a:xfrm>
-            <a:off x="971550" y="2160000"/>
-            <a:ext cx="7677150" cy="3600450"/>
-          </a:xfrm>
-          <a:prstGeom prst="rect">
-            <a:avLst/>
-          </a:prstGeom>
-        </p:spPr>
-        <p:txBody>
-          <a:bodyPr/>
-          <a:lstStyle>
-            <a:lvl1pPr algn="l" rtl="0" eaLnBrk="1" fontAlgn="base" hangingPunct="1">
-              <a:lnSpc>
-                <a:spcPct val="110000"/>
-              </a:lnSpc>
-              <a:spcBef>
-                <a:spcPct val="0"/>
-              </a:spcBef>
-              <a:spcAft>
-                <a:spcPct val="20000"/>
-              </a:spcAft>
-              <a:defRPr>
-                <a:solidFill>
-                  <a:schemeClr val="tx1"/>
-                </a:solidFill>
-                <a:latin typeface="+mn-lt"/>
-                <a:ea typeface="+mn-ea"/>
-                <a:cs typeface="+mn-cs"/>
-              </a:defRPr>
-            </a:lvl1pPr>
-            <a:lvl2pPr marL="182563" indent="-180975" algn="l" rtl="0" eaLnBrk="1" fontAlgn="base" hangingPunct="1">
-              <a:lnSpc>
-                <a:spcPct val="110000"/>
-              </a:lnSpc>
-              <a:spcBef>
-                <a:spcPct val="0"/>
-              </a:spcBef>
-              <a:spcAft>
-                <a:spcPct val="20000"/>
-              </a:spcAft>
-              <a:buFont typeface="Arial" charset="0"/>
-              <a:buChar char="•"/>
-              <a:defRPr>
-                <a:solidFill>
-                  <a:schemeClr val="tx1"/>
-                </a:solidFill>
-                <a:latin typeface="+mn-lt"/>
-              </a:defRPr>
-            </a:lvl2pPr>
-            <a:lvl3pPr marL="366713" indent="-182563" algn="l" rtl="0" eaLnBrk="1" fontAlgn="base" hangingPunct="1">
-              <a:lnSpc>
-                <a:spcPct val="110000"/>
-              </a:lnSpc>
-              <a:spcBef>
-                <a:spcPct val="0"/>
-              </a:spcBef>
-              <a:spcAft>
-                <a:spcPct val="20000"/>
-              </a:spcAft>
-              <a:buFont typeface="Arial" charset="0"/>
-              <a:buChar char="•"/>
-              <a:defRPr>
-                <a:solidFill>
-                  <a:schemeClr val="tx1"/>
-                </a:solidFill>
-                <a:latin typeface="+mn-lt"/>
-              </a:defRPr>
-            </a:lvl3pPr>
-            <a:lvl4pPr marL="552450" indent="-184150" algn="l" rtl="0" eaLnBrk="1" fontAlgn="base" hangingPunct="1">
-              <a:lnSpc>
-                <a:spcPct val="110000"/>
-              </a:lnSpc>
-              <a:spcBef>
-                <a:spcPct val="0"/>
-              </a:spcBef>
-              <a:spcAft>
-                <a:spcPct val="20000"/>
-              </a:spcAft>
-              <a:buFont typeface="Arial" charset="0"/>
-              <a:buChar char="•"/>
-              <a:defRPr>
-                <a:solidFill>
-                  <a:schemeClr val="tx1"/>
-                </a:solidFill>
-                <a:latin typeface="+mn-lt"/>
-              </a:defRPr>
-            </a:lvl4pPr>
-            <a:lvl5pPr marL="738188" indent="-184150" algn="l" rtl="0" eaLnBrk="1" fontAlgn="base" hangingPunct="1">
-              <a:lnSpc>
-                <a:spcPct val="110000"/>
-              </a:lnSpc>
-              <a:spcBef>
-                <a:spcPct val="0"/>
-              </a:spcBef>
-              <a:spcAft>
-                <a:spcPct val="20000"/>
-              </a:spcAft>
-              <a:buFont typeface="Arial" charset="0"/>
-              <a:buChar char="•"/>
-              <a:defRPr>
-                <a:solidFill>
-                  <a:schemeClr val="tx1"/>
-                </a:solidFill>
-                <a:latin typeface="+mn-lt"/>
-              </a:defRPr>
-            </a:lvl5pPr>
-            <a:lvl6pPr marL="1195388" indent="-184150" algn="l" rtl="0" eaLnBrk="1" fontAlgn="base" hangingPunct="1">
-              <a:lnSpc>
-                <a:spcPct val="110000"/>
-              </a:lnSpc>
-              <a:spcBef>
-                <a:spcPct val="0"/>
-              </a:spcBef>
-              <a:spcAft>
-                <a:spcPct val="20000"/>
-              </a:spcAft>
-              <a:buFont typeface="Arial" charset="0"/>
-              <a:buChar char="•"/>
-              <a:defRPr>
-                <a:solidFill>
-                  <a:schemeClr val="tx1"/>
-                </a:solidFill>
-                <a:latin typeface="+mn-lt"/>
-              </a:defRPr>
-            </a:lvl6pPr>
-            <a:lvl7pPr marL="1652588" indent="-184150" algn="l" rtl="0" eaLnBrk="1" fontAlgn="base" hangingPunct="1">
-              <a:lnSpc>
-                <a:spcPct val="110000"/>
-              </a:lnSpc>
-              <a:spcBef>
-                <a:spcPct val="0"/>
-              </a:spcBef>
-              <a:spcAft>
-                <a:spcPct val="20000"/>
-              </a:spcAft>
-              <a:buFont typeface="Arial" charset="0"/>
-              <a:buChar char="•"/>
-              <a:defRPr>
-                <a:solidFill>
-                  <a:schemeClr val="tx1"/>
-                </a:solidFill>
-                <a:latin typeface="+mn-lt"/>
-              </a:defRPr>
-            </a:lvl7pPr>
-            <a:lvl8pPr marL="2109788" indent="-184150" algn="l" rtl="0" eaLnBrk="1" fontAlgn="base" hangingPunct="1">
-              <a:lnSpc>
-                <a:spcPct val="110000"/>
-              </a:lnSpc>
-              <a:spcBef>
-                <a:spcPct val="0"/>
-              </a:spcBef>
-              <a:spcAft>
-                <a:spcPct val="20000"/>
-              </a:spcAft>
-              <a:buFont typeface="Arial" charset="0"/>
-              <a:buChar char="•"/>
-              <a:defRPr>
-                <a:solidFill>
-                  <a:schemeClr val="tx1"/>
-                </a:solidFill>
-                <a:latin typeface="+mn-lt"/>
-              </a:defRPr>
-            </a:lvl8pPr>
-            <a:lvl9pPr marL="2566988" indent="-184150" algn="l" rtl="0" eaLnBrk="1" fontAlgn="base" hangingPunct="1">
-              <a:lnSpc>
-                <a:spcPct val="110000"/>
-              </a:lnSpc>
-              <a:spcBef>
-                <a:spcPct val="0"/>
-              </a:spcBef>
-              <a:spcAft>
-                <a:spcPct val="20000"/>
-              </a:spcAft>
-              <a:buFont typeface="Arial" charset="0"/>
-              <a:buChar char="•"/>
-              <a:defRPr>
-                <a:solidFill>
-                  <a:schemeClr val="tx1"/>
-                </a:solidFill>
-                <a:latin typeface="+mn-lt"/>
-              </a:defRPr>
-            </a:lvl9pPr>
-          </a:lstStyle>
-          <a:p>
-            <a:pPr lvl="1"/>
-            <a:r>
-              <a:rPr lang="en-US" altLang="de-DE" kern="0" dirty="0"/>
-              <a:t>2</a:t>
-            </a:r>
-            <a:r>
-              <a:rPr lang="de-DE" altLang="de-DE" kern="0" dirty="0"/>
-              <a:t> Klassen</a:t>
-            </a:r>
-          </a:p>
-          <a:p>
-            <a:pPr lvl="2"/>
-            <a:r>
-              <a:rPr lang="en-US" altLang="de-DE" kern="0" dirty="0" err="1"/>
-              <a:t>Zeitsignal</a:t>
-            </a:r>
-            <a:r>
-              <a:rPr lang="en-US" altLang="de-DE" kern="0" dirty="0"/>
-              <a:t> </a:t>
-            </a:r>
-            <a:r>
-              <a:rPr lang="en-US" altLang="de-DE" kern="0" dirty="0" err="1"/>
-              <a:t>Verarbeitung</a:t>
-            </a:r>
-            <a:endParaRPr lang="en-US" altLang="de-DE" kern="0" dirty="0"/>
-          </a:p>
-          <a:p>
-            <a:pPr lvl="3"/>
-            <a:r>
-              <a:rPr lang="en-US" altLang="de-DE" kern="0" dirty="0" err="1"/>
-              <a:t>Generierung</a:t>
-            </a:r>
-            <a:r>
-              <a:rPr lang="en-US" altLang="de-DE" kern="0" dirty="0"/>
-              <a:t> des Histograms</a:t>
-            </a:r>
-          </a:p>
-          <a:p>
-            <a:pPr lvl="3"/>
-            <a:r>
-              <a:rPr lang="en-US" altLang="de-DE" kern="0" dirty="0" err="1"/>
-              <a:t>Extraktion</a:t>
-            </a:r>
-            <a:r>
-              <a:rPr lang="en-US" altLang="de-DE" kern="0" dirty="0"/>
-              <a:t> der features</a:t>
-            </a:r>
-          </a:p>
-          <a:p>
-            <a:pPr lvl="2"/>
-            <a:r>
-              <a:rPr lang="en-US" altLang="de-DE" kern="0" dirty="0" err="1"/>
-              <a:t>Klassifizierung</a:t>
-            </a:r>
-            <a:endParaRPr lang="en-US" altLang="de-DE" kern="0" dirty="0"/>
-          </a:p>
-          <a:p>
-            <a:pPr lvl="3"/>
-            <a:r>
-              <a:rPr lang="en-US" altLang="de-DE" kern="0" dirty="0"/>
-              <a:t>FFN</a:t>
-            </a:r>
-          </a:p>
-          <a:p>
-            <a:pPr lvl="3"/>
-            <a:r>
-              <a:rPr lang="en-US" altLang="de-DE" kern="0" dirty="0"/>
-              <a:t>2 </a:t>
-            </a:r>
-            <a:r>
-              <a:rPr lang="en-US" altLang="de-DE" kern="0" dirty="0" err="1"/>
-              <a:t>Klasse</a:t>
-            </a:r>
-            <a:r>
-              <a:rPr lang="en-US" altLang="de-DE" kern="0" dirty="0"/>
-              <a:t>: </a:t>
-            </a:r>
-            <a:r>
-              <a:rPr lang="en-US" altLang="de-DE" kern="0" dirty="0" err="1"/>
-              <a:t>Apnoe</a:t>
-            </a:r>
-            <a:r>
-              <a:rPr lang="en-US" altLang="de-DE" kern="0" dirty="0"/>
-              <a:t> und </a:t>
-            </a:r>
-            <a:r>
-              <a:rPr lang="en-US" altLang="de-DE" kern="0" dirty="0" err="1"/>
-              <a:t>kein</a:t>
-            </a:r>
-            <a:r>
-              <a:rPr lang="en-US" altLang="de-DE" kern="0" dirty="0"/>
-              <a:t> </a:t>
-            </a:r>
-            <a:r>
-              <a:rPr lang="en-US" altLang="de-DE" kern="0" dirty="0" err="1"/>
-              <a:t>Apnoe</a:t>
-            </a:r>
-            <a:endParaRPr lang="en-US" altLang="de-DE" kern="0" dirty="0"/>
-          </a:p>
-          <a:p>
-            <a:pPr lvl="3"/>
-            <a:r>
-              <a:rPr lang="en-US" altLang="de-DE" kern="0" dirty="0"/>
-              <a:t>Input 26 </a:t>
-            </a:r>
-            <a:r>
-              <a:rPr lang="en-US" altLang="de-DE" kern="0" dirty="0" err="1"/>
-              <a:t>Werte</a:t>
-            </a:r>
-            <a:r>
-              <a:rPr lang="en-US" altLang="de-DE" kern="0" dirty="0"/>
-              <a:t> ( </a:t>
-            </a:r>
-            <a:r>
-              <a:rPr lang="en-US" altLang="de-DE" kern="0" dirty="0" err="1"/>
-              <a:t>max_values</a:t>
-            </a:r>
-            <a:r>
-              <a:rPr lang="en-US" altLang="de-DE" kern="0" dirty="0"/>
-              <a:t> </a:t>
-            </a:r>
-            <a:r>
-              <a:rPr lang="en-US" altLang="de-DE" kern="0" dirty="0" err="1"/>
-              <a:t>indeces</a:t>
-            </a:r>
-            <a:r>
-              <a:rPr lang="en-US" altLang="de-DE" kern="0" dirty="0"/>
-              <a:t> )</a:t>
-            </a:r>
-          </a:p>
-          <a:p>
-            <a:pPr marL="1588" lvl="1" indent="0">
-              <a:buNone/>
-            </a:pPr>
-            <a:endParaRPr lang="de-DE" altLang="de-DE" kern="0" dirty="0"/>
-          </a:p>
-        </p:txBody>
-      </p:sp>
-      <p:sp>
-        <p:nvSpPr>
-          <p:cNvPr id="2" name="Fußzeilenplatzhalter 1"/>
+          <p:cNvPr id="3" name="Fußzeilenplatzhalter 2">
+            <a:extLst>
+              <a:ext uri="{FF2B5EF4-FFF2-40B4-BE49-F238E27FC236}">
+                <a16:creationId xmlns:a16="http://schemas.microsoft.com/office/drawing/2014/main" id="{248CFD9F-E26E-42D1-B56C-201DE4138CF9}"/>
+              </a:ext>
+            </a:extLst>
+          </p:cNvPr>
           <p:cNvSpPr>
             <a:spLocks noGrp="1"/>
           </p:cNvSpPr>
@@ -19269,7 +19220,7 @@
           <a:lstStyle/>
           <a:p>
             <a:r>
-              <a:rPr lang="en-US" altLang="de-DE" smtClean="0"/>
+              <a:rPr lang="en-US" altLang="de-DE"/>
               <a:t>SIP2 Zwischenpräsentation | Uschakow | Alhanoun | Skiadas</a:t>
             </a:r>
             <a:endParaRPr lang="de-DE" altLang="de-DE" dirty="0"/>
@@ -19278,7 +19229,13 @@
       </p:sp>
       <p:sp>
         <p:nvSpPr>
-          <p:cNvPr id="7" name="Foliennummernplatzhalter 6"/>
+          <p:cNvPr id="4" name="Foliennummernplatzhalter 3">
+            <a:extLst>
+              <a:ext uri="{FF2B5EF4-FFF2-40B4-BE49-F238E27FC236}">
+                <a16:creationId xmlns:a16="http://schemas.microsoft.com/office/drawing/2014/main" id="{46FA257B-BEA4-4058-9A91-4DBB90D240B6}"/>
+              </a:ext>
+            </a:extLst>
+          </p:cNvPr>
           <p:cNvSpPr>
             <a:spLocks noGrp="1"/>
           </p:cNvSpPr>
@@ -19300,10 +19257,199 @@
           </a:p>
         </p:txBody>
       </p:sp>
+      <p:sp>
+        <p:nvSpPr>
+          <p:cNvPr id="5" name="Rechteck 4">
+            <a:extLst>
+              <a:ext uri="{FF2B5EF4-FFF2-40B4-BE49-F238E27FC236}">
+                <a16:creationId xmlns:a16="http://schemas.microsoft.com/office/drawing/2014/main" id="{761FA86F-4AF1-4A4D-9AAB-8AC8B26D7BB4}"/>
+              </a:ext>
+            </a:extLst>
+          </p:cNvPr>
+          <p:cNvSpPr/>
+          <p:nvPr/>
+        </p:nvSpPr>
+        <p:spPr>
+          <a:xfrm>
+            <a:off x="755576" y="2551837"/>
+            <a:ext cx="7920112" cy="3693319"/>
+          </a:xfrm>
+          <a:prstGeom prst="rect">
+            <a:avLst/>
+          </a:prstGeom>
+        </p:spPr>
+        <p:txBody>
+          <a:bodyPr wrap="square">
+            <a:spAutoFit/>
+          </a:bodyPr>
+          <a:lstStyle/>
+          <a:p>
+            <a:pPr marL="742950" lvl="1" indent="-285750" algn="l">
+              <a:buFont typeface="Arial" panose="020B0604020202020204" pitchFamily="34" charset="0"/>
+              <a:buChar char="•"/>
+            </a:pPr>
+            <a:endParaRPr lang="de-DE" altLang="de-DE" kern="0" dirty="0">
+              <a:sym typeface="Wingdings" panose="05000000000000000000" pitchFamily="2" charset="2"/>
+            </a:endParaRPr>
+          </a:p>
+          <a:p>
+            <a:pPr marL="742950" lvl="1" indent="-285750" algn="l">
+              <a:buFont typeface="Arial" panose="020B0604020202020204" pitchFamily="34" charset="0"/>
+              <a:buChar char="•"/>
+            </a:pPr>
+            <a:r>
+              <a:rPr lang="de-DE" altLang="de-DE" kern="0" dirty="0"/>
+              <a:t>AKF-Histogramm </a:t>
+            </a:r>
+            <a:r>
+              <a:rPr lang="de-DE" altLang="de-DE" kern="0" dirty="0">
+                <a:sym typeface="Wingdings" panose="05000000000000000000" pitchFamily="2" charset="2"/>
+              </a:rPr>
+              <a:t> AKF-Matrix  AKF-Fenster</a:t>
+            </a:r>
+          </a:p>
+          <a:p>
+            <a:pPr marL="742950" lvl="1" indent="-285750" algn="l">
+              <a:buFont typeface="Arial" panose="020B0604020202020204" pitchFamily="34" charset="0"/>
+              <a:buChar char="•"/>
+            </a:pPr>
+            <a:endParaRPr lang="de-DE" altLang="de-DE" kern="0" dirty="0">
+              <a:sym typeface="Wingdings" panose="05000000000000000000" pitchFamily="2" charset="2"/>
+            </a:endParaRPr>
+          </a:p>
+          <a:p>
+            <a:pPr lvl="1" algn="l"/>
+            <a:endParaRPr lang="de-DE" altLang="de-DE" kern="0" dirty="0">
+              <a:sym typeface="Wingdings" panose="05000000000000000000" pitchFamily="2" charset="2"/>
+            </a:endParaRPr>
+          </a:p>
+          <a:p>
+            <a:pPr marL="742950" lvl="1" indent="-285750" algn="l">
+              <a:buFont typeface="Arial" panose="020B0604020202020204" pitchFamily="34" charset="0"/>
+              <a:buChar char="•"/>
+            </a:pPr>
+            <a:endParaRPr lang="de-DE" altLang="de-DE" kern="0" dirty="0">
+              <a:sym typeface="Wingdings" panose="05000000000000000000" pitchFamily="2" charset="2"/>
+            </a:endParaRPr>
+          </a:p>
+          <a:p>
+            <a:pPr marL="742950" lvl="1" indent="-285750" algn="l">
+              <a:buFont typeface="Arial" panose="020B0604020202020204" pitchFamily="34" charset="0"/>
+              <a:buChar char="•"/>
+            </a:pPr>
+            <a:endParaRPr lang="de-DE" altLang="de-DE" kern="0" dirty="0">
+              <a:sym typeface="Wingdings" panose="05000000000000000000" pitchFamily="2" charset="2"/>
+            </a:endParaRPr>
+          </a:p>
+          <a:p>
+            <a:pPr marL="742950" lvl="1" indent="-285750" algn="l">
+              <a:buFont typeface="Arial" panose="020B0604020202020204" pitchFamily="34" charset="0"/>
+              <a:buChar char="•"/>
+            </a:pPr>
+            <a:r>
+              <a:rPr lang="de-DE" altLang="de-DE" kern="0" dirty="0">
+                <a:sym typeface="Wingdings" panose="05000000000000000000" pitchFamily="2" charset="2"/>
+              </a:rPr>
+              <a:t>Tiefpassfilterung um nur </a:t>
+            </a:r>
+          </a:p>
+          <a:p>
+            <a:pPr lvl="1" algn="l"/>
+            <a:r>
+              <a:rPr lang="de-DE" altLang="de-DE" kern="0" dirty="0">
+                <a:sym typeface="Wingdings" panose="05000000000000000000" pitchFamily="2" charset="2"/>
+              </a:rPr>
+              <a:t>1. Nebenmaximal zu erhalten</a:t>
+            </a:r>
+          </a:p>
+          <a:p>
+            <a:pPr marL="742950" lvl="1" indent="-285750" algn="l">
+              <a:buFont typeface="Arial" panose="020B0604020202020204" pitchFamily="34" charset="0"/>
+              <a:buChar char="•"/>
+            </a:pPr>
+            <a:r>
+              <a:rPr lang="de-DE" altLang="de-DE" kern="0" dirty="0">
+                <a:sym typeface="Wingdings" panose="05000000000000000000" pitchFamily="2" charset="2"/>
+              </a:rPr>
+              <a:t>Abtastung auf 13 Werte pro</a:t>
+            </a:r>
+          </a:p>
+          <a:p>
+            <a:pPr lvl="1" algn="l"/>
+            <a:r>
+              <a:rPr lang="de-DE" altLang="de-DE" kern="0" dirty="0">
+                <a:sym typeface="Wingdings" panose="05000000000000000000" pitchFamily="2" charset="2"/>
+              </a:rPr>
+              <a:t> AKF-Fenster</a:t>
+            </a:r>
+          </a:p>
+          <a:p>
+            <a:pPr lvl="1" algn="l"/>
+            <a:endParaRPr lang="de-DE" altLang="de-DE" kern="0" dirty="0">
+              <a:sym typeface="Wingdings" panose="05000000000000000000" pitchFamily="2" charset="2"/>
+            </a:endParaRPr>
+          </a:p>
+          <a:p>
+            <a:pPr lvl="1" algn="l"/>
+            <a:endParaRPr lang="de-DE" altLang="de-DE" kern="0" dirty="0">
+              <a:sym typeface="Wingdings" panose="05000000000000000000" pitchFamily="2" charset="2"/>
+            </a:endParaRPr>
+          </a:p>
+          <a:p>
+            <a:pPr marL="742950" lvl="1" indent="-285750" algn="l">
+              <a:buFont typeface="Arial" panose="020B0604020202020204" pitchFamily="34" charset="0"/>
+              <a:buChar char="•"/>
+            </a:pPr>
+            <a:r>
+              <a:rPr lang="de-DE" altLang="de-DE" kern="0" dirty="0">
+                <a:sym typeface="Wingdings" panose="05000000000000000000" pitchFamily="2" charset="2"/>
+              </a:rPr>
+              <a:t>Generierung einer 1 x 26 Matrix zum Training des NN</a:t>
+            </a:r>
+            <a:endParaRPr lang="de-DE" altLang="de-DE" kern="0" dirty="0"/>
+          </a:p>
+        </p:txBody>
+      </p:sp>
+      <p:pic>
+        <p:nvPicPr>
+          <p:cNvPr id="10" name="Grafik 9">
+            <a:extLst>
+              <a:ext uri="{FF2B5EF4-FFF2-40B4-BE49-F238E27FC236}">
+                <a16:creationId xmlns:a16="http://schemas.microsoft.com/office/drawing/2014/main" id="{8748D6E1-602C-47F4-90B2-0ED631B758C1}"/>
+              </a:ext>
+            </a:extLst>
+          </p:cNvPr>
+          <p:cNvPicPr>
+            <a:picLocks noChangeAspect="1"/>
+          </p:cNvPicPr>
+          <p:nvPr/>
+        </p:nvPicPr>
+        <p:blipFill>
+          <a:blip r:embed="rId3" cstate="print">
+            <a:extLst>
+              <a:ext uri="{28A0092B-C50C-407E-A947-70E740481C1C}">
+                <a14:useLocalDpi xmlns:a14="http://schemas.microsoft.com/office/drawing/2010/main" val="0"/>
+              </a:ext>
+            </a:extLst>
+          </a:blip>
+          <a:stretch>
+            <a:fillRect/>
+          </a:stretch>
+        </p:blipFill>
+        <p:spPr>
+          <a:xfrm>
+            <a:off x="6573304" y="2167593"/>
+            <a:ext cx="2463192" cy="1843294"/>
+          </a:xfrm>
+          <a:prstGeom prst="rect">
+            <a:avLst/>
+          </a:prstGeom>
+        </p:spPr>
+      </p:pic>
     </p:spTree>
     <p:extLst>
       <p:ext uri="{BB962C8B-B14F-4D97-AF65-F5344CB8AC3E}">
-        <p14:creationId xmlns:p14="http://schemas.microsoft.com/office/powerpoint/2010/main" val="3319718798"/>
+        <p14:creationId xmlns:p14="http://schemas.microsoft.com/office/powerpoint/2010/main" val="3319081995"/>
       </p:ext>
     </p:extLst>
   </p:cSld>
@@ -19553,6 +19699,442 @@
           <a:p>
             <a:pPr lvl="1"/>
             <a:r>
+              <a:rPr lang="en-US" altLang="de-DE" kern="0" dirty="0"/>
+              <a:t>2</a:t>
+            </a:r>
+            <a:r>
+              <a:rPr lang="de-DE" altLang="de-DE" kern="0" dirty="0"/>
+              <a:t> Klassen</a:t>
+            </a:r>
+          </a:p>
+          <a:p>
+            <a:pPr lvl="2"/>
+            <a:r>
+              <a:rPr lang="en-US" altLang="de-DE" kern="0" dirty="0" err="1"/>
+              <a:t>Zeitsignal</a:t>
+            </a:r>
+            <a:r>
+              <a:rPr lang="en-US" altLang="de-DE" kern="0" dirty="0"/>
+              <a:t> </a:t>
+            </a:r>
+            <a:r>
+              <a:rPr lang="en-US" altLang="de-DE" kern="0" dirty="0" err="1"/>
+              <a:t>Verarbeitung</a:t>
+            </a:r>
+            <a:endParaRPr lang="en-US" altLang="de-DE" kern="0" dirty="0"/>
+          </a:p>
+          <a:p>
+            <a:pPr lvl="3"/>
+            <a:r>
+              <a:rPr lang="en-US" altLang="de-DE" kern="0" dirty="0" err="1"/>
+              <a:t>Generierung</a:t>
+            </a:r>
+            <a:r>
+              <a:rPr lang="en-US" altLang="de-DE" kern="0" dirty="0"/>
+              <a:t> des Histograms</a:t>
+            </a:r>
+          </a:p>
+          <a:p>
+            <a:pPr lvl="3"/>
+            <a:r>
+              <a:rPr lang="en-US" altLang="de-DE" kern="0" dirty="0" err="1"/>
+              <a:t>Extraktion</a:t>
+            </a:r>
+            <a:r>
+              <a:rPr lang="en-US" altLang="de-DE" kern="0" dirty="0"/>
+              <a:t> der features</a:t>
+            </a:r>
+          </a:p>
+          <a:p>
+            <a:pPr lvl="2"/>
+            <a:r>
+              <a:rPr lang="en-US" altLang="de-DE" kern="0" dirty="0" err="1"/>
+              <a:t>Klassifizierung</a:t>
+            </a:r>
+            <a:endParaRPr lang="en-US" altLang="de-DE" kern="0" dirty="0"/>
+          </a:p>
+          <a:p>
+            <a:pPr lvl="3"/>
+            <a:r>
+              <a:rPr lang="en-US" altLang="de-DE" kern="0" dirty="0"/>
+              <a:t>FFN</a:t>
+            </a:r>
+          </a:p>
+          <a:p>
+            <a:pPr lvl="3"/>
+            <a:r>
+              <a:rPr lang="en-US" altLang="de-DE" kern="0" dirty="0"/>
+              <a:t>2 </a:t>
+            </a:r>
+            <a:r>
+              <a:rPr lang="en-US" altLang="de-DE" kern="0" dirty="0" err="1"/>
+              <a:t>Klasse</a:t>
+            </a:r>
+            <a:r>
+              <a:rPr lang="en-US" altLang="de-DE" kern="0" dirty="0"/>
+              <a:t>: </a:t>
+            </a:r>
+            <a:r>
+              <a:rPr lang="en-US" altLang="de-DE" kern="0" dirty="0" err="1"/>
+              <a:t>Apnoe</a:t>
+            </a:r>
+            <a:r>
+              <a:rPr lang="en-US" altLang="de-DE" kern="0" dirty="0"/>
+              <a:t> und </a:t>
+            </a:r>
+            <a:r>
+              <a:rPr lang="en-US" altLang="de-DE" kern="0" dirty="0" err="1"/>
+              <a:t>kein</a:t>
+            </a:r>
+            <a:r>
+              <a:rPr lang="en-US" altLang="de-DE" kern="0" dirty="0"/>
+              <a:t> </a:t>
+            </a:r>
+            <a:r>
+              <a:rPr lang="en-US" altLang="de-DE" kern="0" dirty="0" err="1"/>
+              <a:t>Apnoe</a:t>
+            </a:r>
+            <a:endParaRPr lang="en-US" altLang="de-DE" kern="0" dirty="0"/>
+          </a:p>
+          <a:p>
+            <a:pPr lvl="3"/>
+            <a:r>
+              <a:rPr lang="en-US" altLang="de-DE" kern="0" dirty="0"/>
+              <a:t>Input 26 </a:t>
+            </a:r>
+            <a:r>
+              <a:rPr lang="en-US" altLang="de-DE" kern="0" dirty="0" err="1"/>
+              <a:t>Werte</a:t>
+            </a:r>
+            <a:r>
+              <a:rPr lang="en-US" altLang="de-DE" kern="0" dirty="0"/>
+              <a:t> ( </a:t>
+            </a:r>
+            <a:r>
+              <a:rPr lang="en-US" altLang="de-DE" kern="0" dirty="0" err="1"/>
+              <a:t>max_values</a:t>
+            </a:r>
+            <a:r>
+              <a:rPr lang="en-US" altLang="de-DE" kern="0" dirty="0"/>
+              <a:t> </a:t>
+            </a:r>
+            <a:r>
+              <a:rPr lang="en-US" altLang="de-DE" kern="0" dirty="0" err="1"/>
+              <a:t>indeces</a:t>
+            </a:r>
+            <a:r>
+              <a:rPr lang="en-US" altLang="de-DE" kern="0" dirty="0"/>
+              <a:t> )</a:t>
+            </a:r>
+          </a:p>
+          <a:p>
+            <a:pPr marL="1588" lvl="1" indent="0">
+              <a:buNone/>
+            </a:pPr>
+            <a:endParaRPr lang="de-DE" altLang="de-DE" kern="0" dirty="0"/>
+          </a:p>
+        </p:txBody>
+      </p:sp>
+      <p:sp>
+        <p:nvSpPr>
+          <p:cNvPr id="2" name="Fußzeilenplatzhalter 1"/>
+          <p:cNvSpPr>
+            <a:spLocks noGrp="1"/>
+          </p:cNvSpPr>
+          <p:nvPr>
+            <p:ph type="ftr" sz="quarter" idx="10"/>
+          </p:nvPr>
+        </p:nvSpPr>
+        <p:spPr/>
+        <p:txBody>
+          <a:bodyPr/>
+          <a:lstStyle/>
+          <a:p>
+            <a:r>
+              <a:rPr lang="en-US" altLang="de-DE"/>
+              <a:t>SIP2 Zwischenpräsentation | Uschakow | Alhanoun | Skiadas</a:t>
+            </a:r>
+            <a:endParaRPr lang="de-DE" altLang="de-DE" dirty="0"/>
+          </a:p>
+        </p:txBody>
+      </p:sp>
+      <p:sp>
+        <p:nvSpPr>
+          <p:cNvPr id="7" name="Foliennummernplatzhalter 6"/>
+          <p:cNvSpPr>
+            <a:spLocks noGrp="1"/>
+          </p:cNvSpPr>
+          <p:nvPr>
+            <p:ph type="sldNum" sz="quarter" idx="11"/>
+          </p:nvPr>
+        </p:nvSpPr>
+        <p:spPr/>
+        <p:txBody>
+          <a:bodyPr/>
+          <a:lstStyle/>
+          <a:p>
+            <a:fld id="{57D12BB6-0ED4-46B6-AB23-7758AD07EFBF}" type="slidenum">
+              <a:rPr lang="de-DE" smtClean="0"/>
+              <a:pPr/>
+              <a:t>6</a:t>
+            </a:fld>
+            <a:endParaRPr lang="de-DE" dirty="0"/>
+          </a:p>
+        </p:txBody>
+      </p:sp>
+    </p:spTree>
+    <p:extLst>
+      <p:ext uri="{BB962C8B-B14F-4D97-AF65-F5344CB8AC3E}">
+        <p14:creationId xmlns:p14="http://schemas.microsoft.com/office/powerpoint/2010/main" val="3319718798"/>
+      </p:ext>
+    </p:extLst>
+  </p:cSld>
+  <p:clrMapOvr>
+    <a:masterClrMapping/>
+  </p:clrMapOvr>
+  <p:transition/>
+</p:sld>
+</file>
+
+<file path=ppt/slides/slide7.xml><?xml version="1.0" encoding="utf-8"?>
+<p:sld xmlns:a="http://schemas.openxmlformats.org/drawingml/2006/main" xmlns:r="http://schemas.openxmlformats.org/officeDocument/2006/relationships" xmlns:p="http://schemas.openxmlformats.org/presentationml/2006/main">
+  <p:cSld>
+    <p:spTree>
+      <p:nvGrpSpPr>
+        <p:cNvPr id="1" name=""/>
+        <p:cNvGrpSpPr/>
+        <p:nvPr/>
+      </p:nvGrpSpPr>
+      <p:grpSpPr>
+        <a:xfrm>
+          <a:off x="0" y="0"/>
+          <a:ext cx="0" cy="0"/>
+          <a:chOff x="0" y="0"/>
+          <a:chExt cx="0" cy="0"/>
+        </a:xfrm>
+      </p:grpSpPr>
+      <p:sp>
+        <p:nvSpPr>
+          <p:cNvPr id="5" name="Rectangle 2"/>
+          <p:cNvSpPr>
+            <a:spLocks noGrp="1" noChangeArrowheads="1"/>
+          </p:cNvSpPr>
+          <p:nvPr>
+            <p:ph type="title"/>
+          </p:nvPr>
+        </p:nvSpPr>
+        <p:spPr>
+          <a:xfrm>
+            <a:off x="971550" y="1404000"/>
+            <a:ext cx="7704138" cy="792162"/>
+          </a:xfrm>
+        </p:spPr>
+        <p:txBody>
+          <a:bodyPr/>
+          <a:lstStyle/>
+          <a:p>
+            <a:r>
+              <a:rPr lang="de-DE" altLang="de-DE" dirty="0"/>
+              <a:t>4. Modulbeschreibung</a:t>
+            </a:r>
+          </a:p>
+        </p:txBody>
+      </p:sp>
+      <p:sp>
+        <p:nvSpPr>
+          <p:cNvPr id="6" name="Rectangle 3"/>
+          <p:cNvSpPr txBox="1">
+            <a:spLocks noChangeArrowheads="1"/>
+          </p:cNvSpPr>
+          <p:nvPr/>
+        </p:nvSpPr>
+        <p:spPr>
+          <a:xfrm>
+            <a:off x="971550" y="2160000"/>
+            <a:ext cx="7677150" cy="3600450"/>
+          </a:xfrm>
+          <a:prstGeom prst="rect">
+            <a:avLst/>
+          </a:prstGeom>
+        </p:spPr>
+        <p:txBody>
+          <a:bodyPr/>
+          <a:lstStyle>
+            <a:lvl1pPr algn="l" rtl="0" eaLnBrk="1" fontAlgn="base" hangingPunct="1">
+              <a:lnSpc>
+                <a:spcPct val="110000"/>
+              </a:lnSpc>
+              <a:spcBef>
+                <a:spcPct val="0"/>
+              </a:spcBef>
+              <a:spcAft>
+                <a:spcPct val="20000"/>
+              </a:spcAft>
+              <a:defRPr>
+                <a:solidFill>
+                  <a:schemeClr val="tx1"/>
+                </a:solidFill>
+                <a:latin typeface="+mn-lt"/>
+                <a:ea typeface="+mn-ea"/>
+                <a:cs typeface="+mn-cs"/>
+              </a:defRPr>
+            </a:lvl1pPr>
+            <a:lvl2pPr marL="182563" indent="-180975" algn="l" rtl="0" eaLnBrk="1" fontAlgn="base" hangingPunct="1">
+              <a:lnSpc>
+                <a:spcPct val="110000"/>
+              </a:lnSpc>
+              <a:spcBef>
+                <a:spcPct val="0"/>
+              </a:spcBef>
+              <a:spcAft>
+                <a:spcPct val="20000"/>
+              </a:spcAft>
+              <a:buFont typeface="Arial" charset="0"/>
+              <a:buChar char="•"/>
+              <a:defRPr>
+                <a:solidFill>
+                  <a:schemeClr val="tx1"/>
+                </a:solidFill>
+                <a:latin typeface="+mn-lt"/>
+              </a:defRPr>
+            </a:lvl2pPr>
+            <a:lvl3pPr marL="366713" indent="-182563" algn="l" rtl="0" eaLnBrk="1" fontAlgn="base" hangingPunct="1">
+              <a:lnSpc>
+                <a:spcPct val="110000"/>
+              </a:lnSpc>
+              <a:spcBef>
+                <a:spcPct val="0"/>
+              </a:spcBef>
+              <a:spcAft>
+                <a:spcPct val="20000"/>
+              </a:spcAft>
+              <a:buFont typeface="Arial" charset="0"/>
+              <a:buChar char="•"/>
+              <a:defRPr>
+                <a:solidFill>
+                  <a:schemeClr val="tx1"/>
+                </a:solidFill>
+                <a:latin typeface="+mn-lt"/>
+              </a:defRPr>
+            </a:lvl3pPr>
+            <a:lvl4pPr marL="552450" indent="-184150" algn="l" rtl="0" eaLnBrk="1" fontAlgn="base" hangingPunct="1">
+              <a:lnSpc>
+                <a:spcPct val="110000"/>
+              </a:lnSpc>
+              <a:spcBef>
+                <a:spcPct val="0"/>
+              </a:spcBef>
+              <a:spcAft>
+                <a:spcPct val="20000"/>
+              </a:spcAft>
+              <a:buFont typeface="Arial" charset="0"/>
+              <a:buChar char="•"/>
+              <a:defRPr>
+                <a:solidFill>
+                  <a:schemeClr val="tx1"/>
+                </a:solidFill>
+                <a:latin typeface="+mn-lt"/>
+              </a:defRPr>
+            </a:lvl4pPr>
+            <a:lvl5pPr marL="738188" indent="-184150" algn="l" rtl="0" eaLnBrk="1" fontAlgn="base" hangingPunct="1">
+              <a:lnSpc>
+                <a:spcPct val="110000"/>
+              </a:lnSpc>
+              <a:spcBef>
+                <a:spcPct val="0"/>
+              </a:spcBef>
+              <a:spcAft>
+                <a:spcPct val="20000"/>
+              </a:spcAft>
+              <a:buFont typeface="Arial" charset="0"/>
+              <a:buChar char="•"/>
+              <a:defRPr>
+                <a:solidFill>
+                  <a:schemeClr val="tx1"/>
+                </a:solidFill>
+                <a:latin typeface="+mn-lt"/>
+              </a:defRPr>
+            </a:lvl5pPr>
+            <a:lvl6pPr marL="1195388" indent="-184150" algn="l" rtl="0" eaLnBrk="1" fontAlgn="base" hangingPunct="1">
+              <a:lnSpc>
+                <a:spcPct val="110000"/>
+              </a:lnSpc>
+              <a:spcBef>
+                <a:spcPct val="0"/>
+              </a:spcBef>
+              <a:spcAft>
+                <a:spcPct val="20000"/>
+              </a:spcAft>
+              <a:buFont typeface="Arial" charset="0"/>
+              <a:buChar char="•"/>
+              <a:defRPr>
+                <a:solidFill>
+                  <a:schemeClr val="tx1"/>
+                </a:solidFill>
+                <a:latin typeface="+mn-lt"/>
+              </a:defRPr>
+            </a:lvl6pPr>
+            <a:lvl7pPr marL="1652588" indent="-184150" algn="l" rtl="0" eaLnBrk="1" fontAlgn="base" hangingPunct="1">
+              <a:lnSpc>
+                <a:spcPct val="110000"/>
+              </a:lnSpc>
+              <a:spcBef>
+                <a:spcPct val="0"/>
+              </a:spcBef>
+              <a:spcAft>
+                <a:spcPct val="20000"/>
+              </a:spcAft>
+              <a:buFont typeface="Arial" charset="0"/>
+              <a:buChar char="•"/>
+              <a:defRPr>
+                <a:solidFill>
+                  <a:schemeClr val="tx1"/>
+                </a:solidFill>
+                <a:latin typeface="+mn-lt"/>
+              </a:defRPr>
+            </a:lvl7pPr>
+            <a:lvl8pPr marL="2109788" indent="-184150" algn="l" rtl="0" eaLnBrk="1" fontAlgn="base" hangingPunct="1">
+              <a:lnSpc>
+                <a:spcPct val="110000"/>
+              </a:lnSpc>
+              <a:spcBef>
+                <a:spcPct val="0"/>
+              </a:spcBef>
+              <a:spcAft>
+                <a:spcPct val="20000"/>
+              </a:spcAft>
+              <a:buFont typeface="Arial" charset="0"/>
+              <a:buChar char="•"/>
+              <a:defRPr>
+                <a:solidFill>
+                  <a:schemeClr val="tx1"/>
+                </a:solidFill>
+                <a:latin typeface="+mn-lt"/>
+              </a:defRPr>
+            </a:lvl8pPr>
+            <a:lvl9pPr marL="2566988" indent="-184150" algn="l" rtl="0" eaLnBrk="1" fontAlgn="base" hangingPunct="1">
+              <a:lnSpc>
+                <a:spcPct val="110000"/>
+              </a:lnSpc>
+              <a:spcBef>
+                <a:spcPct val="0"/>
+              </a:spcBef>
+              <a:spcAft>
+                <a:spcPct val="20000"/>
+              </a:spcAft>
+              <a:buFont typeface="Arial" charset="0"/>
+              <a:buChar char="•"/>
+              <a:defRPr>
+                <a:solidFill>
+                  <a:schemeClr val="tx1"/>
+                </a:solidFill>
+                <a:latin typeface="+mn-lt"/>
+              </a:defRPr>
+            </a:lvl9pPr>
+          </a:lstStyle>
+          <a:p>
+            <a:pPr lvl="1"/>
+            <a:r>
               <a:rPr lang="de-DE" altLang="de-DE" kern="0" dirty="0"/>
               <a:t>Zeitsignal Vorverarbeitung</a:t>
             </a:r>
@@ -19581,7 +20163,7 @@
           <p:cNvPr id="2" name="Rechteck: abgerundete Ecken 1">
             <a:extLst>
               <a:ext uri="{FF2B5EF4-FFF2-40B4-BE49-F238E27FC236}">
-                <a16:creationId xmlns:a16="http://schemas.microsoft.com/office/drawing/2014/main" xmlns="" id="{415963FE-2173-42A4-A281-8C6EAFBC82CD}"/>
+                <a16:creationId xmlns:a16="http://schemas.microsoft.com/office/drawing/2014/main" id="{415963FE-2173-42A4-A281-8C6EAFBC82CD}"/>
               </a:ext>
             </a:extLst>
           </p:cNvPr>
@@ -19719,7 +20301,7 @@
           <p:cNvPr id="8" name="Rechteck: abgerundete Ecken 7">
             <a:extLst>
               <a:ext uri="{FF2B5EF4-FFF2-40B4-BE49-F238E27FC236}">
-                <a16:creationId xmlns:a16="http://schemas.microsoft.com/office/drawing/2014/main" xmlns="" id="{4EF7CDE5-10A9-49EB-97DB-69C2795086DC}"/>
+                <a16:creationId xmlns:a16="http://schemas.microsoft.com/office/drawing/2014/main" id="{4EF7CDE5-10A9-49EB-97DB-69C2795086DC}"/>
               </a:ext>
             </a:extLst>
           </p:cNvPr>
@@ -19852,7 +20434,7 @@
           <p:cNvPr id="10" name="Rechteck: abgerundete Ecken 9">
             <a:extLst>
               <a:ext uri="{FF2B5EF4-FFF2-40B4-BE49-F238E27FC236}">
-                <a16:creationId xmlns:a16="http://schemas.microsoft.com/office/drawing/2014/main" xmlns="" id="{449764E5-D0DB-4AED-A64D-5DB3104ACC90}"/>
+                <a16:creationId xmlns:a16="http://schemas.microsoft.com/office/drawing/2014/main" id="{449764E5-D0DB-4AED-A64D-5DB3104ACC90}"/>
               </a:ext>
             </a:extLst>
           </p:cNvPr>
@@ -20005,7 +20587,7 @@
           <p:cNvPr id="12" name="Gerade Verbindung mit Pfeil 11">
             <a:extLst>
               <a:ext uri="{FF2B5EF4-FFF2-40B4-BE49-F238E27FC236}">
-                <a16:creationId xmlns:a16="http://schemas.microsoft.com/office/drawing/2014/main" xmlns="" id="{1EA36BE2-B49E-4D36-BFEB-C954E0D31D3E}"/>
+                <a16:creationId xmlns:a16="http://schemas.microsoft.com/office/drawing/2014/main" id="{1EA36BE2-B49E-4D36-BFEB-C954E0D31D3E}"/>
               </a:ext>
             </a:extLst>
           </p:cNvPr>
@@ -20059,7 +20641,7 @@
           <p:cNvPr id="14" name="Gerade Verbindung mit Pfeil 13">
             <a:extLst>
               <a:ext uri="{FF2B5EF4-FFF2-40B4-BE49-F238E27FC236}">
-                <a16:creationId xmlns:a16="http://schemas.microsoft.com/office/drawing/2014/main" xmlns="" id="{4E65874E-035B-438F-BEC5-083A5BC90F17}"/>
+                <a16:creationId xmlns:a16="http://schemas.microsoft.com/office/drawing/2014/main" id="{4E65874E-035B-438F-BEC5-083A5BC90F17}"/>
               </a:ext>
             </a:extLst>
           </p:cNvPr>
@@ -20124,7 +20706,7 @@
           <a:lstStyle/>
           <a:p>
             <a:r>
-              <a:rPr lang="en-US" altLang="de-DE" smtClean="0"/>
+              <a:rPr lang="en-US" altLang="de-DE"/>
               <a:t>SIP2 Zwischenpräsentation | Uschakow | Alhanoun | Skiadas</a:t>
             </a:r>
             <a:endParaRPr lang="de-DE" altLang="de-DE" dirty="0"/>
@@ -20149,7 +20731,7 @@
             <a:fld id="{57D12BB6-0ED4-46B6-AB23-7758AD07EFBF}" type="slidenum">
               <a:rPr lang="de-DE" smtClean="0"/>
               <a:pPr/>
-              <a:t>6</a:t>
+              <a:t>7</a:t>
             </a:fld>
             <a:endParaRPr lang="de-DE" dirty="0"/>
           </a:p>
@@ -20169,7 +20751,7 @@
 </p:sld>
 </file>
 
-<file path=ppt/slides/slide7.xml><?xml version="1.0" encoding="utf-8"?>
+<file path=ppt/slides/slide8.xml><?xml version="1.0" encoding="utf-8"?>
 <p:sld xmlns:a="http://schemas.openxmlformats.org/drawingml/2006/main" xmlns:r="http://schemas.openxmlformats.org/officeDocument/2006/relationships" xmlns:p="http://schemas.openxmlformats.org/presentationml/2006/main">
   <p:cSld>
     <p:spTree>
@@ -20507,7 +21089,7 @@
                         <m:chr m:val="̂"/>
                         <m:ctrlPr>
                           <a:rPr lang="en-US" altLang="de-DE" b="0" i="1" kern="0" smtClean="0">
-                            <a:latin typeface="Cambria Math" charset="0"/>
+                            <a:latin typeface="Cambria Math" panose="02040503050406030204" pitchFamily="18" charset="0"/>
                           </a:rPr>
                         </m:ctrlPr>
                       </m:accPr>
@@ -20544,7 +21126,7 @@
                         <m:chr m:val="̂"/>
                         <m:ctrlPr>
                           <a:rPr lang="en-US" altLang="de-DE" i="1" kern="0">
-                            <a:latin typeface="Cambria Math" charset="0"/>
+                            <a:latin typeface="Cambria Math" panose="02040503050406030204" pitchFamily="18" charset="0"/>
                           </a:rPr>
                         </m:ctrlPr>
                       </m:accPr>
@@ -20628,7 +21210,7 @@
           <a:lstStyle/>
           <a:p>
             <a:r>
-              <a:rPr lang="en-US" altLang="de-DE" smtClean="0"/>
+              <a:rPr lang="en-US" altLang="de-DE"/>
               <a:t>SIP2 Zwischenpräsentation | Uschakow | Alhanoun | Skiadas</a:t>
             </a:r>
             <a:endParaRPr lang="de-DE" altLang="de-DE" dirty="0"/>
@@ -20653,7 +21235,7 @@
             <a:fld id="{57D12BB6-0ED4-46B6-AB23-7758AD07EFBF}" type="slidenum">
               <a:rPr lang="de-DE" smtClean="0"/>
               <a:pPr/>
-              <a:t>7</a:t>
+              <a:t>8</a:t>
             </a:fld>
             <a:endParaRPr lang="de-DE" dirty="0"/>
           </a:p>
@@ -20663,340 +21245,6 @@
     <p:extLst>
       <p:ext uri="{BB962C8B-B14F-4D97-AF65-F5344CB8AC3E}">
         <p14:creationId xmlns:p14="http://schemas.microsoft.com/office/powerpoint/2010/main" val="1117926786"/>
-      </p:ext>
-    </p:extLst>
-  </p:cSld>
-  <p:clrMapOvr>
-    <a:masterClrMapping/>
-  </p:clrMapOvr>
-  <p:transition/>
-</p:sld>
-</file>
-
-<file path=ppt/slides/slide8.xml><?xml version="1.0" encoding="utf-8"?>
-<p:sld xmlns:a="http://schemas.openxmlformats.org/drawingml/2006/main" xmlns:r="http://schemas.openxmlformats.org/officeDocument/2006/relationships" xmlns:p="http://schemas.openxmlformats.org/presentationml/2006/main">
-  <p:cSld>
-    <p:spTree>
-      <p:nvGrpSpPr>
-        <p:cNvPr id="1" name=""/>
-        <p:cNvGrpSpPr/>
-        <p:nvPr/>
-      </p:nvGrpSpPr>
-      <p:grpSpPr>
-        <a:xfrm>
-          <a:off x="0" y="0"/>
-          <a:ext cx="0" cy="0"/>
-          <a:chOff x="0" y="0"/>
-          <a:chExt cx="0" cy="0"/>
-        </a:xfrm>
-      </p:grpSpPr>
-      <p:sp>
-        <p:nvSpPr>
-          <p:cNvPr id="5" name="Rectangle 2"/>
-          <p:cNvSpPr>
-            <a:spLocks noGrp="1" noChangeArrowheads="1"/>
-          </p:cNvSpPr>
-          <p:nvPr>
-            <p:ph type="title"/>
-          </p:nvPr>
-        </p:nvSpPr>
-        <p:spPr>
-          <a:xfrm>
-            <a:off x="971550" y="1404000"/>
-            <a:ext cx="7704138" cy="792162"/>
-          </a:xfrm>
-        </p:spPr>
-        <p:txBody>
-          <a:bodyPr/>
-          <a:lstStyle/>
-          <a:p>
-            <a:r>
-              <a:rPr lang="de-DE" altLang="de-DE" dirty="0"/>
-              <a:t>5. </a:t>
-            </a:r>
-            <a:r>
-              <a:rPr lang="de-DE" altLang="de-DE" dirty="0" smtClean="0"/>
-              <a:t>Ausblick</a:t>
-            </a:r>
-            <a:endParaRPr lang="de-DE" altLang="de-DE" dirty="0"/>
-          </a:p>
-        </p:txBody>
-      </p:sp>
-      <p:sp>
-        <p:nvSpPr>
-          <p:cNvPr id="6" name="Rectangle 3"/>
-          <p:cNvSpPr txBox="1">
-            <a:spLocks noChangeArrowheads="1"/>
-          </p:cNvSpPr>
-          <p:nvPr/>
-        </p:nvSpPr>
-        <p:spPr>
-          <a:xfrm>
-            <a:off x="971550" y="2160000"/>
-            <a:ext cx="7677150" cy="3600450"/>
-          </a:xfrm>
-          <a:prstGeom prst="rect">
-            <a:avLst/>
-          </a:prstGeom>
-        </p:spPr>
-        <p:txBody>
-          <a:bodyPr/>
-          <a:lstStyle>
-            <a:lvl1pPr algn="l" rtl="0" eaLnBrk="1" fontAlgn="base" hangingPunct="1">
-              <a:lnSpc>
-                <a:spcPct val="110000"/>
-              </a:lnSpc>
-              <a:spcBef>
-                <a:spcPct val="0"/>
-              </a:spcBef>
-              <a:spcAft>
-                <a:spcPct val="20000"/>
-              </a:spcAft>
-              <a:defRPr>
-                <a:solidFill>
-                  <a:schemeClr val="tx1"/>
-                </a:solidFill>
-                <a:latin typeface="+mn-lt"/>
-                <a:ea typeface="+mn-ea"/>
-                <a:cs typeface="+mn-cs"/>
-              </a:defRPr>
-            </a:lvl1pPr>
-            <a:lvl2pPr marL="182563" indent="-180975" algn="l" rtl="0" eaLnBrk="1" fontAlgn="base" hangingPunct="1">
-              <a:lnSpc>
-                <a:spcPct val="110000"/>
-              </a:lnSpc>
-              <a:spcBef>
-                <a:spcPct val="0"/>
-              </a:spcBef>
-              <a:spcAft>
-                <a:spcPct val="20000"/>
-              </a:spcAft>
-              <a:buFont typeface="Arial" charset="0"/>
-              <a:buChar char="•"/>
-              <a:defRPr>
-                <a:solidFill>
-                  <a:schemeClr val="tx1"/>
-                </a:solidFill>
-                <a:latin typeface="+mn-lt"/>
-              </a:defRPr>
-            </a:lvl2pPr>
-            <a:lvl3pPr marL="366713" indent="-182563" algn="l" rtl="0" eaLnBrk="1" fontAlgn="base" hangingPunct="1">
-              <a:lnSpc>
-                <a:spcPct val="110000"/>
-              </a:lnSpc>
-              <a:spcBef>
-                <a:spcPct val="0"/>
-              </a:spcBef>
-              <a:spcAft>
-                <a:spcPct val="20000"/>
-              </a:spcAft>
-              <a:buFont typeface="Arial" charset="0"/>
-              <a:buChar char="•"/>
-              <a:defRPr>
-                <a:solidFill>
-                  <a:schemeClr val="tx1"/>
-                </a:solidFill>
-                <a:latin typeface="+mn-lt"/>
-              </a:defRPr>
-            </a:lvl3pPr>
-            <a:lvl4pPr marL="552450" indent="-184150" algn="l" rtl="0" eaLnBrk="1" fontAlgn="base" hangingPunct="1">
-              <a:lnSpc>
-                <a:spcPct val="110000"/>
-              </a:lnSpc>
-              <a:spcBef>
-                <a:spcPct val="0"/>
-              </a:spcBef>
-              <a:spcAft>
-                <a:spcPct val="20000"/>
-              </a:spcAft>
-              <a:buFont typeface="Arial" charset="0"/>
-              <a:buChar char="•"/>
-              <a:defRPr>
-                <a:solidFill>
-                  <a:schemeClr val="tx1"/>
-                </a:solidFill>
-                <a:latin typeface="+mn-lt"/>
-              </a:defRPr>
-            </a:lvl4pPr>
-            <a:lvl5pPr marL="738188" indent="-184150" algn="l" rtl="0" eaLnBrk="1" fontAlgn="base" hangingPunct="1">
-              <a:lnSpc>
-                <a:spcPct val="110000"/>
-              </a:lnSpc>
-              <a:spcBef>
-                <a:spcPct val="0"/>
-              </a:spcBef>
-              <a:spcAft>
-                <a:spcPct val="20000"/>
-              </a:spcAft>
-              <a:buFont typeface="Arial" charset="0"/>
-              <a:buChar char="•"/>
-              <a:defRPr>
-                <a:solidFill>
-                  <a:schemeClr val="tx1"/>
-                </a:solidFill>
-                <a:latin typeface="+mn-lt"/>
-              </a:defRPr>
-            </a:lvl5pPr>
-            <a:lvl6pPr marL="1195388" indent="-184150" algn="l" rtl="0" eaLnBrk="1" fontAlgn="base" hangingPunct="1">
-              <a:lnSpc>
-                <a:spcPct val="110000"/>
-              </a:lnSpc>
-              <a:spcBef>
-                <a:spcPct val="0"/>
-              </a:spcBef>
-              <a:spcAft>
-                <a:spcPct val="20000"/>
-              </a:spcAft>
-              <a:buFont typeface="Arial" charset="0"/>
-              <a:buChar char="•"/>
-              <a:defRPr>
-                <a:solidFill>
-                  <a:schemeClr val="tx1"/>
-                </a:solidFill>
-                <a:latin typeface="+mn-lt"/>
-              </a:defRPr>
-            </a:lvl6pPr>
-            <a:lvl7pPr marL="1652588" indent="-184150" algn="l" rtl="0" eaLnBrk="1" fontAlgn="base" hangingPunct="1">
-              <a:lnSpc>
-                <a:spcPct val="110000"/>
-              </a:lnSpc>
-              <a:spcBef>
-                <a:spcPct val="0"/>
-              </a:spcBef>
-              <a:spcAft>
-                <a:spcPct val="20000"/>
-              </a:spcAft>
-              <a:buFont typeface="Arial" charset="0"/>
-              <a:buChar char="•"/>
-              <a:defRPr>
-                <a:solidFill>
-                  <a:schemeClr val="tx1"/>
-                </a:solidFill>
-                <a:latin typeface="+mn-lt"/>
-              </a:defRPr>
-            </a:lvl7pPr>
-            <a:lvl8pPr marL="2109788" indent="-184150" algn="l" rtl="0" eaLnBrk="1" fontAlgn="base" hangingPunct="1">
-              <a:lnSpc>
-                <a:spcPct val="110000"/>
-              </a:lnSpc>
-              <a:spcBef>
-                <a:spcPct val="0"/>
-              </a:spcBef>
-              <a:spcAft>
-                <a:spcPct val="20000"/>
-              </a:spcAft>
-              <a:buFont typeface="Arial" charset="0"/>
-              <a:buChar char="•"/>
-              <a:defRPr>
-                <a:solidFill>
-                  <a:schemeClr val="tx1"/>
-                </a:solidFill>
-                <a:latin typeface="+mn-lt"/>
-              </a:defRPr>
-            </a:lvl8pPr>
-            <a:lvl9pPr marL="2566988" indent="-184150" algn="l" rtl="0" eaLnBrk="1" fontAlgn="base" hangingPunct="1">
-              <a:lnSpc>
-                <a:spcPct val="110000"/>
-              </a:lnSpc>
-              <a:spcBef>
-                <a:spcPct val="0"/>
-              </a:spcBef>
-              <a:spcAft>
-                <a:spcPct val="20000"/>
-              </a:spcAft>
-              <a:buFont typeface="Arial" charset="0"/>
-              <a:buChar char="•"/>
-              <a:defRPr>
-                <a:solidFill>
-                  <a:schemeClr val="tx1"/>
-                </a:solidFill>
-                <a:latin typeface="+mn-lt"/>
-              </a:defRPr>
-            </a:lvl9pPr>
-          </a:lstStyle>
-          <a:p>
-            <a:pPr lvl="1"/>
-            <a:r>
-              <a:rPr lang="de-DE" altLang="de-DE" kern="0" dirty="0" smtClean="0"/>
-              <a:t>Erstellung von C++ Code</a:t>
-            </a:r>
-          </a:p>
-          <a:p>
-            <a:pPr lvl="1"/>
-            <a:r>
-              <a:rPr lang="de-DE" altLang="de-DE" kern="0" dirty="0" smtClean="0"/>
-              <a:t>Kompilierung </a:t>
-            </a:r>
-            <a:endParaRPr lang="de-DE" altLang="de-DE" kern="0" dirty="0" smtClean="0"/>
-          </a:p>
-          <a:p>
-            <a:pPr lvl="1"/>
-            <a:r>
-              <a:rPr lang="de-DE" altLang="de-DE" kern="0" dirty="0" smtClean="0"/>
-              <a:t>Fertigstellung des Android Moduls</a:t>
-            </a:r>
-          </a:p>
-          <a:p>
-            <a:pPr lvl="1"/>
-            <a:endParaRPr lang="de-DE" altLang="de-DE" kern="0" dirty="0"/>
-          </a:p>
-          <a:p>
-            <a:pPr lvl="1"/>
-            <a:endParaRPr lang="de-DE" altLang="de-DE" kern="0" dirty="0"/>
-          </a:p>
-        </p:txBody>
-      </p:sp>
-      <p:sp>
-        <p:nvSpPr>
-          <p:cNvPr id="2" name="Fußzeilenplatzhalter 1"/>
-          <p:cNvSpPr>
-            <a:spLocks noGrp="1"/>
-          </p:cNvSpPr>
-          <p:nvPr>
-            <p:ph type="ftr" sz="quarter" idx="10"/>
-          </p:nvPr>
-        </p:nvSpPr>
-        <p:spPr/>
-        <p:txBody>
-          <a:bodyPr/>
-          <a:lstStyle/>
-          <a:p>
-            <a:r>
-              <a:rPr lang="en-US" altLang="de-DE" smtClean="0"/>
-              <a:t>SIP2 Zwischenpräsentation | Uschakow | Alhanoun | Skiadas</a:t>
-            </a:r>
-            <a:endParaRPr lang="de-DE" altLang="de-DE" dirty="0"/>
-          </a:p>
-        </p:txBody>
-      </p:sp>
-      <p:sp>
-        <p:nvSpPr>
-          <p:cNvPr id="7" name="Foliennummernplatzhalter 6"/>
-          <p:cNvSpPr>
-            <a:spLocks noGrp="1"/>
-          </p:cNvSpPr>
-          <p:nvPr>
-            <p:ph type="sldNum" sz="quarter" idx="11"/>
-          </p:nvPr>
-        </p:nvSpPr>
-        <p:spPr/>
-        <p:txBody>
-          <a:bodyPr/>
-          <a:lstStyle/>
-          <a:p>
-            <a:fld id="{57D12BB6-0ED4-46B6-AB23-7758AD07EFBF}" type="slidenum">
-              <a:rPr lang="de-DE" smtClean="0"/>
-              <a:pPr/>
-              <a:t>8</a:t>
-            </a:fld>
-            <a:endParaRPr lang="de-DE" dirty="0"/>
-          </a:p>
-        </p:txBody>
-      </p:sp>
-    </p:spTree>
-    <p:extLst>
-      <p:ext uri="{BB962C8B-B14F-4D97-AF65-F5344CB8AC3E}">
-        <p14:creationId xmlns:p14="http://schemas.microsoft.com/office/powerpoint/2010/main" val="1080710209"/>
       </p:ext>
     </p:extLst>
   </p:cSld>
@@ -21046,51 +21294,234 @@
           <a:p>
             <a:r>
               <a:rPr lang="de-DE" altLang="de-DE" dirty="0"/>
-              <a:t/>
-            </a:r>
-            <a:br>
-              <a:rPr lang="de-DE" altLang="de-DE" dirty="0"/>
-            </a:br>
-            <a:endParaRPr lang="de-DE" altLang="de-DE" dirty="0"/>
+              <a:t>5. Ausblick</a:t>
+            </a:r>
           </a:p>
         </p:txBody>
       </p:sp>
-      <p:pic>
-        <p:nvPicPr>
-          <p:cNvPr id="7" name="Grafik 6">
-            <a:extLst>
-              <a:ext uri="{FF2B5EF4-FFF2-40B4-BE49-F238E27FC236}">
-                <a16:creationId xmlns:a16="http://schemas.microsoft.com/office/drawing/2014/main" xmlns="" id="{8483136C-9CE8-4C03-9D7D-41B57C8F8891}"/>
-              </a:ext>
-            </a:extLst>
-          </p:cNvPr>
-          <p:cNvPicPr>
-            <a:picLocks noChangeAspect="1"/>
-          </p:cNvPicPr>
+      <p:sp>
+        <p:nvSpPr>
+          <p:cNvPr id="6" name="Rectangle 3"/>
+          <p:cNvSpPr txBox="1">
+            <a:spLocks noChangeArrowheads="1"/>
+          </p:cNvSpPr>
           <p:nvPr/>
-        </p:nvPicPr>
-        <p:blipFill>
-          <a:blip r:embed="rId2">
-            <a:extLst>
-              <a:ext uri="{28A0092B-C50C-407E-A947-70E740481C1C}">
-                <a14:useLocalDpi xmlns:a14="http://schemas.microsoft.com/office/drawing/2010/main" val="0"/>
-              </a:ext>
-            </a:extLst>
-          </a:blip>
-          <a:stretch>
-            <a:fillRect/>
-          </a:stretch>
-        </p:blipFill>
+        </p:nvSpPr>
         <p:spPr>
           <a:xfrm>
-            <a:off x="665820" y="1196752"/>
-            <a:ext cx="7812360" cy="5122859"/>
+            <a:off x="971550" y="2160000"/>
+            <a:ext cx="7677150" cy="3600450"/>
           </a:xfrm>
           <a:prstGeom prst="rect">
             <a:avLst/>
           </a:prstGeom>
         </p:spPr>
-      </p:pic>
+        <p:txBody>
+          <a:bodyPr/>
+          <a:lstStyle>
+            <a:lvl1pPr algn="l" rtl="0" eaLnBrk="1" fontAlgn="base" hangingPunct="1">
+              <a:lnSpc>
+                <a:spcPct val="110000"/>
+              </a:lnSpc>
+              <a:spcBef>
+                <a:spcPct val="0"/>
+              </a:spcBef>
+              <a:spcAft>
+                <a:spcPct val="20000"/>
+              </a:spcAft>
+              <a:defRPr>
+                <a:solidFill>
+                  <a:schemeClr val="tx1"/>
+                </a:solidFill>
+                <a:latin typeface="+mn-lt"/>
+                <a:ea typeface="+mn-ea"/>
+                <a:cs typeface="+mn-cs"/>
+              </a:defRPr>
+            </a:lvl1pPr>
+            <a:lvl2pPr marL="182563" indent="-180975" algn="l" rtl="0" eaLnBrk="1" fontAlgn="base" hangingPunct="1">
+              <a:lnSpc>
+                <a:spcPct val="110000"/>
+              </a:lnSpc>
+              <a:spcBef>
+                <a:spcPct val="0"/>
+              </a:spcBef>
+              <a:spcAft>
+                <a:spcPct val="20000"/>
+              </a:spcAft>
+              <a:buFont typeface="Arial" charset="0"/>
+              <a:buChar char="•"/>
+              <a:defRPr>
+                <a:solidFill>
+                  <a:schemeClr val="tx1"/>
+                </a:solidFill>
+                <a:latin typeface="+mn-lt"/>
+              </a:defRPr>
+            </a:lvl2pPr>
+            <a:lvl3pPr marL="366713" indent="-182563" algn="l" rtl="0" eaLnBrk="1" fontAlgn="base" hangingPunct="1">
+              <a:lnSpc>
+                <a:spcPct val="110000"/>
+              </a:lnSpc>
+              <a:spcBef>
+                <a:spcPct val="0"/>
+              </a:spcBef>
+              <a:spcAft>
+                <a:spcPct val="20000"/>
+              </a:spcAft>
+              <a:buFont typeface="Arial" charset="0"/>
+              <a:buChar char="•"/>
+              <a:defRPr>
+                <a:solidFill>
+                  <a:schemeClr val="tx1"/>
+                </a:solidFill>
+                <a:latin typeface="+mn-lt"/>
+              </a:defRPr>
+            </a:lvl3pPr>
+            <a:lvl4pPr marL="552450" indent="-184150" algn="l" rtl="0" eaLnBrk="1" fontAlgn="base" hangingPunct="1">
+              <a:lnSpc>
+                <a:spcPct val="110000"/>
+              </a:lnSpc>
+              <a:spcBef>
+                <a:spcPct val="0"/>
+              </a:spcBef>
+              <a:spcAft>
+                <a:spcPct val="20000"/>
+              </a:spcAft>
+              <a:buFont typeface="Arial" charset="0"/>
+              <a:buChar char="•"/>
+              <a:defRPr>
+                <a:solidFill>
+                  <a:schemeClr val="tx1"/>
+                </a:solidFill>
+                <a:latin typeface="+mn-lt"/>
+              </a:defRPr>
+            </a:lvl4pPr>
+            <a:lvl5pPr marL="738188" indent="-184150" algn="l" rtl="0" eaLnBrk="1" fontAlgn="base" hangingPunct="1">
+              <a:lnSpc>
+                <a:spcPct val="110000"/>
+              </a:lnSpc>
+              <a:spcBef>
+                <a:spcPct val="0"/>
+              </a:spcBef>
+              <a:spcAft>
+                <a:spcPct val="20000"/>
+              </a:spcAft>
+              <a:buFont typeface="Arial" charset="0"/>
+              <a:buChar char="•"/>
+              <a:defRPr>
+                <a:solidFill>
+                  <a:schemeClr val="tx1"/>
+                </a:solidFill>
+                <a:latin typeface="+mn-lt"/>
+              </a:defRPr>
+            </a:lvl5pPr>
+            <a:lvl6pPr marL="1195388" indent="-184150" algn="l" rtl="0" eaLnBrk="1" fontAlgn="base" hangingPunct="1">
+              <a:lnSpc>
+                <a:spcPct val="110000"/>
+              </a:lnSpc>
+              <a:spcBef>
+                <a:spcPct val="0"/>
+              </a:spcBef>
+              <a:spcAft>
+                <a:spcPct val="20000"/>
+              </a:spcAft>
+              <a:buFont typeface="Arial" charset="0"/>
+              <a:buChar char="•"/>
+              <a:defRPr>
+                <a:solidFill>
+                  <a:schemeClr val="tx1"/>
+                </a:solidFill>
+                <a:latin typeface="+mn-lt"/>
+              </a:defRPr>
+            </a:lvl6pPr>
+            <a:lvl7pPr marL="1652588" indent="-184150" algn="l" rtl="0" eaLnBrk="1" fontAlgn="base" hangingPunct="1">
+              <a:lnSpc>
+                <a:spcPct val="110000"/>
+              </a:lnSpc>
+              <a:spcBef>
+                <a:spcPct val="0"/>
+              </a:spcBef>
+              <a:spcAft>
+                <a:spcPct val="20000"/>
+              </a:spcAft>
+              <a:buFont typeface="Arial" charset="0"/>
+              <a:buChar char="•"/>
+              <a:defRPr>
+                <a:solidFill>
+                  <a:schemeClr val="tx1"/>
+                </a:solidFill>
+                <a:latin typeface="+mn-lt"/>
+              </a:defRPr>
+            </a:lvl7pPr>
+            <a:lvl8pPr marL="2109788" indent="-184150" algn="l" rtl="0" eaLnBrk="1" fontAlgn="base" hangingPunct="1">
+              <a:lnSpc>
+                <a:spcPct val="110000"/>
+              </a:lnSpc>
+              <a:spcBef>
+                <a:spcPct val="0"/>
+              </a:spcBef>
+              <a:spcAft>
+                <a:spcPct val="20000"/>
+              </a:spcAft>
+              <a:buFont typeface="Arial" charset="0"/>
+              <a:buChar char="•"/>
+              <a:defRPr>
+                <a:solidFill>
+                  <a:schemeClr val="tx1"/>
+                </a:solidFill>
+                <a:latin typeface="+mn-lt"/>
+              </a:defRPr>
+            </a:lvl8pPr>
+            <a:lvl9pPr marL="2566988" indent="-184150" algn="l" rtl="0" eaLnBrk="1" fontAlgn="base" hangingPunct="1">
+              <a:lnSpc>
+                <a:spcPct val="110000"/>
+              </a:lnSpc>
+              <a:spcBef>
+                <a:spcPct val="0"/>
+              </a:spcBef>
+              <a:spcAft>
+                <a:spcPct val="20000"/>
+              </a:spcAft>
+              <a:buFont typeface="Arial" charset="0"/>
+              <a:buChar char="•"/>
+              <a:defRPr>
+                <a:solidFill>
+                  <a:schemeClr val="tx1"/>
+                </a:solidFill>
+                <a:latin typeface="+mn-lt"/>
+              </a:defRPr>
+            </a:lvl9pPr>
+          </a:lstStyle>
+          <a:p>
+            <a:pPr lvl="1"/>
+            <a:r>
+              <a:rPr lang="de-DE" altLang="de-DE" kern="0" dirty="0"/>
+              <a:t>Erstellung von C++ Code</a:t>
+            </a:r>
+          </a:p>
+          <a:p>
+            <a:pPr lvl="1"/>
+            <a:r>
+              <a:rPr lang="de-DE" altLang="de-DE" kern="0" dirty="0"/>
+              <a:t>Kompilierung </a:t>
+            </a:r>
+          </a:p>
+          <a:p>
+            <a:pPr lvl="1"/>
+            <a:r>
+              <a:rPr lang="de-DE" altLang="de-DE" kern="0" dirty="0"/>
+              <a:t>Fertigstellung des Android Moduls</a:t>
+            </a:r>
+          </a:p>
+          <a:p>
+            <a:pPr lvl="1"/>
+            <a:endParaRPr lang="de-DE" altLang="de-DE" kern="0" dirty="0"/>
+          </a:p>
+          <a:p>
+            <a:pPr lvl="1"/>
+            <a:endParaRPr lang="de-DE" altLang="de-DE" kern="0" dirty="0"/>
+          </a:p>
+        </p:txBody>
+      </p:sp>
       <p:sp>
         <p:nvSpPr>
           <p:cNvPr id="2" name="Fußzeilenplatzhalter 1"/>
@@ -21107,7 +21538,7 @@
           <a:lstStyle/>
           <a:p>
             <a:r>
-              <a:rPr lang="en-US" altLang="de-DE" smtClean="0"/>
+              <a:rPr lang="en-US" altLang="de-DE"/>
               <a:t>SIP2 Zwischenpräsentation | Uschakow | Alhanoun | Skiadas</a:t>
             </a:r>
             <a:endParaRPr lang="de-DE" altLang="de-DE" dirty="0"/>
@@ -21116,7 +21547,7 @@
       </p:sp>
       <p:sp>
         <p:nvSpPr>
-          <p:cNvPr id="6" name="Foliennummernplatzhalter 5"/>
+          <p:cNvPr id="7" name="Foliennummernplatzhalter 6"/>
           <p:cNvSpPr>
             <a:spLocks noGrp="1"/>
           </p:cNvSpPr>
@@ -21141,7 +21572,7 @@
     </p:spTree>
     <p:extLst>
       <p:ext uri="{BB962C8B-B14F-4D97-AF65-F5344CB8AC3E}">
-        <p14:creationId xmlns:p14="http://schemas.microsoft.com/office/powerpoint/2010/main" val="422122669"/>
+        <p14:creationId xmlns:p14="http://schemas.microsoft.com/office/powerpoint/2010/main" val="1080710209"/>
       </p:ext>
     </p:extLst>
   </p:cSld>

--- a/docs/final_documentation/Präsi_vonAlexgeändert.pptx
+++ b/docs/final_documentation/Präsi_vonAlexgeändert.pptx
@@ -5,10 +5,10 @@
     <p:sldMasterId id="2147483649" r:id="rId1"/>
   </p:sldMasterIdLst>
   <p:notesMasterIdLst>
-    <p:notesMasterId r:id="rId20"/>
+    <p:notesMasterId r:id="rId21"/>
   </p:notesMasterIdLst>
   <p:handoutMasterIdLst>
-    <p:handoutMasterId r:id="rId21"/>
+    <p:handoutMasterId r:id="rId22"/>
   </p:handoutMasterIdLst>
   <p:sldIdLst>
     <p:sldId id="350" r:id="rId2"/>
@@ -19,16 +19,17 @@
     <p:sldId id="348" r:id="rId7"/>
     <p:sldId id="351" r:id="rId8"/>
     <p:sldId id="352" r:id="rId9"/>
-    <p:sldId id="349" r:id="rId10"/>
-    <p:sldId id="337" r:id="rId11"/>
-    <p:sldId id="334" r:id="rId12"/>
-    <p:sldId id="336" r:id="rId13"/>
-    <p:sldId id="339" r:id="rId14"/>
-    <p:sldId id="341" r:id="rId15"/>
-    <p:sldId id="342" r:id="rId16"/>
-    <p:sldId id="343" r:id="rId17"/>
-    <p:sldId id="344" r:id="rId18"/>
-    <p:sldId id="345" r:id="rId19"/>
+    <p:sldId id="354" r:id="rId10"/>
+    <p:sldId id="349" r:id="rId11"/>
+    <p:sldId id="337" r:id="rId12"/>
+    <p:sldId id="334" r:id="rId13"/>
+    <p:sldId id="336" r:id="rId14"/>
+    <p:sldId id="339" r:id="rId15"/>
+    <p:sldId id="341" r:id="rId16"/>
+    <p:sldId id="342" r:id="rId17"/>
+    <p:sldId id="343" r:id="rId18"/>
+    <p:sldId id="344" r:id="rId19"/>
+    <p:sldId id="345" r:id="rId20"/>
   </p:sldIdLst>
   <p:sldSz cx="9144000" cy="6858000" type="screen4x3"/>
   <p:notesSz cx="6858000" cy="9144000"/>
@@ -3126,6 +3127,95 @@
 </p:notes>
 </file>
 
+<file path=ppt/notesSlides/notesSlide5.xml><?xml version="1.0" encoding="utf-8"?>
+<p:notes xmlns:a="http://schemas.openxmlformats.org/drawingml/2006/main" xmlns:r="http://schemas.openxmlformats.org/officeDocument/2006/relationships" xmlns:p="http://schemas.openxmlformats.org/presentationml/2006/main">
+  <p:cSld>
+    <p:spTree>
+      <p:nvGrpSpPr>
+        <p:cNvPr id="1" name=""/>
+        <p:cNvGrpSpPr/>
+        <p:nvPr/>
+      </p:nvGrpSpPr>
+      <p:grpSpPr>
+        <a:xfrm>
+          <a:off x="0" y="0"/>
+          <a:ext cx="0" cy="0"/>
+          <a:chOff x="0" y="0"/>
+          <a:chExt cx="0" cy="0"/>
+        </a:xfrm>
+      </p:grpSpPr>
+      <p:sp>
+        <p:nvSpPr>
+          <p:cNvPr id="2" name="Folienbildplatzhalter 1"/>
+          <p:cNvSpPr>
+            <a:spLocks noGrp="1" noRot="1" noChangeAspect="1"/>
+          </p:cNvSpPr>
+          <p:nvPr>
+            <p:ph type="sldImg"/>
+          </p:nvPr>
+        </p:nvSpPr>
+        <p:spPr/>
+      </p:sp>
+      <p:sp>
+        <p:nvSpPr>
+          <p:cNvPr id="3" name="Notizenplatzhalter 2"/>
+          <p:cNvSpPr>
+            <a:spLocks noGrp="1"/>
+          </p:cNvSpPr>
+          <p:nvPr>
+            <p:ph type="body" idx="1"/>
+          </p:nvPr>
+        </p:nvSpPr>
+        <p:spPr/>
+        <p:txBody>
+          <a:bodyPr/>
+          <a:lstStyle/>
+          <a:p>
+            <a:pPr marL="171450" lvl="0" indent="-171450">
+              <a:buFont typeface="Arial" panose="020B0604020202020204" pitchFamily="34" charset="0"/>
+              <a:buChar char="•"/>
+            </a:pPr>
+            <a:endParaRPr lang="de-DE" dirty="0"/>
+          </a:p>
+        </p:txBody>
+      </p:sp>
+      <p:sp>
+        <p:nvSpPr>
+          <p:cNvPr id="4" name="Foliennummernplatzhalter 3"/>
+          <p:cNvSpPr>
+            <a:spLocks noGrp="1"/>
+          </p:cNvSpPr>
+          <p:nvPr>
+            <p:ph type="sldNum" sz="quarter" idx="10"/>
+          </p:nvPr>
+        </p:nvSpPr>
+        <p:spPr/>
+        <p:txBody>
+          <a:bodyPr/>
+          <a:lstStyle/>
+          <a:p>
+            <a:fld id="{1760A340-2167-4270-89CF-50EB6C0DB420}" type="slidenum">
+              <a:rPr lang="de-DE" altLang="de-DE" smtClean="0"/>
+              <a:pPr/>
+              <a:t>9</a:t>
+            </a:fld>
+            <a:endParaRPr lang="de-DE" altLang="de-DE"/>
+          </a:p>
+        </p:txBody>
+      </p:sp>
+    </p:spTree>
+    <p:extLst>
+      <p:ext uri="{BB962C8B-B14F-4D97-AF65-F5344CB8AC3E}">
+        <p14:creationId xmlns:p14="http://schemas.microsoft.com/office/powerpoint/2010/main" val="52241874"/>
+      </p:ext>
+    </p:extLst>
+  </p:cSld>
+  <p:clrMapOvr>
+    <a:masterClrMapping/>
+  </p:clrMapOvr>
+</p:notes>
+</file>
+
 <file path=ppt/slideLayouts/slideLayout1.xml><?xml version="1.0" encoding="utf-8"?>
 <p:sldLayout xmlns:a="http://schemas.openxmlformats.org/drawingml/2006/main" xmlns:r="http://schemas.openxmlformats.org/officeDocument/2006/relationships" xmlns:p="http://schemas.openxmlformats.org/presentationml/2006/main" showMasterSp="0" type="title" preserve="1">
   <p:cSld name="Titelfolie">
@@ -4684,6 +4774,342 @@
           <a:bodyPr/>
           <a:lstStyle/>
           <a:p>
+            <a:r>
+              <a:rPr lang="de-DE" altLang="de-DE" dirty="0"/>
+              <a:t>5. Ausblick</a:t>
+            </a:r>
+          </a:p>
+        </p:txBody>
+      </p:sp>
+      <p:sp>
+        <p:nvSpPr>
+          <p:cNvPr id="6" name="Rectangle 3"/>
+          <p:cNvSpPr txBox="1">
+            <a:spLocks noChangeArrowheads="1"/>
+          </p:cNvSpPr>
+          <p:nvPr/>
+        </p:nvSpPr>
+        <p:spPr>
+          <a:xfrm>
+            <a:off x="971550" y="2160000"/>
+            <a:ext cx="7677150" cy="3600450"/>
+          </a:xfrm>
+          <a:prstGeom prst="rect">
+            <a:avLst/>
+          </a:prstGeom>
+        </p:spPr>
+        <p:txBody>
+          <a:bodyPr/>
+          <a:lstStyle>
+            <a:lvl1pPr algn="l" rtl="0" eaLnBrk="1" fontAlgn="base" hangingPunct="1">
+              <a:lnSpc>
+                <a:spcPct val="110000"/>
+              </a:lnSpc>
+              <a:spcBef>
+                <a:spcPct val="0"/>
+              </a:spcBef>
+              <a:spcAft>
+                <a:spcPct val="20000"/>
+              </a:spcAft>
+              <a:defRPr>
+                <a:solidFill>
+                  <a:schemeClr val="tx1"/>
+                </a:solidFill>
+                <a:latin typeface="+mn-lt"/>
+                <a:ea typeface="+mn-ea"/>
+                <a:cs typeface="+mn-cs"/>
+              </a:defRPr>
+            </a:lvl1pPr>
+            <a:lvl2pPr marL="182563" indent="-180975" algn="l" rtl="0" eaLnBrk="1" fontAlgn="base" hangingPunct="1">
+              <a:lnSpc>
+                <a:spcPct val="110000"/>
+              </a:lnSpc>
+              <a:spcBef>
+                <a:spcPct val="0"/>
+              </a:spcBef>
+              <a:spcAft>
+                <a:spcPct val="20000"/>
+              </a:spcAft>
+              <a:buFont typeface="Arial" charset="0"/>
+              <a:buChar char="•"/>
+              <a:defRPr>
+                <a:solidFill>
+                  <a:schemeClr val="tx1"/>
+                </a:solidFill>
+                <a:latin typeface="+mn-lt"/>
+              </a:defRPr>
+            </a:lvl2pPr>
+            <a:lvl3pPr marL="366713" indent="-182563" algn="l" rtl="0" eaLnBrk="1" fontAlgn="base" hangingPunct="1">
+              <a:lnSpc>
+                <a:spcPct val="110000"/>
+              </a:lnSpc>
+              <a:spcBef>
+                <a:spcPct val="0"/>
+              </a:spcBef>
+              <a:spcAft>
+                <a:spcPct val="20000"/>
+              </a:spcAft>
+              <a:buFont typeface="Arial" charset="0"/>
+              <a:buChar char="•"/>
+              <a:defRPr>
+                <a:solidFill>
+                  <a:schemeClr val="tx1"/>
+                </a:solidFill>
+                <a:latin typeface="+mn-lt"/>
+              </a:defRPr>
+            </a:lvl3pPr>
+            <a:lvl4pPr marL="552450" indent="-184150" algn="l" rtl="0" eaLnBrk="1" fontAlgn="base" hangingPunct="1">
+              <a:lnSpc>
+                <a:spcPct val="110000"/>
+              </a:lnSpc>
+              <a:spcBef>
+                <a:spcPct val="0"/>
+              </a:spcBef>
+              <a:spcAft>
+                <a:spcPct val="20000"/>
+              </a:spcAft>
+              <a:buFont typeface="Arial" charset="0"/>
+              <a:buChar char="•"/>
+              <a:defRPr>
+                <a:solidFill>
+                  <a:schemeClr val="tx1"/>
+                </a:solidFill>
+                <a:latin typeface="+mn-lt"/>
+              </a:defRPr>
+            </a:lvl4pPr>
+            <a:lvl5pPr marL="738188" indent="-184150" algn="l" rtl="0" eaLnBrk="1" fontAlgn="base" hangingPunct="1">
+              <a:lnSpc>
+                <a:spcPct val="110000"/>
+              </a:lnSpc>
+              <a:spcBef>
+                <a:spcPct val="0"/>
+              </a:spcBef>
+              <a:spcAft>
+                <a:spcPct val="20000"/>
+              </a:spcAft>
+              <a:buFont typeface="Arial" charset="0"/>
+              <a:buChar char="•"/>
+              <a:defRPr>
+                <a:solidFill>
+                  <a:schemeClr val="tx1"/>
+                </a:solidFill>
+                <a:latin typeface="+mn-lt"/>
+              </a:defRPr>
+            </a:lvl5pPr>
+            <a:lvl6pPr marL="1195388" indent="-184150" algn="l" rtl="0" eaLnBrk="1" fontAlgn="base" hangingPunct="1">
+              <a:lnSpc>
+                <a:spcPct val="110000"/>
+              </a:lnSpc>
+              <a:spcBef>
+                <a:spcPct val="0"/>
+              </a:spcBef>
+              <a:spcAft>
+                <a:spcPct val="20000"/>
+              </a:spcAft>
+              <a:buFont typeface="Arial" charset="0"/>
+              <a:buChar char="•"/>
+              <a:defRPr>
+                <a:solidFill>
+                  <a:schemeClr val="tx1"/>
+                </a:solidFill>
+                <a:latin typeface="+mn-lt"/>
+              </a:defRPr>
+            </a:lvl6pPr>
+            <a:lvl7pPr marL="1652588" indent="-184150" algn="l" rtl="0" eaLnBrk="1" fontAlgn="base" hangingPunct="1">
+              <a:lnSpc>
+                <a:spcPct val="110000"/>
+              </a:lnSpc>
+              <a:spcBef>
+                <a:spcPct val="0"/>
+              </a:spcBef>
+              <a:spcAft>
+                <a:spcPct val="20000"/>
+              </a:spcAft>
+              <a:buFont typeface="Arial" charset="0"/>
+              <a:buChar char="•"/>
+              <a:defRPr>
+                <a:solidFill>
+                  <a:schemeClr val="tx1"/>
+                </a:solidFill>
+                <a:latin typeface="+mn-lt"/>
+              </a:defRPr>
+            </a:lvl7pPr>
+            <a:lvl8pPr marL="2109788" indent="-184150" algn="l" rtl="0" eaLnBrk="1" fontAlgn="base" hangingPunct="1">
+              <a:lnSpc>
+                <a:spcPct val="110000"/>
+              </a:lnSpc>
+              <a:spcBef>
+                <a:spcPct val="0"/>
+              </a:spcBef>
+              <a:spcAft>
+                <a:spcPct val="20000"/>
+              </a:spcAft>
+              <a:buFont typeface="Arial" charset="0"/>
+              <a:buChar char="•"/>
+              <a:defRPr>
+                <a:solidFill>
+                  <a:schemeClr val="tx1"/>
+                </a:solidFill>
+                <a:latin typeface="+mn-lt"/>
+              </a:defRPr>
+            </a:lvl8pPr>
+            <a:lvl9pPr marL="2566988" indent="-184150" algn="l" rtl="0" eaLnBrk="1" fontAlgn="base" hangingPunct="1">
+              <a:lnSpc>
+                <a:spcPct val="110000"/>
+              </a:lnSpc>
+              <a:spcBef>
+                <a:spcPct val="0"/>
+              </a:spcBef>
+              <a:spcAft>
+                <a:spcPct val="20000"/>
+              </a:spcAft>
+              <a:buFont typeface="Arial" charset="0"/>
+              <a:buChar char="•"/>
+              <a:defRPr>
+                <a:solidFill>
+                  <a:schemeClr val="tx1"/>
+                </a:solidFill>
+                <a:latin typeface="+mn-lt"/>
+              </a:defRPr>
+            </a:lvl9pPr>
+          </a:lstStyle>
+          <a:p>
+            <a:pPr lvl="1"/>
+            <a:r>
+              <a:rPr lang="en-US" altLang="de-DE" kern="0" dirty="0"/>
+              <a:t>Finetuning der Parameter</a:t>
+            </a:r>
+            <a:endParaRPr lang="de-DE" altLang="de-DE" kern="0" dirty="0"/>
+          </a:p>
+          <a:p>
+            <a:pPr lvl="1"/>
+            <a:r>
+              <a:rPr lang="de-DE" altLang="de-DE" kern="0" dirty="0"/>
+              <a:t>Erstellung von C++ Code</a:t>
+            </a:r>
+          </a:p>
+          <a:p>
+            <a:pPr lvl="1"/>
+            <a:r>
+              <a:rPr lang="de-DE" altLang="de-DE" kern="0" dirty="0"/>
+              <a:t>Kompilierung </a:t>
+            </a:r>
+          </a:p>
+          <a:p>
+            <a:pPr lvl="1"/>
+            <a:r>
+              <a:rPr lang="de-DE" altLang="de-DE" kern="0" dirty="0"/>
+              <a:t>Fertigstellung des Android Moduls</a:t>
+            </a:r>
+          </a:p>
+          <a:p>
+            <a:pPr lvl="1"/>
+            <a:endParaRPr lang="de-DE" altLang="de-DE" kern="0" dirty="0"/>
+          </a:p>
+          <a:p>
+            <a:pPr lvl="1"/>
+            <a:endParaRPr lang="de-DE" altLang="de-DE" kern="0" dirty="0"/>
+          </a:p>
+        </p:txBody>
+      </p:sp>
+      <p:sp>
+        <p:nvSpPr>
+          <p:cNvPr id="2" name="Fußzeilenplatzhalter 1"/>
+          <p:cNvSpPr>
+            <a:spLocks noGrp="1"/>
+          </p:cNvSpPr>
+          <p:nvPr>
+            <p:ph type="ftr" sz="quarter" idx="10"/>
+          </p:nvPr>
+        </p:nvSpPr>
+        <p:spPr/>
+        <p:txBody>
+          <a:bodyPr/>
+          <a:lstStyle/>
+          <a:p>
+            <a:r>
+              <a:rPr lang="en-US" altLang="de-DE"/>
+              <a:t>SIP2 Zwischenpräsentation | Uschakow | Alhanoun | Skiadas</a:t>
+            </a:r>
+            <a:endParaRPr lang="de-DE" altLang="de-DE" dirty="0"/>
+          </a:p>
+        </p:txBody>
+      </p:sp>
+      <p:sp>
+        <p:nvSpPr>
+          <p:cNvPr id="7" name="Foliennummernplatzhalter 6"/>
+          <p:cNvSpPr>
+            <a:spLocks noGrp="1"/>
+          </p:cNvSpPr>
+          <p:nvPr>
+            <p:ph type="sldNum" sz="quarter" idx="11"/>
+          </p:nvPr>
+        </p:nvSpPr>
+        <p:spPr/>
+        <p:txBody>
+          <a:bodyPr/>
+          <a:lstStyle/>
+          <a:p>
+            <a:fld id="{57D12BB6-0ED4-46B6-AB23-7758AD07EFBF}" type="slidenum">
+              <a:rPr lang="de-DE" smtClean="0"/>
+              <a:pPr/>
+              <a:t>10</a:t>
+            </a:fld>
+            <a:endParaRPr lang="de-DE" dirty="0"/>
+          </a:p>
+        </p:txBody>
+      </p:sp>
+    </p:spTree>
+    <p:extLst>
+      <p:ext uri="{BB962C8B-B14F-4D97-AF65-F5344CB8AC3E}">
+        <p14:creationId xmlns:p14="http://schemas.microsoft.com/office/powerpoint/2010/main" val="1080710209"/>
+      </p:ext>
+    </p:extLst>
+  </p:cSld>
+  <p:clrMapOvr>
+    <a:masterClrMapping/>
+  </p:clrMapOvr>
+  <p:transition/>
+</p:sld>
+</file>
+
+<file path=ppt/slides/slide11.xml><?xml version="1.0" encoding="utf-8"?>
+<p:sld xmlns:a="http://schemas.openxmlformats.org/drawingml/2006/main" xmlns:r="http://schemas.openxmlformats.org/officeDocument/2006/relationships" xmlns:p="http://schemas.openxmlformats.org/presentationml/2006/main">
+  <p:cSld>
+    <p:spTree>
+      <p:nvGrpSpPr>
+        <p:cNvPr id="1" name=""/>
+        <p:cNvGrpSpPr/>
+        <p:nvPr/>
+      </p:nvGrpSpPr>
+      <p:grpSpPr>
+        <a:xfrm>
+          <a:off x="0" y="0"/>
+          <a:ext cx="0" cy="0"/>
+          <a:chOff x="0" y="0"/>
+          <a:chExt cx="0" cy="0"/>
+        </a:xfrm>
+      </p:grpSpPr>
+      <p:sp>
+        <p:nvSpPr>
+          <p:cNvPr id="5" name="Rectangle 2"/>
+          <p:cNvSpPr>
+            <a:spLocks noGrp="1" noChangeArrowheads="1"/>
+          </p:cNvSpPr>
+          <p:nvPr>
+            <p:ph type="title"/>
+          </p:nvPr>
+        </p:nvSpPr>
+        <p:spPr>
+          <a:xfrm>
+            <a:off x="971550" y="1404000"/>
+            <a:ext cx="7704138" cy="792162"/>
+          </a:xfrm>
+        </p:spPr>
+        <p:txBody>
+          <a:bodyPr/>
+          <a:lstStyle/>
+          <a:p>
             <a:br>
               <a:rPr lang="de-DE" altLang="de-DE" dirty="0"/>
             </a:br>
@@ -4768,7 +5194,7 @@
             <a:fld id="{57D12BB6-0ED4-46B6-AB23-7758AD07EFBF}" type="slidenum">
               <a:rPr lang="de-DE" smtClean="0"/>
               <a:pPr/>
-              <a:t>10</a:t>
+              <a:t>11</a:t>
             </a:fld>
             <a:endParaRPr lang="de-DE" dirty="0"/>
           </a:p>
@@ -4778,919 +5204,6 @@
     <p:extLst>
       <p:ext uri="{BB962C8B-B14F-4D97-AF65-F5344CB8AC3E}">
         <p14:creationId xmlns:p14="http://schemas.microsoft.com/office/powerpoint/2010/main" val="422122669"/>
-      </p:ext>
-    </p:extLst>
-  </p:cSld>
-  <p:clrMapOvr>
-    <a:masterClrMapping/>
-  </p:clrMapOvr>
-  <p:transition/>
-</p:sld>
-</file>
-
-<file path=ppt/slides/slide11.xml><?xml version="1.0" encoding="utf-8"?>
-<p:sld xmlns:a="http://schemas.openxmlformats.org/drawingml/2006/main" xmlns:r="http://schemas.openxmlformats.org/officeDocument/2006/relationships" xmlns:p="http://schemas.openxmlformats.org/presentationml/2006/main">
-  <p:cSld>
-    <p:spTree>
-      <p:nvGrpSpPr>
-        <p:cNvPr id="1" name=""/>
-        <p:cNvGrpSpPr/>
-        <p:nvPr/>
-      </p:nvGrpSpPr>
-      <p:grpSpPr>
-        <a:xfrm>
-          <a:off x="0" y="0"/>
-          <a:ext cx="0" cy="0"/>
-          <a:chOff x="0" y="0"/>
-          <a:chExt cx="0" cy="0"/>
-        </a:xfrm>
-      </p:grpSpPr>
-      <p:sp>
-        <p:nvSpPr>
-          <p:cNvPr id="5" name="Rectangle 2"/>
-          <p:cNvSpPr>
-            <a:spLocks noGrp="1" noChangeArrowheads="1"/>
-          </p:cNvSpPr>
-          <p:nvPr>
-            <p:ph type="title"/>
-          </p:nvPr>
-        </p:nvSpPr>
-        <p:spPr>
-          <a:xfrm>
-            <a:off x="971550" y="1404000"/>
-            <a:ext cx="6984826" cy="792162"/>
-          </a:xfrm>
-        </p:spPr>
-        <p:txBody>
-          <a:bodyPr/>
-          <a:lstStyle/>
-          <a:p>
-            <a:r>
-              <a:rPr lang="de-DE" altLang="de-DE" dirty="0"/>
-              <a:t>Überschrift Bildfolie – zwei Bilder mit Text</a:t>
-            </a:r>
-          </a:p>
-        </p:txBody>
-      </p:sp>
-      <p:sp>
-        <p:nvSpPr>
-          <p:cNvPr id="6" name="Rectangle 3"/>
-          <p:cNvSpPr txBox="1">
-            <a:spLocks noChangeArrowheads="1"/>
-          </p:cNvSpPr>
-          <p:nvPr/>
-        </p:nvSpPr>
-        <p:spPr>
-          <a:xfrm>
-            <a:off x="971550" y="5373688"/>
-            <a:ext cx="3744913" cy="863600"/>
-          </a:xfrm>
-          <a:prstGeom prst="rect">
-            <a:avLst/>
-          </a:prstGeom>
-        </p:spPr>
-        <p:txBody>
-          <a:bodyPr/>
-          <a:lstStyle>
-            <a:lvl1pPr algn="l" rtl="0" eaLnBrk="1" fontAlgn="base" hangingPunct="1">
-              <a:lnSpc>
-                <a:spcPct val="110000"/>
-              </a:lnSpc>
-              <a:spcBef>
-                <a:spcPct val="0"/>
-              </a:spcBef>
-              <a:spcAft>
-                <a:spcPct val="20000"/>
-              </a:spcAft>
-              <a:defRPr>
-                <a:solidFill>
-                  <a:schemeClr val="tx1"/>
-                </a:solidFill>
-                <a:latin typeface="+mn-lt"/>
-                <a:ea typeface="+mn-ea"/>
-                <a:cs typeface="+mn-cs"/>
-              </a:defRPr>
-            </a:lvl1pPr>
-            <a:lvl2pPr marL="182563" indent="-180975" algn="l" rtl="0" eaLnBrk="1" fontAlgn="base" hangingPunct="1">
-              <a:lnSpc>
-                <a:spcPct val="110000"/>
-              </a:lnSpc>
-              <a:spcBef>
-                <a:spcPct val="0"/>
-              </a:spcBef>
-              <a:spcAft>
-                <a:spcPct val="20000"/>
-              </a:spcAft>
-              <a:buFont typeface="Arial" charset="0"/>
-              <a:buChar char="•"/>
-              <a:defRPr>
-                <a:solidFill>
-                  <a:schemeClr val="tx1"/>
-                </a:solidFill>
-                <a:latin typeface="+mn-lt"/>
-              </a:defRPr>
-            </a:lvl2pPr>
-            <a:lvl3pPr marL="366713" indent="-182563" algn="l" rtl="0" eaLnBrk="1" fontAlgn="base" hangingPunct="1">
-              <a:lnSpc>
-                <a:spcPct val="110000"/>
-              </a:lnSpc>
-              <a:spcBef>
-                <a:spcPct val="0"/>
-              </a:spcBef>
-              <a:spcAft>
-                <a:spcPct val="20000"/>
-              </a:spcAft>
-              <a:buFont typeface="Arial" charset="0"/>
-              <a:buChar char="•"/>
-              <a:defRPr>
-                <a:solidFill>
-                  <a:schemeClr val="tx1"/>
-                </a:solidFill>
-                <a:latin typeface="+mn-lt"/>
-              </a:defRPr>
-            </a:lvl3pPr>
-            <a:lvl4pPr marL="552450" indent="-184150" algn="l" rtl="0" eaLnBrk="1" fontAlgn="base" hangingPunct="1">
-              <a:lnSpc>
-                <a:spcPct val="110000"/>
-              </a:lnSpc>
-              <a:spcBef>
-                <a:spcPct val="0"/>
-              </a:spcBef>
-              <a:spcAft>
-                <a:spcPct val="20000"/>
-              </a:spcAft>
-              <a:buFont typeface="Arial" charset="0"/>
-              <a:buChar char="•"/>
-              <a:defRPr>
-                <a:solidFill>
-                  <a:schemeClr val="tx1"/>
-                </a:solidFill>
-                <a:latin typeface="+mn-lt"/>
-              </a:defRPr>
-            </a:lvl4pPr>
-            <a:lvl5pPr marL="738188" indent="-184150" algn="l" rtl="0" eaLnBrk="1" fontAlgn="base" hangingPunct="1">
-              <a:lnSpc>
-                <a:spcPct val="110000"/>
-              </a:lnSpc>
-              <a:spcBef>
-                <a:spcPct val="0"/>
-              </a:spcBef>
-              <a:spcAft>
-                <a:spcPct val="20000"/>
-              </a:spcAft>
-              <a:buFont typeface="Arial" charset="0"/>
-              <a:buChar char="•"/>
-              <a:defRPr>
-                <a:solidFill>
-                  <a:schemeClr val="tx1"/>
-                </a:solidFill>
-                <a:latin typeface="+mn-lt"/>
-              </a:defRPr>
-            </a:lvl5pPr>
-            <a:lvl6pPr marL="1195388" indent="-184150" algn="l" rtl="0" eaLnBrk="1" fontAlgn="base" hangingPunct="1">
-              <a:lnSpc>
-                <a:spcPct val="110000"/>
-              </a:lnSpc>
-              <a:spcBef>
-                <a:spcPct val="0"/>
-              </a:spcBef>
-              <a:spcAft>
-                <a:spcPct val="20000"/>
-              </a:spcAft>
-              <a:buFont typeface="Arial" charset="0"/>
-              <a:buChar char="•"/>
-              <a:defRPr>
-                <a:solidFill>
-                  <a:schemeClr val="tx1"/>
-                </a:solidFill>
-                <a:latin typeface="+mn-lt"/>
-              </a:defRPr>
-            </a:lvl6pPr>
-            <a:lvl7pPr marL="1652588" indent="-184150" algn="l" rtl="0" eaLnBrk="1" fontAlgn="base" hangingPunct="1">
-              <a:lnSpc>
-                <a:spcPct val="110000"/>
-              </a:lnSpc>
-              <a:spcBef>
-                <a:spcPct val="0"/>
-              </a:spcBef>
-              <a:spcAft>
-                <a:spcPct val="20000"/>
-              </a:spcAft>
-              <a:buFont typeface="Arial" charset="0"/>
-              <a:buChar char="•"/>
-              <a:defRPr>
-                <a:solidFill>
-                  <a:schemeClr val="tx1"/>
-                </a:solidFill>
-                <a:latin typeface="+mn-lt"/>
-              </a:defRPr>
-            </a:lvl7pPr>
-            <a:lvl8pPr marL="2109788" indent="-184150" algn="l" rtl="0" eaLnBrk="1" fontAlgn="base" hangingPunct="1">
-              <a:lnSpc>
-                <a:spcPct val="110000"/>
-              </a:lnSpc>
-              <a:spcBef>
-                <a:spcPct val="0"/>
-              </a:spcBef>
-              <a:spcAft>
-                <a:spcPct val="20000"/>
-              </a:spcAft>
-              <a:buFont typeface="Arial" charset="0"/>
-              <a:buChar char="•"/>
-              <a:defRPr>
-                <a:solidFill>
-                  <a:schemeClr val="tx1"/>
-                </a:solidFill>
-                <a:latin typeface="+mn-lt"/>
-              </a:defRPr>
-            </a:lvl8pPr>
-            <a:lvl9pPr marL="2566988" indent="-184150" algn="l" rtl="0" eaLnBrk="1" fontAlgn="base" hangingPunct="1">
-              <a:lnSpc>
-                <a:spcPct val="110000"/>
-              </a:lnSpc>
-              <a:spcBef>
-                <a:spcPct val="0"/>
-              </a:spcBef>
-              <a:spcAft>
-                <a:spcPct val="20000"/>
-              </a:spcAft>
-              <a:buFont typeface="Arial" charset="0"/>
-              <a:buChar char="•"/>
-              <a:defRPr>
-                <a:solidFill>
-                  <a:schemeClr val="tx1"/>
-                </a:solidFill>
-                <a:latin typeface="+mn-lt"/>
-              </a:defRPr>
-            </a:lvl9pPr>
-          </a:lstStyle>
-          <a:p>
-            <a:r>
-              <a:rPr lang="de-DE" altLang="de-DE" sz="1500" kern="0"/>
-              <a:t>Mit seiner Aufnahme in die Elite war Knechts Leben auf eine andre Ebene verpflanzt.</a:t>
-            </a:r>
-          </a:p>
-        </p:txBody>
-      </p:sp>
-      <p:sp>
-        <p:nvSpPr>
-          <p:cNvPr id="7" name="Rectangle 4"/>
-          <p:cNvSpPr>
-            <a:spLocks noChangeArrowheads="1"/>
-          </p:cNvSpPr>
-          <p:nvPr/>
-        </p:nvSpPr>
-        <p:spPr bwMode="invGray">
-          <a:xfrm>
-            <a:off x="971550" y="2060848"/>
-            <a:ext cx="3744913" cy="3096940"/>
-          </a:xfrm>
-          <a:prstGeom prst="rect">
-            <a:avLst/>
-          </a:prstGeom>
-          <a:solidFill>
-            <a:srgbClr val="C0C0C0"/>
-          </a:solidFill>
-          <a:ln>
-            <a:noFill/>
-          </a:ln>
-          <a:effectLst/>
-          <a:extLst>
-            <a:ext uri="{91240B29-F687-4F45-9708-019B960494DF}">
-              <a14:hiddenLine xmlns:a14="http://schemas.microsoft.com/office/drawing/2010/main" w="19050" algn="ctr">
-                <a:solidFill>
-                  <a:schemeClr val="tx2"/>
-                </a:solidFill>
-                <a:miter lim="800000"/>
-                <a:headEnd/>
-                <a:tailEnd/>
-              </a14:hiddenLine>
-            </a:ext>
-            <a:ext uri="{AF507438-7753-43E0-B8FC-AC1667EBCBE1}">
-              <a14:hiddenEffects xmlns:a14="http://schemas.microsoft.com/office/drawing/2010/main">
-                <a:effectLst>
-                  <a:outerShdw dist="35921" dir="2700000" algn="ctr" rotWithShape="0">
-                    <a:schemeClr val="bg2"/>
-                  </a:outerShdw>
-                </a:effectLst>
-              </a14:hiddenEffects>
-            </a:ext>
-          </a:extLst>
-        </p:spPr>
-        <p:txBody>
-          <a:bodyPr lIns="0" tIns="0" rIns="0" bIns="0" anchor="ctr"/>
-          <a:lstStyle>
-            <a:lvl1pPr marL="376238" algn="l">
-              <a:defRPr sz="2400">
-                <a:solidFill>
-                  <a:schemeClr val="tx1"/>
-                </a:solidFill>
-                <a:latin typeface="Arial" charset="0"/>
-              </a:defRPr>
-            </a:lvl1pPr>
-            <a:lvl2pPr marL="566738" algn="l">
-              <a:defRPr sz="2400">
-                <a:solidFill>
-                  <a:schemeClr val="tx1"/>
-                </a:solidFill>
-                <a:latin typeface="Arial" charset="0"/>
-              </a:defRPr>
-            </a:lvl2pPr>
-            <a:lvl3pPr algn="l">
-              <a:defRPr sz="2400">
-                <a:solidFill>
-                  <a:schemeClr val="tx1"/>
-                </a:solidFill>
-                <a:latin typeface="Arial" charset="0"/>
-              </a:defRPr>
-            </a:lvl3pPr>
-            <a:lvl4pPr algn="l">
-              <a:defRPr sz="2400">
-                <a:solidFill>
-                  <a:schemeClr val="tx1"/>
-                </a:solidFill>
-                <a:latin typeface="Arial" charset="0"/>
-              </a:defRPr>
-            </a:lvl4pPr>
-            <a:lvl5pPr algn="l">
-              <a:defRPr sz="2400">
-                <a:solidFill>
-                  <a:schemeClr val="tx1"/>
-                </a:solidFill>
-                <a:latin typeface="Arial" charset="0"/>
-              </a:defRPr>
-            </a:lvl5pPr>
-            <a:lvl6pPr eaLnBrk="0" fontAlgn="base" hangingPunct="0">
-              <a:spcBef>
-                <a:spcPct val="0"/>
-              </a:spcBef>
-              <a:spcAft>
-                <a:spcPct val="0"/>
-              </a:spcAft>
-              <a:defRPr sz="2400">
-                <a:solidFill>
-                  <a:schemeClr val="tx1"/>
-                </a:solidFill>
-                <a:latin typeface="Arial" charset="0"/>
-              </a:defRPr>
-            </a:lvl6pPr>
-            <a:lvl7pPr eaLnBrk="0" fontAlgn="base" hangingPunct="0">
-              <a:spcBef>
-                <a:spcPct val="0"/>
-              </a:spcBef>
-              <a:spcAft>
-                <a:spcPct val="0"/>
-              </a:spcAft>
-              <a:defRPr sz="2400">
-                <a:solidFill>
-                  <a:schemeClr val="tx1"/>
-                </a:solidFill>
-                <a:latin typeface="Arial" charset="0"/>
-              </a:defRPr>
-            </a:lvl7pPr>
-            <a:lvl8pPr eaLnBrk="0" fontAlgn="base" hangingPunct="0">
-              <a:spcBef>
-                <a:spcPct val="0"/>
-              </a:spcBef>
-              <a:spcAft>
-                <a:spcPct val="0"/>
-              </a:spcAft>
-              <a:defRPr sz="2400">
-                <a:solidFill>
-                  <a:schemeClr val="tx1"/>
-                </a:solidFill>
-                <a:latin typeface="Arial" charset="0"/>
-              </a:defRPr>
-            </a:lvl8pPr>
-            <a:lvl9pPr eaLnBrk="0" fontAlgn="base" hangingPunct="0">
-              <a:spcBef>
-                <a:spcPct val="0"/>
-              </a:spcBef>
-              <a:spcAft>
-                <a:spcPct val="0"/>
-              </a:spcAft>
-              <a:defRPr sz="2400">
-                <a:solidFill>
-                  <a:schemeClr val="tx1"/>
-                </a:solidFill>
-                <a:latin typeface="Arial" charset="0"/>
-              </a:defRPr>
-            </a:lvl9pPr>
-          </a:lstStyle>
-          <a:p>
-            <a:pPr eaLnBrk="1" hangingPunct="1">
-              <a:spcBef>
-                <a:spcPct val="30000"/>
-              </a:spcBef>
-            </a:pPr>
-            <a:r>
-              <a:rPr lang="de-DE" altLang="de-DE" sz="1300" b="1" dirty="0">
-                <a:solidFill>
-                  <a:srgbClr val="000000"/>
-                </a:solidFill>
-              </a:rPr>
-              <a:t>BILD</a:t>
-            </a:r>
-          </a:p>
-          <a:p>
-            <a:pPr eaLnBrk="1" hangingPunct="1">
-              <a:spcBef>
-                <a:spcPct val="30000"/>
-              </a:spcBef>
-            </a:pPr>
-            <a:r>
-              <a:rPr lang="de-DE" altLang="de-DE" sz="1300" dirty="0">
-                <a:solidFill>
-                  <a:srgbClr val="000000"/>
-                </a:solidFill>
-              </a:rPr>
-              <a:t>Positionierungsfläche für Bilder.</a:t>
-            </a:r>
-          </a:p>
-          <a:p>
-            <a:pPr eaLnBrk="1" hangingPunct="1">
-              <a:spcBef>
-                <a:spcPct val="30000"/>
-              </a:spcBef>
-            </a:pPr>
-            <a:r>
-              <a:rPr lang="de-DE" altLang="de-DE" sz="1300" dirty="0">
-                <a:solidFill>
-                  <a:srgbClr val="000000"/>
-                </a:solidFill>
-              </a:rPr>
-              <a:t>Bitte in linker oberer Ecke beginnen.</a:t>
-            </a:r>
-          </a:p>
-          <a:p>
-            <a:pPr eaLnBrk="1" hangingPunct="1">
-              <a:spcBef>
-                <a:spcPct val="30000"/>
-              </a:spcBef>
-            </a:pPr>
-            <a:r>
-              <a:rPr lang="de-DE" altLang="de-DE" sz="1300" dirty="0">
-                <a:solidFill>
-                  <a:srgbClr val="000000"/>
-                </a:solidFill>
-              </a:rPr>
-              <a:t>Bis maximal rechte und/oder untere Begrenzung, ggf. Bild beschneiden.</a:t>
-            </a:r>
-          </a:p>
-          <a:p>
-            <a:pPr eaLnBrk="1" hangingPunct="1">
-              <a:spcBef>
-                <a:spcPct val="30000"/>
-              </a:spcBef>
-            </a:pPr>
-            <a:endParaRPr lang="de-DE" altLang="de-DE" sz="1300" dirty="0">
-              <a:solidFill>
-                <a:srgbClr val="000000"/>
-              </a:solidFill>
-            </a:endParaRPr>
-          </a:p>
-        </p:txBody>
-      </p:sp>
-      <p:sp>
-        <p:nvSpPr>
-          <p:cNvPr id="8" name="Rectangle 11"/>
-          <p:cNvSpPr>
-            <a:spLocks noChangeArrowheads="1"/>
-          </p:cNvSpPr>
-          <p:nvPr/>
-        </p:nvSpPr>
-        <p:spPr bwMode="gray">
-          <a:xfrm>
-            <a:off x="4932363" y="5373688"/>
-            <a:ext cx="3743325" cy="863600"/>
-          </a:xfrm>
-          <a:prstGeom prst="rect">
-            <a:avLst/>
-          </a:prstGeom>
-          <a:noFill/>
-          <a:ln>
-            <a:noFill/>
-          </a:ln>
-          <a:effectLst/>
-          <a:extLst>
-            <a:ext uri="{909E8E84-426E-40DD-AFC4-6F175D3DCCD1}">
-              <a14:hiddenFill xmlns:a14="http://schemas.microsoft.com/office/drawing/2010/main">
-                <a:solidFill>
-                  <a:schemeClr val="tx2"/>
-                </a:solidFill>
-              </a14:hiddenFill>
-            </a:ext>
-            <a:ext uri="{91240B29-F687-4F45-9708-019B960494DF}">
-              <a14:hiddenLine xmlns:a14="http://schemas.microsoft.com/office/drawing/2010/main" w="9525">
-                <a:solidFill>
-                  <a:schemeClr val="tx1"/>
-                </a:solidFill>
-                <a:miter lim="800000"/>
-                <a:headEnd/>
-                <a:tailEnd/>
-              </a14:hiddenLine>
-            </a:ext>
-            <a:ext uri="{AF507438-7753-43E0-B8FC-AC1667EBCBE1}">
-              <a14:hiddenEffects xmlns:a14="http://schemas.microsoft.com/office/drawing/2010/main">
-                <a:effectLst>
-                  <a:outerShdw dist="35921" dir="2700000" algn="ctr" rotWithShape="0">
-                    <a:schemeClr val="bg2"/>
-                  </a:outerShdw>
-                </a:effectLst>
-              </a14:hiddenEffects>
-            </a:ext>
-          </a:extLst>
-        </p:spPr>
-        <p:txBody>
-          <a:bodyPr lIns="0" tIns="0" rIns="0" bIns="0"/>
-          <a:lstStyle>
-            <a:lvl1pPr algn="l">
-              <a:defRPr sz="2400">
-                <a:solidFill>
-                  <a:schemeClr val="tx1"/>
-                </a:solidFill>
-                <a:latin typeface="Arial" charset="0"/>
-              </a:defRPr>
-            </a:lvl1pPr>
-            <a:lvl2pPr marL="188913" indent="133350" algn="l">
-              <a:defRPr sz="2400">
-                <a:solidFill>
-                  <a:schemeClr val="tx1"/>
-                </a:solidFill>
-                <a:latin typeface="Arial" charset="0"/>
-              </a:defRPr>
-            </a:lvl2pPr>
-            <a:lvl3pPr marL="339725" indent="123825" algn="l">
-              <a:defRPr sz="2400">
-                <a:solidFill>
-                  <a:schemeClr val="tx1"/>
-                </a:solidFill>
-                <a:latin typeface="Arial" charset="0"/>
-              </a:defRPr>
-            </a:lvl3pPr>
-            <a:lvl4pPr marL="479425" indent="123825" algn="l">
-              <a:defRPr sz="2400">
-                <a:solidFill>
-                  <a:schemeClr val="tx1"/>
-                </a:solidFill>
-                <a:latin typeface="Arial" charset="0"/>
-              </a:defRPr>
-            </a:lvl4pPr>
-            <a:lvl5pPr marL="622300" indent="120650" algn="l">
-              <a:defRPr sz="2400">
-                <a:solidFill>
-                  <a:schemeClr val="tx1"/>
-                </a:solidFill>
-                <a:latin typeface="Arial" charset="0"/>
-              </a:defRPr>
-            </a:lvl5pPr>
-            <a:lvl6pPr marL="1079500" indent="120650" eaLnBrk="0" fontAlgn="base" hangingPunct="0">
-              <a:spcBef>
-                <a:spcPct val="0"/>
-              </a:spcBef>
-              <a:spcAft>
-                <a:spcPct val="0"/>
-              </a:spcAft>
-              <a:defRPr sz="2400">
-                <a:solidFill>
-                  <a:schemeClr val="tx1"/>
-                </a:solidFill>
-                <a:latin typeface="Arial" charset="0"/>
-              </a:defRPr>
-            </a:lvl6pPr>
-            <a:lvl7pPr marL="1536700" indent="120650" eaLnBrk="0" fontAlgn="base" hangingPunct="0">
-              <a:spcBef>
-                <a:spcPct val="0"/>
-              </a:spcBef>
-              <a:spcAft>
-                <a:spcPct val="0"/>
-              </a:spcAft>
-              <a:defRPr sz="2400">
-                <a:solidFill>
-                  <a:schemeClr val="tx1"/>
-                </a:solidFill>
-                <a:latin typeface="Arial" charset="0"/>
-              </a:defRPr>
-            </a:lvl7pPr>
-            <a:lvl8pPr marL="1993900" indent="120650" eaLnBrk="0" fontAlgn="base" hangingPunct="0">
-              <a:spcBef>
-                <a:spcPct val="0"/>
-              </a:spcBef>
-              <a:spcAft>
-                <a:spcPct val="0"/>
-              </a:spcAft>
-              <a:defRPr sz="2400">
-                <a:solidFill>
-                  <a:schemeClr val="tx1"/>
-                </a:solidFill>
-                <a:latin typeface="Arial" charset="0"/>
-              </a:defRPr>
-            </a:lvl8pPr>
-            <a:lvl9pPr marL="2451100" indent="120650" eaLnBrk="0" fontAlgn="base" hangingPunct="0">
-              <a:spcBef>
-                <a:spcPct val="0"/>
-              </a:spcBef>
-              <a:spcAft>
-                <a:spcPct val="0"/>
-              </a:spcAft>
-              <a:defRPr sz="2400">
-                <a:solidFill>
-                  <a:schemeClr val="tx1"/>
-                </a:solidFill>
-                <a:latin typeface="Arial" charset="0"/>
-              </a:defRPr>
-            </a:lvl9pPr>
-          </a:lstStyle>
-          <a:p>
-            <a:pPr eaLnBrk="1" hangingPunct="1">
-              <a:lnSpc>
-                <a:spcPct val="110000"/>
-              </a:lnSpc>
-              <a:spcAft>
-                <a:spcPct val="20000"/>
-              </a:spcAft>
-            </a:pPr>
-            <a:r>
-              <a:rPr lang="de-DE" altLang="de-DE" sz="1500">
-                <a:solidFill>
-                  <a:srgbClr val="000000"/>
-                </a:solidFill>
-              </a:rPr>
-              <a:t>Es war der erste und entscheidende Schritt in seiner Entwicklung geschehen. </a:t>
-            </a:r>
-          </a:p>
-        </p:txBody>
-      </p:sp>
-      <p:sp>
-        <p:nvSpPr>
-          <p:cNvPr id="9" name="Rectangle 12"/>
-          <p:cNvSpPr>
-            <a:spLocks noChangeArrowheads="1"/>
-          </p:cNvSpPr>
-          <p:nvPr/>
-        </p:nvSpPr>
-        <p:spPr bwMode="invGray">
-          <a:xfrm>
-            <a:off x="4932363" y="2060848"/>
-            <a:ext cx="3743325" cy="3096940"/>
-          </a:xfrm>
-          <a:prstGeom prst="rect">
-            <a:avLst/>
-          </a:prstGeom>
-          <a:solidFill>
-            <a:srgbClr val="C0C0C0"/>
-          </a:solidFill>
-          <a:ln>
-            <a:noFill/>
-          </a:ln>
-          <a:effectLst/>
-          <a:extLst>
-            <a:ext uri="{91240B29-F687-4F45-9708-019B960494DF}">
-              <a14:hiddenLine xmlns:a14="http://schemas.microsoft.com/office/drawing/2010/main" w="19050" algn="ctr">
-                <a:solidFill>
-                  <a:schemeClr val="tx2"/>
-                </a:solidFill>
-                <a:miter lim="800000"/>
-                <a:headEnd/>
-                <a:tailEnd/>
-              </a14:hiddenLine>
-            </a:ext>
-            <a:ext uri="{AF507438-7753-43E0-B8FC-AC1667EBCBE1}">
-              <a14:hiddenEffects xmlns:a14="http://schemas.microsoft.com/office/drawing/2010/main">
-                <a:effectLst>
-                  <a:outerShdw dist="35921" dir="2700000" algn="ctr" rotWithShape="0">
-                    <a:schemeClr val="bg2"/>
-                  </a:outerShdw>
-                </a:effectLst>
-              </a14:hiddenEffects>
-            </a:ext>
-          </a:extLst>
-        </p:spPr>
-        <p:txBody>
-          <a:bodyPr lIns="0" tIns="0" rIns="0" bIns="0" anchor="ctr"/>
-          <a:lstStyle>
-            <a:lvl1pPr marL="376238" algn="l">
-              <a:defRPr sz="2400">
-                <a:solidFill>
-                  <a:schemeClr val="tx1"/>
-                </a:solidFill>
-                <a:latin typeface="Arial" charset="0"/>
-              </a:defRPr>
-            </a:lvl1pPr>
-            <a:lvl2pPr marL="566738" algn="l">
-              <a:defRPr sz="2400">
-                <a:solidFill>
-                  <a:schemeClr val="tx1"/>
-                </a:solidFill>
-                <a:latin typeface="Arial" charset="0"/>
-              </a:defRPr>
-            </a:lvl2pPr>
-            <a:lvl3pPr algn="l">
-              <a:defRPr sz="2400">
-                <a:solidFill>
-                  <a:schemeClr val="tx1"/>
-                </a:solidFill>
-                <a:latin typeface="Arial" charset="0"/>
-              </a:defRPr>
-            </a:lvl3pPr>
-            <a:lvl4pPr algn="l">
-              <a:defRPr sz="2400">
-                <a:solidFill>
-                  <a:schemeClr val="tx1"/>
-                </a:solidFill>
-                <a:latin typeface="Arial" charset="0"/>
-              </a:defRPr>
-            </a:lvl4pPr>
-            <a:lvl5pPr algn="l">
-              <a:defRPr sz="2400">
-                <a:solidFill>
-                  <a:schemeClr val="tx1"/>
-                </a:solidFill>
-                <a:latin typeface="Arial" charset="0"/>
-              </a:defRPr>
-            </a:lvl5pPr>
-            <a:lvl6pPr eaLnBrk="0" fontAlgn="base" hangingPunct="0">
-              <a:spcBef>
-                <a:spcPct val="0"/>
-              </a:spcBef>
-              <a:spcAft>
-                <a:spcPct val="0"/>
-              </a:spcAft>
-              <a:defRPr sz="2400">
-                <a:solidFill>
-                  <a:schemeClr val="tx1"/>
-                </a:solidFill>
-                <a:latin typeface="Arial" charset="0"/>
-              </a:defRPr>
-            </a:lvl6pPr>
-            <a:lvl7pPr eaLnBrk="0" fontAlgn="base" hangingPunct="0">
-              <a:spcBef>
-                <a:spcPct val="0"/>
-              </a:spcBef>
-              <a:spcAft>
-                <a:spcPct val="0"/>
-              </a:spcAft>
-              <a:defRPr sz="2400">
-                <a:solidFill>
-                  <a:schemeClr val="tx1"/>
-                </a:solidFill>
-                <a:latin typeface="Arial" charset="0"/>
-              </a:defRPr>
-            </a:lvl7pPr>
-            <a:lvl8pPr eaLnBrk="0" fontAlgn="base" hangingPunct="0">
-              <a:spcBef>
-                <a:spcPct val="0"/>
-              </a:spcBef>
-              <a:spcAft>
-                <a:spcPct val="0"/>
-              </a:spcAft>
-              <a:defRPr sz="2400">
-                <a:solidFill>
-                  <a:schemeClr val="tx1"/>
-                </a:solidFill>
-                <a:latin typeface="Arial" charset="0"/>
-              </a:defRPr>
-            </a:lvl8pPr>
-            <a:lvl9pPr eaLnBrk="0" fontAlgn="base" hangingPunct="0">
-              <a:spcBef>
-                <a:spcPct val="0"/>
-              </a:spcBef>
-              <a:spcAft>
-                <a:spcPct val="0"/>
-              </a:spcAft>
-              <a:defRPr sz="2400">
-                <a:solidFill>
-                  <a:schemeClr val="tx1"/>
-                </a:solidFill>
-                <a:latin typeface="Arial" charset="0"/>
-              </a:defRPr>
-            </a:lvl9pPr>
-          </a:lstStyle>
-          <a:p>
-            <a:pPr eaLnBrk="1" hangingPunct="1">
-              <a:spcBef>
-                <a:spcPct val="30000"/>
-              </a:spcBef>
-            </a:pPr>
-            <a:r>
-              <a:rPr lang="de-DE" altLang="de-DE" sz="1300" b="1" dirty="0">
-                <a:solidFill>
-                  <a:srgbClr val="000000"/>
-                </a:solidFill>
-              </a:rPr>
-              <a:t>BILD</a:t>
-            </a:r>
-          </a:p>
-          <a:p>
-            <a:pPr eaLnBrk="1" hangingPunct="1">
-              <a:spcBef>
-                <a:spcPct val="30000"/>
-              </a:spcBef>
-            </a:pPr>
-            <a:r>
-              <a:rPr lang="de-DE" altLang="de-DE" sz="1300" dirty="0">
-                <a:solidFill>
-                  <a:srgbClr val="000000"/>
-                </a:solidFill>
-              </a:rPr>
-              <a:t>Positionierungsfläche für Bilder.</a:t>
-            </a:r>
-          </a:p>
-          <a:p>
-            <a:pPr eaLnBrk="1" hangingPunct="1">
-              <a:spcBef>
-                <a:spcPct val="30000"/>
-              </a:spcBef>
-            </a:pPr>
-            <a:r>
-              <a:rPr lang="de-DE" altLang="de-DE" sz="1300" dirty="0">
-                <a:solidFill>
-                  <a:srgbClr val="000000"/>
-                </a:solidFill>
-              </a:rPr>
-              <a:t>Bitte in linker oberer Ecke beginnen.</a:t>
-            </a:r>
-          </a:p>
-          <a:p>
-            <a:pPr eaLnBrk="1" hangingPunct="1">
-              <a:spcBef>
-                <a:spcPct val="30000"/>
-              </a:spcBef>
-            </a:pPr>
-            <a:r>
-              <a:rPr lang="de-DE" altLang="de-DE" sz="1300" dirty="0">
-                <a:solidFill>
-                  <a:srgbClr val="000000"/>
-                </a:solidFill>
-              </a:rPr>
-              <a:t>Bis maximal rechte und/oder untere Begrenzung, ggf. Bild beschneiden.</a:t>
-            </a:r>
-          </a:p>
-          <a:p>
-            <a:pPr eaLnBrk="1" hangingPunct="1">
-              <a:spcBef>
-                <a:spcPct val="30000"/>
-              </a:spcBef>
-            </a:pPr>
-            <a:endParaRPr lang="de-DE" altLang="de-DE" sz="1300" dirty="0">
-              <a:solidFill>
-                <a:srgbClr val="000000"/>
-              </a:solidFill>
-            </a:endParaRPr>
-          </a:p>
-        </p:txBody>
-      </p:sp>
-      <p:sp>
-        <p:nvSpPr>
-          <p:cNvPr id="2" name="Fußzeilenplatzhalter 1"/>
-          <p:cNvSpPr>
-            <a:spLocks noGrp="1"/>
-          </p:cNvSpPr>
-          <p:nvPr>
-            <p:ph type="ftr" sz="quarter" idx="10"/>
-          </p:nvPr>
-        </p:nvSpPr>
-        <p:spPr/>
-        <p:txBody>
-          <a:bodyPr/>
-          <a:lstStyle/>
-          <a:p>
-            <a:r>
-              <a:rPr lang="en-US" altLang="de-DE"/>
-              <a:t>SIP2 Zwischenpräsentation | Uschakow | Alhanoun | Skiadas</a:t>
-            </a:r>
-            <a:endParaRPr lang="de-DE" altLang="de-DE" dirty="0"/>
-          </a:p>
-        </p:txBody>
-      </p:sp>
-      <p:sp>
-        <p:nvSpPr>
-          <p:cNvPr id="10" name="Foliennummernplatzhalter 9"/>
-          <p:cNvSpPr>
-            <a:spLocks noGrp="1"/>
-          </p:cNvSpPr>
-          <p:nvPr>
-            <p:ph type="sldNum" sz="quarter" idx="11"/>
-          </p:nvPr>
-        </p:nvSpPr>
-        <p:spPr/>
-        <p:txBody>
-          <a:bodyPr/>
-          <a:lstStyle/>
-          <a:p>
-            <a:fld id="{57D12BB6-0ED4-46B6-AB23-7758AD07EFBF}" type="slidenum">
-              <a:rPr lang="de-DE" smtClean="0"/>
-              <a:pPr/>
-              <a:t>11</a:t>
-            </a:fld>
-            <a:endParaRPr lang="de-DE" dirty="0"/>
-          </a:p>
-        </p:txBody>
-      </p:sp>
-    </p:spTree>
-    <p:extLst>
-      <p:ext uri="{BB962C8B-B14F-4D97-AF65-F5344CB8AC3E}">
-        <p14:creationId xmlns:p14="http://schemas.microsoft.com/office/powerpoint/2010/main" val="1276860995"/>
       </p:ext>
     </p:extLst>
   </p:cSld>
@@ -5731,6 +5244,919 @@
         <p:spPr>
           <a:xfrm>
             <a:off x="971550" y="1404000"/>
+            <a:ext cx="6984826" cy="792162"/>
+          </a:xfrm>
+        </p:spPr>
+        <p:txBody>
+          <a:bodyPr/>
+          <a:lstStyle/>
+          <a:p>
+            <a:r>
+              <a:rPr lang="de-DE" altLang="de-DE" dirty="0"/>
+              <a:t>Überschrift Bildfolie – zwei Bilder mit Text</a:t>
+            </a:r>
+          </a:p>
+        </p:txBody>
+      </p:sp>
+      <p:sp>
+        <p:nvSpPr>
+          <p:cNvPr id="6" name="Rectangle 3"/>
+          <p:cNvSpPr txBox="1">
+            <a:spLocks noChangeArrowheads="1"/>
+          </p:cNvSpPr>
+          <p:nvPr/>
+        </p:nvSpPr>
+        <p:spPr>
+          <a:xfrm>
+            <a:off x="971550" y="5373688"/>
+            <a:ext cx="3744913" cy="863600"/>
+          </a:xfrm>
+          <a:prstGeom prst="rect">
+            <a:avLst/>
+          </a:prstGeom>
+        </p:spPr>
+        <p:txBody>
+          <a:bodyPr/>
+          <a:lstStyle>
+            <a:lvl1pPr algn="l" rtl="0" eaLnBrk="1" fontAlgn="base" hangingPunct="1">
+              <a:lnSpc>
+                <a:spcPct val="110000"/>
+              </a:lnSpc>
+              <a:spcBef>
+                <a:spcPct val="0"/>
+              </a:spcBef>
+              <a:spcAft>
+                <a:spcPct val="20000"/>
+              </a:spcAft>
+              <a:defRPr>
+                <a:solidFill>
+                  <a:schemeClr val="tx1"/>
+                </a:solidFill>
+                <a:latin typeface="+mn-lt"/>
+                <a:ea typeface="+mn-ea"/>
+                <a:cs typeface="+mn-cs"/>
+              </a:defRPr>
+            </a:lvl1pPr>
+            <a:lvl2pPr marL="182563" indent="-180975" algn="l" rtl="0" eaLnBrk="1" fontAlgn="base" hangingPunct="1">
+              <a:lnSpc>
+                <a:spcPct val="110000"/>
+              </a:lnSpc>
+              <a:spcBef>
+                <a:spcPct val="0"/>
+              </a:spcBef>
+              <a:spcAft>
+                <a:spcPct val="20000"/>
+              </a:spcAft>
+              <a:buFont typeface="Arial" charset="0"/>
+              <a:buChar char="•"/>
+              <a:defRPr>
+                <a:solidFill>
+                  <a:schemeClr val="tx1"/>
+                </a:solidFill>
+                <a:latin typeface="+mn-lt"/>
+              </a:defRPr>
+            </a:lvl2pPr>
+            <a:lvl3pPr marL="366713" indent="-182563" algn="l" rtl="0" eaLnBrk="1" fontAlgn="base" hangingPunct="1">
+              <a:lnSpc>
+                <a:spcPct val="110000"/>
+              </a:lnSpc>
+              <a:spcBef>
+                <a:spcPct val="0"/>
+              </a:spcBef>
+              <a:spcAft>
+                <a:spcPct val="20000"/>
+              </a:spcAft>
+              <a:buFont typeface="Arial" charset="0"/>
+              <a:buChar char="•"/>
+              <a:defRPr>
+                <a:solidFill>
+                  <a:schemeClr val="tx1"/>
+                </a:solidFill>
+                <a:latin typeface="+mn-lt"/>
+              </a:defRPr>
+            </a:lvl3pPr>
+            <a:lvl4pPr marL="552450" indent="-184150" algn="l" rtl="0" eaLnBrk="1" fontAlgn="base" hangingPunct="1">
+              <a:lnSpc>
+                <a:spcPct val="110000"/>
+              </a:lnSpc>
+              <a:spcBef>
+                <a:spcPct val="0"/>
+              </a:spcBef>
+              <a:spcAft>
+                <a:spcPct val="20000"/>
+              </a:spcAft>
+              <a:buFont typeface="Arial" charset="0"/>
+              <a:buChar char="•"/>
+              <a:defRPr>
+                <a:solidFill>
+                  <a:schemeClr val="tx1"/>
+                </a:solidFill>
+                <a:latin typeface="+mn-lt"/>
+              </a:defRPr>
+            </a:lvl4pPr>
+            <a:lvl5pPr marL="738188" indent="-184150" algn="l" rtl="0" eaLnBrk="1" fontAlgn="base" hangingPunct="1">
+              <a:lnSpc>
+                <a:spcPct val="110000"/>
+              </a:lnSpc>
+              <a:spcBef>
+                <a:spcPct val="0"/>
+              </a:spcBef>
+              <a:spcAft>
+                <a:spcPct val="20000"/>
+              </a:spcAft>
+              <a:buFont typeface="Arial" charset="0"/>
+              <a:buChar char="•"/>
+              <a:defRPr>
+                <a:solidFill>
+                  <a:schemeClr val="tx1"/>
+                </a:solidFill>
+                <a:latin typeface="+mn-lt"/>
+              </a:defRPr>
+            </a:lvl5pPr>
+            <a:lvl6pPr marL="1195388" indent="-184150" algn="l" rtl="0" eaLnBrk="1" fontAlgn="base" hangingPunct="1">
+              <a:lnSpc>
+                <a:spcPct val="110000"/>
+              </a:lnSpc>
+              <a:spcBef>
+                <a:spcPct val="0"/>
+              </a:spcBef>
+              <a:spcAft>
+                <a:spcPct val="20000"/>
+              </a:spcAft>
+              <a:buFont typeface="Arial" charset="0"/>
+              <a:buChar char="•"/>
+              <a:defRPr>
+                <a:solidFill>
+                  <a:schemeClr val="tx1"/>
+                </a:solidFill>
+                <a:latin typeface="+mn-lt"/>
+              </a:defRPr>
+            </a:lvl6pPr>
+            <a:lvl7pPr marL="1652588" indent="-184150" algn="l" rtl="0" eaLnBrk="1" fontAlgn="base" hangingPunct="1">
+              <a:lnSpc>
+                <a:spcPct val="110000"/>
+              </a:lnSpc>
+              <a:spcBef>
+                <a:spcPct val="0"/>
+              </a:spcBef>
+              <a:spcAft>
+                <a:spcPct val="20000"/>
+              </a:spcAft>
+              <a:buFont typeface="Arial" charset="0"/>
+              <a:buChar char="•"/>
+              <a:defRPr>
+                <a:solidFill>
+                  <a:schemeClr val="tx1"/>
+                </a:solidFill>
+                <a:latin typeface="+mn-lt"/>
+              </a:defRPr>
+            </a:lvl7pPr>
+            <a:lvl8pPr marL="2109788" indent="-184150" algn="l" rtl="0" eaLnBrk="1" fontAlgn="base" hangingPunct="1">
+              <a:lnSpc>
+                <a:spcPct val="110000"/>
+              </a:lnSpc>
+              <a:spcBef>
+                <a:spcPct val="0"/>
+              </a:spcBef>
+              <a:spcAft>
+                <a:spcPct val="20000"/>
+              </a:spcAft>
+              <a:buFont typeface="Arial" charset="0"/>
+              <a:buChar char="•"/>
+              <a:defRPr>
+                <a:solidFill>
+                  <a:schemeClr val="tx1"/>
+                </a:solidFill>
+                <a:latin typeface="+mn-lt"/>
+              </a:defRPr>
+            </a:lvl8pPr>
+            <a:lvl9pPr marL="2566988" indent="-184150" algn="l" rtl="0" eaLnBrk="1" fontAlgn="base" hangingPunct="1">
+              <a:lnSpc>
+                <a:spcPct val="110000"/>
+              </a:lnSpc>
+              <a:spcBef>
+                <a:spcPct val="0"/>
+              </a:spcBef>
+              <a:spcAft>
+                <a:spcPct val="20000"/>
+              </a:spcAft>
+              <a:buFont typeface="Arial" charset="0"/>
+              <a:buChar char="•"/>
+              <a:defRPr>
+                <a:solidFill>
+                  <a:schemeClr val="tx1"/>
+                </a:solidFill>
+                <a:latin typeface="+mn-lt"/>
+              </a:defRPr>
+            </a:lvl9pPr>
+          </a:lstStyle>
+          <a:p>
+            <a:r>
+              <a:rPr lang="de-DE" altLang="de-DE" sz="1500" kern="0"/>
+              <a:t>Mit seiner Aufnahme in die Elite war Knechts Leben auf eine andre Ebene verpflanzt.</a:t>
+            </a:r>
+          </a:p>
+        </p:txBody>
+      </p:sp>
+      <p:sp>
+        <p:nvSpPr>
+          <p:cNvPr id="7" name="Rectangle 4"/>
+          <p:cNvSpPr>
+            <a:spLocks noChangeArrowheads="1"/>
+          </p:cNvSpPr>
+          <p:nvPr/>
+        </p:nvSpPr>
+        <p:spPr bwMode="invGray">
+          <a:xfrm>
+            <a:off x="971550" y="2060848"/>
+            <a:ext cx="3744913" cy="3096940"/>
+          </a:xfrm>
+          <a:prstGeom prst="rect">
+            <a:avLst/>
+          </a:prstGeom>
+          <a:solidFill>
+            <a:srgbClr val="C0C0C0"/>
+          </a:solidFill>
+          <a:ln>
+            <a:noFill/>
+          </a:ln>
+          <a:effectLst/>
+          <a:extLst>
+            <a:ext uri="{91240B29-F687-4F45-9708-019B960494DF}">
+              <a14:hiddenLine xmlns:a14="http://schemas.microsoft.com/office/drawing/2010/main" w="19050" algn="ctr">
+                <a:solidFill>
+                  <a:schemeClr val="tx2"/>
+                </a:solidFill>
+                <a:miter lim="800000"/>
+                <a:headEnd/>
+                <a:tailEnd/>
+              </a14:hiddenLine>
+            </a:ext>
+            <a:ext uri="{AF507438-7753-43E0-B8FC-AC1667EBCBE1}">
+              <a14:hiddenEffects xmlns:a14="http://schemas.microsoft.com/office/drawing/2010/main">
+                <a:effectLst>
+                  <a:outerShdw dist="35921" dir="2700000" algn="ctr" rotWithShape="0">
+                    <a:schemeClr val="bg2"/>
+                  </a:outerShdw>
+                </a:effectLst>
+              </a14:hiddenEffects>
+            </a:ext>
+          </a:extLst>
+        </p:spPr>
+        <p:txBody>
+          <a:bodyPr lIns="0" tIns="0" rIns="0" bIns="0" anchor="ctr"/>
+          <a:lstStyle>
+            <a:lvl1pPr marL="376238" algn="l">
+              <a:defRPr sz="2400">
+                <a:solidFill>
+                  <a:schemeClr val="tx1"/>
+                </a:solidFill>
+                <a:latin typeface="Arial" charset="0"/>
+              </a:defRPr>
+            </a:lvl1pPr>
+            <a:lvl2pPr marL="566738" algn="l">
+              <a:defRPr sz="2400">
+                <a:solidFill>
+                  <a:schemeClr val="tx1"/>
+                </a:solidFill>
+                <a:latin typeface="Arial" charset="0"/>
+              </a:defRPr>
+            </a:lvl2pPr>
+            <a:lvl3pPr algn="l">
+              <a:defRPr sz="2400">
+                <a:solidFill>
+                  <a:schemeClr val="tx1"/>
+                </a:solidFill>
+                <a:latin typeface="Arial" charset="0"/>
+              </a:defRPr>
+            </a:lvl3pPr>
+            <a:lvl4pPr algn="l">
+              <a:defRPr sz="2400">
+                <a:solidFill>
+                  <a:schemeClr val="tx1"/>
+                </a:solidFill>
+                <a:latin typeface="Arial" charset="0"/>
+              </a:defRPr>
+            </a:lvl4pPr>
+            <a:lvl5pPr algn="l">
+              <a:defRPr sz="2400">
+                <a:solidFill>
+                  <a:schemeClr val="tx1"/>
+                </a:solidFill>
+                <a:latin typeface="Arial" charset="0"/>
+              </a:defRPr>
+            </a:lvl5pPr>
+            <a:lvl6pPr eaLnBrk="0" fontAlgn="base" hangingPunct="0">
+              <a:spcBef>
+                <a:spcPct val="0"/>
+              </a:spcBef>
+              <a:spcAft>
+                <a:spcPct val="0"/>
+              </a:spcAft>
+              <a:defRPr sz="2400">
+                <a:solidFill>
+                  <a:schemeClr val="tx1"/>
+                </a:solidFill>
+                <a:latin typeface="Arial" charset="0"/>
+              </a:defRPr>
+            </a:lvl6pPr>
+            <a:lvl7pPr eaLnBrk="0" fontAlgn="base" hangingPunct="0">
+              <a:spcBef>
+                <a:spcPct val="0"/>
+              </a:spcBef>
+              <a:spcAft>
+                <a:spcPct val="0"/>
+              </a:spcAft>
+              <a:defRPr sz="2400">
+                <a:solidFill>
+                  <a:schemeClr val="tx1"/>
+                </a:solidFill>
+                <a:latin typeface="Arial" charset="0"/>
+              </a:defRPr>
+            </a:lvl7pPr>
+            <a:lvl8pPr eaLnBrk="0" fontAlgn="base" hangingPunct="0">
+              <a:spcBef>
+                <a:spcPct val="0"/>
+              </a:spcBef>
+              <a:spcAft>
+                <a:spcPct val="0"/>
+              </a:spcAft>
+              <a:defRPr sz="2400">
+                <a:solidFill>
+                  <a:schemeClr val="tx1"/>
+                </a:solidFill>
+                <a:latin typeface="Arial" charset="0"/>
+              </a:defRPr>
+            </a:lvl8pPr>
+            <a:lvl9pPr eaLnBrk="0" fontAlgn="base" hangingPunct="0">
+              <a:spcBef>
+                <a:spcPct val="0"/>
+              </a:spcBef>
+              <a:spcAft>
+                <a:spcPct val="0"/>
+              </a:spcAft>
+              <a:defRPr sz="2400">
+                <a:solidFill>
+                  <a:schemeClr val="tx1"/>
+                </a:solidFill>
+                <a:latin typeface="Arial" charset="0"/>
+              </a:defRPr>
+            </a:lvl9pPr>
+          </a:lstStyle>
+          <a:p>
+            <a:pPr eaLnBrk="1" hangingPunct="1">
+              <a:spcBef>
+                <a:spcPct val="30000"/>
+              </a:spcBef>
+            </a:pPr>
+            <a:r>
+              <a:rPr lang="de-DE" altLang="de-DE" sz="1300" b="1" dirty="0">
+                <a:solidFill>
+                  <a:srgbClr val="000000"/>
+                </a:solidFill>
+              </a:rPr>
+              <a:t>BILD</a:t>
+            </a:r>
+          </a:p>
+          <a:p>
+            <a:pPr eaLnBrk="1" hangingPunct="1">
+              <a:spcBef>
+                <a:spcPct val="30000"/>
+              </a:spcBef>
+            </a:pPr>
+            <a:r>
+              <a:rPr lang="de-DE" altLang="de-DE" sz="1300" dirty="0">
+                <a:solidFill>
+                  <a:srgbClr val="000000"/>
+                </a:solidFill>
+              </a:rPr>
+              <a:t>Positionierungsfläche für Bilder.</a:t>
+            </a:r>
+          </a:p>
+          <a:p>
+            <a:pPr eaLnBrk="1" hangingPunct="1">
+              <a:spcBef>
+                <a:spcPct val="30000"/>
+              </a:spcBef>
+            </a:pPr>
+            <a:r>
+              <a:rPr lang="de-DE" altLang="de-DE" sz="1300" dirty="0">
+                <a:solidFill>
+                  <a:srgbClr val="000000"/>
+                </a:solidFill>
+              </a:rPr>
+              <a:t>Bitte in linker oberer Ecke beginnen.</a:t>
+            </a:r>
+          </a:p>
+          <a:p>
+            <a:pPr eaLnBrk="1" hangingPunct="1">
+              <a:spcBef>
+                <a:spcPct val="30000"/>
+              </a:spcBef>
+            </a:pPr>
+            <a:r>
+              <a:rPr lang="de-DE" altLang="de-DE" sz="1300" dirty="0">
+                <a:solidFill>
+                  <a:srgbClr val="000000"/>
+                </a:solidFill>
+              </a:rPr>
+              <a:t>Bis maximal rechte und/oder untere Begrenzung, ggf. Bild beschneiden.</a:t>
+            </a:r>
+          </a:p>
+          <a:p>
+            <a:pPr eaLnBrk="1" hangingPunct="1">
+              <a:spcBef>
+                <a:spcPct val="30000"/>
+              </a:spcBef>
+            </a:pPr>
+            <a:endParaRPr lang="de-DE" altLang="de-DE" sz="1300" dirty="0">
+              <a:solidFill>
+                <a:srgbClr val="000000"/>
+              </a:solidFill>
+            </a:endParaRPr>
+          </a:p>
+        </p:txBody>
+      </p:sp>
+      <p:sp>
+        <p:nvSpPr>
+          <p:cNvPr id="8" name="Rectangle 11"/>
+          <p:cNvSpPr>
+            <a:spLocks noChangeArrowheads="1"/>
+          </p:cNvSpPr>
+          <p:nvPr/>
+        </p:nvSpPr>
+        <p:spPr bwMode="gray">
+          <a:xfrm>
+            <a:off x="4932363" y="5373688"/>
+            <a:ext cx="3743325" cy="863600"/>
+          </a:xfrm>
+          <a:prstGeom prst="rect">
+            <a:avLst/>
+          </a:prstGeom>
+          <a:noFill/>
+          <a:ln>
+            <a:noFill/>
+          </a:ln>
+          <a:effectLst/>
+          <a:extLst>
+            <a:ext uri="{909E8E84-426E-40DD-AFC4-6F175D3DCCD1}">
+              <a14:hiddenFill xmlns:a14="http://schemas.microsoft.com/office/drawing/2010/main">
+                <a:solidFill>
+                  <a:schemeClr val="tx2"/>
+                </a:solidFill>
+              </a14:hiddenFill>
+            </a:ext>
+            <a:ext uri="{91240B29-F687-4F45-9708-019B960494DF}">
+              <a14:hiddenLine xmlns:a14="http://schemas.microsoft.com/office/drawing/2010/main" w="9525">
+                <a:solidFill>
+                  <a:schemeClr val="tx1"/>
+                </a:solidFill>
+                <a:miter lim="800000"/>
+                <a:headEnd/>
+                <a:tailEnd/>
+              </a14:hiddenLine>
+            </a:ext>
+            <a:ext uri="{AF507438-7753-43E0-B8FC-AC1667EBCBE1}">
+              <a14:hiddenEffects xmlns:a14="http://schemas.microsoft.com/office/drawing/2010/main">
+                <a:effectLst>
+                  <a:outerShdw dist="35921" dir="2700000" algn="ctr" rotWithShape="0">
+                    <a:schemeClr val="bg2"/>
+                  </a:outerShdw>
+                </a:effectLst>
+              </a14:hiddenEffects>
+            </a:ext>
+          </a:extLst>
+        </p:spPr>
+        <p:txBody>
+          <a:bodyPr lIns="0" tIns="0" rIns="0" bIns="0"/>
+          <a:lstStyle>
+            <a:lvl1pPr algn="l">
+              <a:defRPr sz="2400">
+                <a:solidFill>
+                  <a:schemeClr val="tx1"/>
+                </a:solidFill>
+                <a:latin typeface="Arial" charset="0"/>
+              </a:defRPr>
+            </a:lvl1pPr>
+            <a:lvl2pPr marL="188913" indent="133350" algn="l">
+              <a:defRPr sz="2400">
+                <a:solidFill>
+                  <a:schemeClr val="tx1"/>
+                </a:solidFill>
+                <a:latin typeface="Arial" charset="0"/>
+              </a:defRPr>
+            </a:lvl2pPr>
+            <a:lvl3pPr marL="339725" indent="123825" algn="l">
+              <a:defRPr sz="2400">
+                <a:solidFill>
+                  <a:schemeClr val="tx1"/>
+                </a:solidFill>
+                <a:latin typeface="Arial" charset="0"/>
+              </a:defRPr>
+            </a:lvl3pPr>
+            <a:lvl4pPr marL="479425" indent="123825" algn="l">
+              <a:defRPr sz="2400">
+                <a:solidFill>
+                  <a:schemeClr val="tx1"/>
+                </a:solidFill>
+                <a:latin typeface="Arial" charset="0"/>
+              </a:defRPr>
+            </a:lvl4pPr>
+            <a:lvl5pPr marL="622300" indent="120650" algn="l">
+              <a:defRPr sz="2400">
+                <a:solidFill>
+                  <a:schemeClr val="tx1"/>
+                </a:solidFill>
+                <a:latin typeface="Arial" charset="0"/>
+              </a:defRPr>
+            </a:lvl5pPr>
+            <a:lvl6pPr marL="1079500" indent="120650" eaLnBrk="0" fontAlgn="base" hangingPunct="0">
+              <a:spcBef>
+                <a:spcPct val="0"/>
+              </a:spcBef>
+              <a:spcAft>
+                <a:spcPct val="0"/>
+              </a:spcAft>
+              <a:defRPr sz="2400">
+                <a:solidFill>
+                  <a:schemeClr val="tx1"/>
+                </a:solidFill>
+                <a:latin typeface="Arial" charset="0"/>
+              </a:defRPr>
+            </a:lvl6pPr>
+            <a:lvl7pPr marL="1536700" indent="120650" eaLnBrk="0" fontAlgn="base" hangingPunct="0">
+              <a:spcBef>
+                <a:spcPct val="0"/>
+              </a:spcBef>
+              <a:spcAft>
+                <a:spcPct val="0"/>
+              </a:spcAft>
+              <a:defRPr sz="2400">
+                <a:solidFill>
+                  <a:schemeClr val="tx1"/>
+                </a:solidFill>
+                <a:latin typeface="Arial" charset="0"/>
+              </a:defRPr>
+            </a:lvl7pPr>
+            <a:lvl8pPr marL="1993900" indent="120650" eaLnBrk="0" fontAlgn="base" hangingPunct="0">
+              <a:spcBef>
+                <a:spcPct val="0"/>
+              </a:spcBef>
+              <a:spcAft>
+                <a:spcPct val="0"/>
+              </a:spcAft>
+              <a:defRPr sz="2400">
+                <a:solidFill>
+                  <a:schemeClr val="tx1"/>
+                </a:solidFill>
+                <a:latin typeface="Arial" charset="0"/>
+              </a:defRPr>
+            </a:lvl8pPr>
+            <a:lvl9pPr marL="2451100" indent="120650" eaLnBrk="0" fontAlgn="base" hangingPunct="0">
+              <a:spcBef>
+                <a:spcPct val="0"/>
+              </a:spcBef>
+              <a:spcAft>
+                <a:spcPct val="0"/>
+              </a:spcAft>
+              <a:defRPr sz="2400">
+                <a:solidFill>
+                  <a:schemeClr val="tx1"/>
+                </a:solidFill>
+                <a:latin typeface="Arial" charset="0"/>
+              </a:defRPr>
+            </a:lvl9pPr>
+          </a:lstStyle>
+          <a:p>
+            <a:pPr eaLnBrk="1" hangingPunct="1">
+              <a:lnSpc>
+                <a:spcPct val="110000"/>
+              </a:lnSpc>
+              <a:spcAft>
+                <a:spcPct val="20000"/>
+              </a:spcAft>
+            </a:pPr>
+            <a:r>
+              <a:rPr lang="de-DE" altLang="de-DE" sz="1500">
+                <a:solidFill>
+                  <a:srgbClr val="000000"/>
+                </a:solidFill>
+              </a:rPr>
+              <a:t>Es war der erste und entscheidende Schritt in seiner Entwicklung geschehen. </a:t>
+            </a:r>
+          </a:p>
+        </p:txBody>
+      </p:sp>
+      <p:sp>
+        <p:nvSpPr>
+          <p:cNvPr id="9" name="Rectangle 12"/>
+          <p:cNvSpPr>
+            <a:spLocks noChangeArrowheads="1"/>
+          </p:cNvSpPr>
+          <p:nvPr/>
+        </p:nvSpPr>
+        <p:spPr bwMode="invGray">
+          <a:xfrm>
+            <a:off x="4932363" y="2060848"/>
+            <a:ext cx="3743325" cy="3096940"/>
+          </a:xfrm>
+          <a:prstGeom prst="rect">
+            <a:avLst/>
+          </a:prstGeom>
+          <a:solidFill>
+            <a:srgbClr val="C0C0C0"/>
+          </a:solidFill>
+          <a:ln>
+            <a:noFill/>
+          </a:ln>
+          <a:effectLst/>
+          <a:extLst>
+            <a:ext uri="{91240B29-F687-4F45-9708-019B960494DF}">
+              <a14:hiddenLine xmlns:a14="http://schemas.microsoft.com/office/drawing/2010/main" w="19050" algn="ctr">
+                <a:solidFill>
+                  <a:schemeClr val="tx2"/>
+                </a:solidFill>
+                <a:miter lim="800000"/>
+                <a:headEnd/>
+                <a:tailEnd/>
+              </a14:hiddenLine>
+            </a:ext>
+            <a:ext uri="{AF507438-7753-43E0-B8FC-AC1667EBCBE1}">
+              <a14:hiddenEffects xmlns:a14="http://schemas.microsoft.com/office/drawing/2010/main">
+                <a:effectLst>
+                  <a:outerShdw dist="35921" dir="2700000" algn="ctr" rotWithShape="0">
+                    <a:schemeClr val="bg2"/>
+                  </a:outerShdw>
+                </a:effectLst>
+              </a14:hiddenEffects>
+            </a:ext>
+          </a:extLst>
+        </p:spPr>
+        <p:txBody>
+          <a:bodyPr lIns="0" tIns="0" rIns="0" bIns="0" anchor="ctr"/>
+          <a:lstStyle>
+            <a:lvl1pPr marL="376238" algn="l">
+              <a:defRPr sz="2400">
+                <a:solidFill>
+                  <a:schemeClr val="tx1"/>
+                </a:solidFill>
+                <a:latin typeface="Arial" charset="0"/>
+              </a:defRPr>
+            </a:lvl1pPr>
+            <a:lvl2pPr marL="566738" algn="l">
+              <a:defRPr sz="2400">
+                <a:solidFill>
+                  <a:schemeClr val="tx1"/>
+                </a:solidFill>
+                <a:latin typeface="Arial" charset="0"/>
+              </a:defRPr>
+            </a:lvl2pPr>
+            <a:lvl3pPr algn="l">
+              <a:defRPr sz="2400">
+                <a:solidFill>
+                  <a:schemeClr val="tx1"/>
+                </a:solidFill>
+                <a:latin typeface="Arial" charset="0"/>
+              </a:defRPr>
+            </a:lvl3pPr>
+            <a:lvl4pPr algn="l">
+              <a:defRPr sz="2400">
+                <a:solidFill>
+                  <a:schemeClr val="tx1"/>
+                </a:solidFill>
+                <a:latin typeface="Arial" charset="0"/>
+              </a:defRPr>
+            </a:lvl4pPr>
+            <a:lvl5pPr algn="l">
+              <a:defRPr sz="2400">
+                <a:solidFill>
+                  <a:schemeClr val="tx1"/>
+                </a:solidFill>
+                <a:latin typeface="Arial" charset="0"/>
+              </a:defRPr>
+            </a:lvl5pPr>
+            <a:lvl6pPr eaLnBrk="0" fontAlgn="base" hangingPunct="0">
+              <a:spcBef>
+                <a:spcPct val="0"/>
+              </a:spcBef>
+              <a:spcAft>
+                <a:spcPct val="0"/>
+              </a:spcAft>
+              <a:defRPr sz="2400">
+                <a:solidFill>
+                  <a:schemeClr val="tx1"/>
+                </a:solidFill>
+                <a:latin typeface="Arial" charset="0"/>
+              </a:defRPr>
+            </a:lvl6pPr>
+            <a:lvl7pPr eaLnBrk="0" fontAlgn="base" hangingPunct="0">
+              <a:spcBef>
+                <a:spcPct val="0"/>
+              </a:spcBef>
+              <a:spcAft>
+                <a:spcPct val="0"/>
+              </a:spcAft>
+              <a:defRPr sz="2400">
+                <a:solidFill>
+                  <a:schemeClr val="tx1"/>
+                </a:solidFill>
+                <a:latin typeface="Arial" charset="0"/>
+              </a:defRPr>
+            </a:lvl7pPr>
+            <a:lvl8pPr eaLnBrk="0" fontAlgn="base" hangingPunct="0">
+              <a:spcBef>
+                <a:spcPct val="0"/>
+              </a:spcBef>
+              <a:spcAft>
+                <a:spcPct val="0"/>
+              </a:spcAft>
+              <a:defRPr sz="2400">
+                <a:solidFill>
+                  <a:schemeClr val="tx1"/>
+                </a:solidFill>
+                <a:latin typeface="Arial" charset="0"/>
+              </a:defRPr>
+            </a:lvl8pPr>
+            <a:lvl9pPr eaLnBrk="0" fontAlgn="base" hangingPunct="0">
+              <a:spcBef>
+                <a:spcPct val="0"/>
+              </a:spcBef>
+              <a:spcAft>
+                <a:spcPct val="0"/>
+              </a:spcAft>
+              <a:defRPr sz="2400">
+                <a:solidFill>
+                  <a:schemeClr val="tx1"/>
+                </a:solidFill>
+                <a:latin typeface="Arial" charset="0"/>
+              </a:defRPr>
+            </a:lvl9pPr>
+          </a:lstStyle>
+          <a:p>
+            <a:pPr eaLnBrk="1" hangingPunct="1">
+              <a:spcBef>
+                <a:spcPct val="30000"/>
+              </a:spcBef>
+            </a:pPr>
+            <a:r>
+              <a:rPr lang="de-DE" altLang="de-DE" sz="1300" b="1" dirty="0">
+                <a:solidFill>
+                  <a:srgbClr val="000000"/>
+                </a:solidFill>
+              </a:rPr>
+              <a:t>BILD</a:t>
+            </a:r>
+          </a:p>
+          <a:p>
+            <a:pPr eaLnBrk="1" hangingPunct="1">
+              <a:spcBef>
+                <a:spcPct val="30000"/>
+              </a:spcBef>
+            </a:pPr>
+            <a:r>
+              <a:rPr lang="de-DE" altLang="de-DE" sz="1300" dirty="0">
+                <a:solidFill>
+                  <a:srgbClr val="000000"/>
+                </a:solidFill>
+              </a:rPr>
+              <a:t>Positionierungsfläche für Bilder.</a:t>
+            </a:r>
+          </a:p>
+          <a:p>
+            <a:pPr eaLnBrk="1" hangingPunct="1">
+              <a:spcBef>
+                <a:spcPct val="30000"/>
+              </a:spcBef>
+            </a:pPr>
+            <a:r>
+              <a:rPr lang="de-DE" altLang="de-DE" sz="1300" dirty="0">
+                <a:solidFill>
+                  <a:srgbClr val="000000"/>
+                </a:solidFill>
+              </a:rPr>
+              <a:t>Bitte in linker oberer Ecke beginnen.</a:t>
+            </a:r>
+          </a:p>
+          <a:p>
+            <a:pPr eaLnBrk="1" hangingPunct="1">
+              <a:spcBef>
+                <a:spcPct val="30000"/>
+              </a:spcBef>
+            </a:pPr>
+            <a:r>
+              <a:rPr lang="de-DE" altLang="de-DE" sz="1300" dirty="0">
+                <a:solidFill>
+                  <a:srgbClr val="000000"/>
+                </a:solidFill>
+              </a:rPr>
+              <a:t>Bis maximal rechte und/oder untere Begrenzung, ggf. Bild beschneiden.</a:t>
+            </a:r>
+          </a:p>
+          <a:p>
+            <a:pPr eaLnBrk="1" hangingPunct="1">
+              <a:spcBef>
+                <a:spcPct val="30000"/>
+              </a:spcBef>
+            </a:pPr>
+            <a:endParaRPr lang="de-DE" altLang="de-DE" sz="1300" dirty="0">
+              <a:solidFill>
+                <a:srgbClr val="000000"/>
+              </a:solidFill>
+            </a:endParaRPr>
+          </a:p>
+        </p:txBody>
+      </p:sp>
+      <p:sp>
+        <p:nvSpPr>
+          <p:cNvPr id="2" name="Fußzeilenplatzhalter 1"/>
+          <p:cNvSpPr>
+            <a:spLocks noGrp="1"/>
+          </p:cNvSpPr>
+          <p:nvPr>
+            <p:ph type="ftr" sz="quarter" idx="10"/>
+          </p:nvPr>
+        </p:nvSpPr>
+        <p:spPr/>
+        <p:txBody>
+          <a:bodyPr/>
+          <a:lstStyle/>
+          <a:p>
+            <a:r>
+              <a:rPr lang="en-US" altLang="de-DE"/>
+              <a:t>SIP2 Zwischenpräsentation | Uschakow | Alhanoun | Skiadas</a:t>
+            </a:r>
+            <a:endParaRPr lang="de-DE" altLang="de-DE" dirty="0"/>
+          </a:p>
+        </p:txBody>
+      </p:sp>
+      <p:sp>
+        <p:nvSpPr>
+          <p:cNvPr id="10" name="Foliennummernplatzhalter 9"/>
+          <p:cNvSpPr>
+            <a:spLocks noGrp="1"/>
+          </p:cNvSpPr>
+          <p:nvPr>
+            <p:ph type="sldNum" sz="quarter" idx="11"/>
+          </p:nvPr>
+        </p:nvSpPr>
+        <p:spPr/>
+        <p:txBody>
+          <a:bodyPr/>
+          <a:lstStyle/>
+          <a:p>
+            <a:fld id="{57D12BB6-0ED4-46B6-AB23-7758AD07EFBF}" type="slidenum">
+              <a:rPr lang="de-DE" smtClean="0"/>
+              <a:pPr/>
+              <a:t>12</a:t>
+            </a:fld>
+            <a:endParaRPr lang="de-DE" dirty="0"/>
+          </a:p>
+        </p:txBody>
+      </p:sp>
+    </p:spTree>
+    <p:extLst>
+      <p:ext uri="{BB962C8B-B14F-4D97-AF65-F5344CB8AC3E}">
+        <p14:creationId xmlns:p14="http://schemas.microsoft.com/office/powerpoint/2010/main" val="1276860995"/>
+      </p:ext>
+    </p:extLst>
+  </p:cSld>
+  <p:clrMapOvr>
+    <a:masterClrMapping/>
+  </p:clrMapOvr>
+  <p:transition/>
+</p:sld>
+</file>
+
+<file path=ppt/slides/slide13.xml><?xml version="1.0" encoding="utf-8"?>
+<p:sld xmlns:a="http://schemas.openxmlformats.org/drawingml/2006/main" xmlns:r="http://schemas.openxmlformats.org/officeDocument/2006/relationships" xmlns:p="http://schemas.openxmlformats.org/presentationml/2006/main">
+  <p:cSld>
+    <p:spTree>
+      <p:nvGrpSpPr>
+        <p:cNvPr id="1" name=""/>
+        <p:cNvGrpSpPr/>
+        <p:nvPr/>
+      </p:nvGrpSpPr>
+      <p:grpSpPr>
+        <a:xfrm>
+          <a:off x="0" y="0"/>
+          <a:ext cx="0" cy="0"/>
+          <a:chOff x="0" y="0"/>
+          <a:chExt cx="0" cy="0"/>
+        </a:xfrm>
+      </p:grpSpPr>
+      <p:sp>
+        <p:nvSpPr>
+          <p:cNvPr id="5" name="Rectangle 2"/>
+          <p:cNvSpPr>
+            <a:spLocks noGrp="1" noChangeArrowheads="1"/>
+          </p:cNvSpPr>
+          <p:nvPr>
+            <p:ph type="title"/>
+          </p:nvPr>
+        </p:nvSpPr>
+        <p:spPr>
+          <a:xfrm>
+            <a:off x="971550" y="1404000"/>
             <a:ext cx="7704138" cy="792162"/>
           </a:xfrm>
         </p:spPr>
@@ -6214,7 +6640,7 @@
             <a:fld id="{57D12BB6-0ED4-46B6-AB23-7758AD07EFBF}" type="slidenum">
               <a:rPr lang="de-DE" smtClean="0"/>
               <a:pPr/>
-              <a:t>12</a:t>
+              <a:t>13</a:t>
             </a:fld>
             <a:endParaRPr lang="de-DE" dirty="0"/>
           </a:p>
@@ -6234,7 +6660,7 @@
 </p:sld>
 </file>
 
-<file path=ppt/slides/slide13.xml><?xml version="1.0" encoding="utf-8"?>
+<file path=ppt/slides/slide14.xml><?xml version="1.0" encoding="utf-8"?>
 <p:sld xmlns:a="http://schemas.openxmlformats.org/drawingml/2006/main" xmlns:r="http://schemas.openxmlformats.org/officeDocument/2006/relationships" xmlns:p="http://schemas.openxmlformats.org/presentationml/2006/main">
   <p:cSld>
     <p:spTree>
@@ -6337,7 +6763,7 @@
             <a:fld id="{57D12BB6-0ED4-46B6-AB23-7758AD07EFBF}" type="slidenum">
               <a:rPr lang="de-DE" smtClean="0"/>
               <a:pPr/>
-              <a:t>13</a:t>
+              <a:t>14</a:t>
             </a:fld>
             <a:endParaRPr lang="de-DE" dirty="0"/>
           </a:p>
@@ -6357,7 +6783,7 @@
 </p:sld>
 </file>
 
-<file path=ppt/slides/slide14.xml><?xml version="1.0" encoding="utf-8"?>
+<file path=ppt/slides/slide15.xml><?xml version="1.0" encoding="utf-8"?>
 <p:sld xmlns:a="http://schemas.openxmlformats.org/drawingml/2006/main" xmlns:r="http://schemas.openxmlformats.org/officeDocument/2006/relationships" xmlns:p="http://schemas.openxmlformats.org/presentationml/2006/main">
   <p:cSld>
     <p:spTree>
@@ -6466,7 +6892,7 @@
             <a:fld id="{57D12BB6-0ED4-46B6-AB23-7758AD07EFBF}" type="slidenum">
               <a:rPr lang="de-DE" smtClean="0"/>
               <a:pPr/>
-              <a:t>14</a:t>
+              <a:t>15</a:t>
             </a:fld>
             <a:endParaRPr lang="de-DE" dirty="0"/>
           </a:p>
@@ -6486,7 +6912,7 @@
 </p:sld>
 </file>
 
-<file path=ppt/slides/slide15.xml><?xml version="1.0" encoding="utf-8"?>
+<file path=ppt/slides/slide16.xml><?xml version="1.0" encoding="utf-8"?>
 <p:sld xmlns:a="http://schemas.openxmlformats.org/drawingml/2006/main" xmlns:r="http://schemas.openxmlformats.org/officeDocument/2006/relationships" xmlns:p="http://schemas.openxmlformats.org/presentationml/2006/main">
   <p:cSld>
     <p:spTree>
@@ -11118,7 +11544,7 @@
             <a:fld id="{57D12BB6-0ED4-46B6-AB23-7758AD07EFBF}" type="slidenum">
               <a:rPr lang="de-DE" smtClean="0"/>
               <a:pPr/>
-              <a:t>15</a:t>
+              <a:t>16</a:t>
             </a:fld>
             <a:endParaRPr lang="de-DE" dirty="0"/>
           </a:p>
@@ -11138,7 +11564,7 @@
 </p:sld>
 </file>
 
-<file path=ppt/slides/slide16.xml><?xml version="1.0" encoding="utf-8"?>
+<file path=ppt/slides/slide17.xml><?xml version="1.0" encoding="utf-8"?>
 <p:sld xmlns:a="http://schemas.openxmlformats.org/drawingml/2006/main" xmlns:r="http://schemas.openxmlformats.org/officeDocument/2006/relationships" xmlns:p="http://schemas.openxmlformats.org/presentationml/2006/main">
   <p:cSld>
     <p:spTree>
@@ -12391,7 +12817,7 @@
             <a:fld id="{57D12BB6-0ED4-46B6-AB23-7758AD07EFBF}" type="slidenum">
               <a:rPr lang="de-DE" smtClean="0"/>
               <a:pPr/>
-              <a:t>16</a:t>
+              <a:t>17</a:t>
             </a:fld>
             <a:endParaRPr lang="de-DE" dirty="0"/>
           </a:p>
@@ -12411,7 +12837,7 @@
 </p:sld>
 </file>
 
-<file path=ppt/slides/slide17.xml><?xml version="1.0" encoding="utf-8"?>
+<file path=ppt/slides/slide18.xml><?xml version="1.0" encoding="utf-8"?>
 <p:sld xmlns:a="http://schemas.openxmlformats.org/drawingml/2006/main" xmlns:r="http://schemas.openxmlformats.org/officeDocument/2006/relationships" xmlns:p="http://schemas.openxmlformats.org/presentationml/2006/main">
   <p:cSld>
     <p:spTree>
@@ -14261,7 +14687,7 @@
             <a:fld id="{57D12BB6-0ED4-46B6-AB23-7758AD07EFBF}" type="slidenum">
               <a:rPr lang="de-DE" smtClean="0"/>
               <a:pPr/>
-              <a:t>17</a:t>
+              <a:t>18</a:t>
             </a:fld>
             <a:endParaRPr lang="de-DE" dirty="0"/>
           </a:p>
@@ -14281,7 +14707,7 @@
 </p:sld>
 </file>
 
-<file path=ppt/slides/slide18.xml><?xml version="1.0" encoding="utf-8"?>
+<file path=ppt/slides/slide19.xml><?xml version="1.0" encoding="utf-8"?>
 <p:sld xmlns:a="http://schemas.openxmlformats.org/drawingml/2006/main" xmlns:r="http://schemas.openxmlformats.org/officeDocument/2006/relationships" xmlns:p="http://schemas.openxmlformats.org/presentationml/2006/main">
   <p:cSld>
     <p:spTree>
@@ -17923,7 +18349,7 @@
             <a:fld id="{57D12BB6-0ED4-46B6-AB23-7758AD07EFBF}" type="slidenum">
               <a:rPr lang="de-DE" smtClean="0"/>
               <a:pPr/>
-              <a:t>18</a:t>
+              <a:t>19</a:t>
             </a:fld>
             <a:endParaRPr lang="de-DE" dirty="0"/>
           </a:p>
@@ -18205,12 +18631,8 @@
               <a:buAutoNum type="arabicPeriod" startAt="2"/>
             </a:pPr>
             <a:r>
-              <a:rPr lang="en-US" altLang="de-DE" kern="0" dirty="0"/>
-              <a:t>M</a:t>
-            </a:r>
-            <a:r>
               <a:rPr lang="de-DE" altLang="de-DE" kern="0" dirty="0"/>
-              <a:t>atlab2Android</a:t>
+              <a:t>Modulbeschreibung</a:t>
             </a:r>
           </a:p>
           <a:p>
@@ -18219,8 +18641,12 @@
               <a:buAutoNum type="arabicPeriod" startAt="2"/>
             </a:pPr>
             <a:r>
-              <a:rPr lang="de-DE" altLang="de-DE" kern="0" dirty="0"/>
-              <a:t>Modulbeschreibung</a:t>
+              <a:rPr lang="en-US" altLang="de-DE" kern="0" dirty="0"/>
+              <a:t>M</a:t>
+            </a:r>
+            <a:r>
+              <a:rPr lang="de-DE" altLang="de-DE" kern="0"/>
+              <a:t>atlab2Android</a:t>
             </a:r>
           </a:p>
           <a:p>
@@ -18929,7 +19355,7 @@
             <a:pPr lvl="1"/>
             <a:r>
               <a:rPr lang="de-DE" altLang="de-DE" kern="0" dirty="0"/>
-              <a:t>Ziel: Generieren die </a:t>
+              <a:t>Ziel: Generierung der </a:t>
             </a:r>
             <a:r>
               <a:rPr lang="de-DE" altLang="de-DE" kern="0" dirty="0" err="1"/>
@@ -18965,7 +19391,7 @@
             <a:pPr lvl="1"/>
             <a:r>
               <a:rPr lang="de-DE" altLang="de-DE" kern="0" dirty="0"/>
-              <a:t> Fensterung der EKG Daten und Generieren</a:t>
+              <a:t>Fensterung der EKG Daten und Generierung</a:t>
             </a:r>
           </a:p>
           <a:p>
@@ -19148,7 +19574,7 @@
           <p:nvPr/>
         </p:nvPicPr>
         <p:blipFill>
-          <a:blip r:embed="rId2">
+          <a:blip r:embed="rId2" cstate="print">
             <a:extLst>
               <a:ext uri="{28A0092B-C50C-407E-A947-70E740481C1C}">
                 <a14:useLocalDpi xmlns:a14="http://schemas.microsoft.com/office/drawing/2010/main" val="0"/>
@@ -19161,8 +19587,8 @@
         </p:blipFill>
         <p:spPr>
           <a:xfrm>
-            <a:off x="4715632" y="4075957"/>
-            <a:ext cx="4428368" cy="1882282"/>
+            <a:off x="4946039" y="4062853"/>
+            <a:ext cx="3729649" cy="1585291"/>
           </a:xfrm>
           <a:prstGeom prst="rect">
             <a:avLst/>
@@ -19359,7 +19785,7 @@
               <a:rPr lang="de-DE" altLang="de-DE" kern="0" dirty="0">
                 <a:sym typeface="Wingdings" panose="05000000000000000000" pitchFamily="2" charset="2"/>
               </a:rPr>
-              <a:t>1. Nebenmaximal zu erhalten</a:t>
+              <a:t>     1. Nebenmaximal zu erhalten</a:t>
             </a:r>
           </a:p>
           <a:p>
@@ -19380,7 +19806,7 @@
               <a:rPr lang="de-DE" altLang="de-DE" kern="0" dirty="0">
                 <a:sym typeface="Wingdings" panose="05000000000000000000" pitchFamily="2" charset="2"/>
               </a:rPr>
-              <a:t> AKF-Fenster</a:t>
+              <a:t>     AKF-Fenster</a:t>
             </a:r>
           </a:p>
           <a:p>
@@ -19404,7 +19830,7 @@
               <a:rPr lang="de-DE" altLang="de-DE" kern="0" dirty="0">
                 <a:sym typeface="Wingdings" panose="05000000000000000000" pitchFamily="2" charset="2"/>
               </a:rPr>
-              <a:t>Generierung einer 1 x 26 Matrix zum Training des NN</a:t>
+              <a:t>Generierung eines 1 x 26 Vektors zum Training des NN</a:t>
             </a:r>
             <a:endParaRPr lang="de-DE" altLang="de-DE" kern="0" dirty="0"/>
           </a:p>
@@ -19438,8 +19864,8 @@
         </p:blipFill>
         <p:spPr>
           <a:xfrm>
-            <a:off x="6573304" y="2167593"/>
-            <a:ext cx="2463192" cy="1843294"/>
+            <a:off x="6644496" y="2167593"/>
+            <a:ext cx="2031144" cy="1519977"/>
           </a:xfrm>
           <a:prstGeom prst="rect">
             <a:avLst/>
@@ -19499,7 +19925,7 @@
           <a:p>
             <a:r>
               <a:rPr lang="de-DE" altLang="de-DE" dirty="0"/>
-              <a:t>4. Modulbeschreibung</a:t>
+              <a:t>3. Modulbeschreibung</a:t>
             </a:r>
           </a:p>
         </p:txBody>
@@ -19731,8 +20157,13 @@
             </a:r>
             <a:r>
               <a:rPr lang="en-US" altLang="de-DE" kern="0" dirty="0"/>
-              <a:t> des Histograms</a:t>
-            </a:r>
+              <a:t> des </a:t>
+            </a:r>
+            <a:r>
+              <a:rPr lang="en-US" altLang="de-DE" kern="0" dirty="0" err="1"/>
+              <a:t>Histogramms</a:t>
+            </a:r>
+            <a:endParaRPr lang="en-US" altLang="de-DE" kern="0" dirty="0"/>
           </a:p>
           <a:p>
             <a:pPr lvl="3"/>
@@ -19742,7 +20173,7 @@
             </a:r>
             <a:r>
               <a:rPr lang="en-US" altLang="de-DE" kern="0" dirty="0"/>
-              <a:t> der features</a:t>
+              <a:t> der Features</a:t>
             </a:r>
           </a:p>
           <a:p>
@@ -19816,7 +20247,7 @@
             </a:r>
             <a:r>
               <a:rPr lang="en-US" altLang="de-DE" kern="0" dirty="0"/>
-              <a:t> </a:t>
+              <a:t>, </a:t>
             </a:r>
             <a:r>
               <a:rPr lang="en-US" altLang="de-DE" kern="0" dirty="0" err="1"/>
@@ -19935,7 +20366,7 @@
           <a:p>
             <a:r>
               <a:rPr lang="de-DE" altLang="de-DE" dirty="0"/>
-              <a:t>4. Modulbeschreibung</a:t>
+              <a:t>3. Modulbeschreibung</a:t>
             </a:r>
           </a:p>
         </p:txBody>
@@ -20790,7 +21221,7 @@
           <a:p>
             <a:r>
               <a:rPr lang="de-DE" altLang="de-DE" dirty="0"/>
-              <a:t>4. Modulbeschreibung</a:t>
+              <a:t>3. Modulbeschreibung</a:t>
             </a:r>
           </a:p>
         </p:txBody>
@@ -21294,7 +21725,7 @@
           <a:p>
             <a:r>
               <a:rPr lang="de-DE" altLang="de-DE" dirty="0"/>
-              <a:t>5. Ausblick</a:t>
+              <a:t>4. Matlab2Android</a:t>
             </a:r>
           </a:p>
         </p:txBody>
@@ -21493,31 +21924,12 @@
           </a:lstStyle>
           <a:p>
             <a:pPr lvl="1"/>
-            <a:r>
-              <a:rPr lang="de-DE" altLang="de-DE" kern="0" dirty="0"/>
-              <a:t>Erstellung von C++ Code</a:t>
-            </a:r>
-          </a:p>
-          <a:p>
-            <a:pPr lvl="1"/>
-            <a:r>
-              <a:rPr lang="de-DE" altLang="de-DE" kern="0" dirty="0"/>
-              <a:t>Kompilierung </a:t>
-            </a:r>
-          </a:p>
-          <a:p>
-            <a:pPr lvl="1"/>
-            <a:r>
-              <a:rPr lang="de-DE" altLang="de-DE" kern="0" dirty="0"/>
-              <a:t>Fertigstellung des Android Moduls</a:t>
-            </a:r>
-          </a:p>
-          <a:p>
-            <a:pPr lvl="1"/>
             <a:endParaRPr lang="de-DE" altLang="de-DE" kern="0" dirty="0"/>
           </a:p>
           <a:p>
-            <a:pPr lvl="1"/>
+            <a:pPr marL="1588" lvl="1" indent="0">
+              <a:buNone/>
+            </a:pPr>
             <a:endParaRPr lang="de-DE" altLang="de-DE" kern="0" dirty="0"/>
           </a:p>
         </p:txBody>
@@ -21572,7 +21984,7 @@
     </p:spTree>
     <p:extLst>
       <p:ext uri="{BB962C8B-B14F-4D97-AF65-F5344CB8AC3E}">
-        <p14:creationId xmlns:p14="http://schemas.microsoft.com/office/powerpoint/2010/main" val="1080710209"/>
+        <p14:creationId xmlns:p14="http://schemas.microsoft.com/office/powerpoint/2010/main" val="1175694138"/>
       </p:ext>
     </p:extLst>
   </p:cSld>

--- a/docs/final_documentation/Präsi_vonAlexgeändert.pptx
+++ b/docs/final_documentation/Präsi_vonAlexgeändert.pptx
@@ -4985,21 +4985,14 @@
             <a:pPr lvl="1"/>
             <a:r>
               <a:rPr lang="de-DE" altLang="de-DE" kern="0" dirty="0"/>
-              <a:t>Erstellung von C++ Code</a:t>
+              <a:t>Erstellung von C++ Code </a:t>
             </a:r>
           </a:p>
           <a:p>
             <a:pPr lvl="1"/>
             <a:r>
               <a:rPr lang="de-DE" altLang="de-DE" kern="0" dirty="0"/>
-              <a:t>Kompilierung </a:t>
-            </a:r>
-          </a:p>
-          <a:p>
-            <a:pPr lvl="1"/>
-            <a:r>
-              <a:rPr lang="de-DE" altLang="de-DE" kern="0" dirty="0"/>
-              <a:t>Fertigstellung des Android Moduls</a:t>
+              <a:t>Kompilierung &amp; Fertigstellung des Android Moduls</a:t>
             </a:r>
           </a:p>
           <a:p>
@@ -21981,6 +21974,318 @@
           </a:p>
         </p:txBody>
       </p:sp>
+      <p:sp>
+        <p:nvSpPr>
+          <p:cNvPr id="8" name="Rectangle 3">
+            <a:extLst>
+              <a:ext uri="{FF2B5EF4-FFF2-40B4-BE49-F238E27FC236}">
+                <a16:creationId xmlns:a16="http://schemas.microsoft.com/office/drawing/2014/main" id="{41F828ED-280B-4833-8269-F698ECF4B8E2}"/>
+              </a:ext>
+            </a:extLst>
+          </p:cNvPr>
+          <p:cNvSpPr txBox="1">
+            <a:spLocks noChangeArrowheads="1"/>
+          </p:cNvSpPr>
+          <p:nvPr/>
+        </p:nvSpPr>
+        <p:spPr>
+          <a:xfrm>
+            <a:off x="733425" y="2156734"/>
+            <a:ext cx="7677150" cy="3600450"/>
+          </a:xfrm>
+          <a:prstGeom prst="rect">
+            <a:avLst/>
+          </a:prstGeom>
+        </p:spPr>
+        <p:txBody>
+          <a:bodyPr/>
+          <a:lstStyle>
+            <a:lvl1pPr algn="l" rtl="0" eaLnBrk="1" fontAlgn="base" hangingPunct="1">
+              <a:lnSpc>
+                <a:spcPct val="110000"/>
+              </a:lnSpc>
+              <a:spcBef>
+                <a:spcPct val="0"/>
+              </a:spcBef>
+              <a:spcAft>
+                <a:spcPct val="20000"/>
+              </a:spcAft>
+              <a:defRPr>
+                <a:solidFill>
+                  <a:schemeClr val="tx1"/>
+                </a:solidFill>
+                <a:latin typeface="+mn-lt"/>
+                <a:ea typeface="+mn-ea"/>
+                <a:cs typeface="+mn-cs"/>
+              </a:defRPr>
+            </a:lvl1pPr>
+            <a:lvl2pPr marL="182563" indent="-180975" algn="l" rtl="0" eaLnBrk="1" fontAlgn="base" hangingPunct="1">
+              <a:lnSpc>
+                <a:spcPct val="110000"/>
+              </a:lnSpc>
+              <a:spcBef>
+                <a:spcPct val="0"/>
+              </a:spcBef>
+              <a:spcAft>
+                <a:spcPct val="20000"/>
+              </a:spcAft>
+              <a:buFont typeface="Arial" charset="0"/>
+              <a:buChar char="•"/>
+              <a:defRPr>
+                <a:solidFill>
+                  <a:schemeClr val="tx1"/>
+                </a:solidFill>
+                <a:latin typeface="+mn-lt"/>
+              </a:defRPr>
+            </a:lvl2pPr>
+            <a:lvl3pPr marL="366713" indent="-182563" algn="l" rtl="0" eaLnBrk="1" fontAlgn="base" hangingPunct="1">
+              <a:lnSpc>
+                <a:spcPct val="110000"/>
+              </a:lnSpc>
+              <a:spcBef>
+                <a:spcPct val="0"/>
+              </a:spcBef>
+              <a:spcAft>
+                <a:spcPct val="20000"/>
+              </a:spcAft>
+              <a:buFont typeface="Arial" charset="0"/>
+              <a:buChar char="•"/>
+              <a:defRPr>
+                <a:solidFill>
+                  <a:schemeClr val="tx1"/>
+                </a:solidFill>
+                <a:latin typeface="+mn-lt"/>
+              </a:defRPr>
+            </a:lvl3pPr>
+            <a:lvl4pPr marL="552450" indent="-184150" algn="l" rtl="0" eaLnBrk="1" fontAlgn="base" hangingPunct="1">
+              <a:lnSpc>
+                <a:spcPct val="110000"/>
+              </a:lnSpc>
+              <a:spcBef>
+                <a:spcPct val="0"/>
+              </a:spcBef>
+              <a:spcAft>
+                <a:spcPct val="20000"/>
+              </a:spcAft>
+              <a:buFont typeface="Arial" charset="0"/>
+              <a:buChar char="•"/>
+              <a:defRPr>
+                <a:solidFill>
+                  <a:schemeClr val="tx1"/>
+                </a:solidFill>
+                <a:latin typeface="+mn-lt"/>
+              </a:defRPr>
+            </a:lvl4pPr>
+            <a:lvl5pPr marL="738188" indent="-184150" algn="l" rtl="0" eaLnBrk="1" fontAlgn="base" hangingPunct="1">
+              <a:lnSpc>
+                <a:spcPct val="110000"/>
+              </a:lnSpc>
+              <a:spcBef>
+                <a:spcPct val="0"/>
+              </a:spcBef>
+              <a:spcAft>
+                <a:spcPct val="20000"/>
+              </a:spcAft>
+              <a:buFont typeface="Arial" charset="0"/>
+              <a:buChar char="•"/>
+              <a:defRPr>
+                <a:solidFill>
+                  <a:schemeClr val="tx1"/>
+                </a:solidFill>
+                <a:latin typeface="+mn-lt"/>
+              </a:defRPr>
+            </a:lvl5pPr>
+            <a:lvl6pPr marL="1195388" indent="-184150" algn="l" rtl="0" eaLnBrk="1" fontAlgn="base" hangingPunct="1">
+              <a:lnSpc>
+                <a:spcPct val="110000"/>
+              </a:lnSpc>
+              <a:spcBef>
+                <a:spcPct val="0"/>
+              </a:spcBef>
+              <a:spcAft>
+                <a:spcPct val="20000"/>
+              </a:spcAft>
+              <a:buFont typeface="Arial" charset="0"/>
+              <a:buChar char="•"/>
+              <a:defRPr>
+                <a:solidFill>
+                  <a:schemeClr val="tx1"/>
+                </a:solidFill>
+                <a:latin typeface="+mn-lt"/>
+              </a:defRPr>
+            </a:lvl6pPr>
+            <a:lvl7pPr marL="1652588" indent="-184150" algn="l" rtl="0" eaLnBrk="1" fontAlgn="base" hangingPunct="1">
+              <a:lnSpc>
+                <a:spcPct val="110000"/>
+              </a:lnSpc>
+              <a:spcBef>
+                <a:spcPct val="0"/>
+              </a:spcBef>
+              <a:spcAft>
+                <a:spcPct val="20000"/>
+              </a:spcAft>
+              <a:buFont typeface="Arial" charset="0"/>
+              <a:buChar char="•"/>
+              <a:defRPr>
+                <a:solidFill>
+                  <a:schemeClr val="tx1"/>
+                </a:solidFill>
+                <a:latin typeface="+mn-lt"/>
+              </a:defRPr>
+            </a:lvl7pPr>
+            <a:lvl8pPr marL="2109788" indent="-184150" algn="l" rtl="0" eaLnBrk="1" fontAlgn="base" hangingPunct="1">
+              <a:lnSpc>
+                <a:spcPct val="110000"/>
+              </a:lnSpc>
+              <a:spcBef>
+                <a:spcPct val="0"/>
+              </a:spcBef>
+              <a:spcAft>
+                <a:spcPct val="20000"/>
+              </a:spcAft>
+              <a:buFont typeface="Arial" charset="0"/>
+              <a:buChar char="•"/>
+              <a:defRPr>
+                <a:solidFill>
+                  <a:schemeClr val="tx1"/>
+                </a:solidFill>
+                <a:latin typeface="+mn-lt"/>
+              </a:defRPr>
+            </a:lvl8pPr>
+            <a:lvl9pPr marL="2566988" indent="-184150" algn="l" rtl="0" eaLnBrk="1" fontAlgn="base" hangingPunct="1">
+              <a:lnSpc>
+                <a:spcPct val="110000"/>
+              </a:lnSpc>
+              <a:spcBef>
+                <a:spcPct val="0"/>
+              </a:spcBef>
+              <a:spcAft>
+                <a:spcPct val="20000"/>
+              </a:spcAft>
+              <a:buFont typeface="Arial" charset="0"/>
+              <a:buChar char="•"/>
+              <a:defRPr>
+                <a:solidFill>
+                  <a:schemeClr val="tx1"/>
+                </a:solidFill>
+                <a:latin typeface="+mn-lt"/>
+              </a:defRPr>
+            </a:lvl9pPr>
+          </a:lstStyle>
+          <a:p>
+            <a:pPr lvl="1"/>
+            <a:r>
+              <a:rPr lang="en-US" altLang="de-DE" kern="0" dirty="0" err="1"/>
+              <a:t>Matlab</a:t>
+            </a:r>
+            <a:r>
+              <a:rPr lang="en-US" altLang="de-DE" kern="0" dirty="0"/>
+              <a:t> Coder</a:t>
+            </a:r>
+          </a:p>
+          <a:p>
+            <a:pPr lvl="2"/>
+            <a:r>
+              <a:rPr lang="en-US" altLang="de-DE" kern="0" dirty="0"/>
+              <a:t>Entry function</a:t>
+            </a:r>
+          </a:p>
+          <a:p>
+            <a:pPr lvl="2"/>
+            <a:r>
+              <a:rPr lang="en-US" altLang="de-DE" kern="0" dirty="0" err="1"/>
+              <a:t>Datentypen</a:t>
+            </a:r>
+            <a:r>
+              <a:rPr lang="en-US" altLang="de-DE" kern="0" dirty="0"/>
+              <a:t> </a:t>
+            </a:r>
+            <a:r>
+              <a:rPr lang="en-US" altLang="de-DE" kern="0" dirty="0" err="1"/>
+              <a:t>definieren</a:t>
+            </a:r>
+            <a:endParaRPr lang="en-US" altLang="de-DE" kern="0" dirty="0"/>
+          </a:p>
+          <a:p>
+            <a:pPr lvl="3"/>
+            <a:r>
+              <a:rPr lang="en-US" altLang="de-DE" kern="0" dirty="0"/>
+              <a:t>Optional: </a:t>
+            </a:r>
+            <a:r>
+              <a:rPr lang="en-US" altLang="de-DE" kern="0" dirty="0" err="1"/>
+              <a:t>Automatisch</a:t>
+            </a:r>
+            <a:r>
+              <a:rPr lang="en-US" altLang="de-DE" kern="0" dirty="0"/>
+              <a:t> </a:t>
+            </a:r>
+            <a:r>
+              <a:rPr lang="en-US" altLang="de-DE" kern="0" dirty="0" err="1"/>
+              <a:t>mithilfe</a:t>
+            </a:r>
+            <a:r>
+              <a:rPr lang="en-US" altLang="de-DE" kern="0" dirty="0"/>
+              <a:t> Testbench</a:t>
+            </a:r>
+          </a:p>
+          <a:p>
+            <a:pPr lvl="1"/>
+            <a:r>
+              <a:rPr lang="en-US" altLang="de-DE" kern="0" dirty="0"/>
+              <a:t>Android Studio</a:t>
+            </a:r>
+          </a:p>
+          <a:p>
+            <a:pPr lvl="2"/>
+            <a:r>
+              <a:rPr lang="en-US" altLang="de-DE" kern="0" dirty="0"/>
+              <a:t>Android &amp; C++ </a:t>
+            </a:r>
+            <a:r>
+              <a:rPr lang="en-US" altLang="de-DE" kern="0" dirty="0" err="1"/>
+              <a:t>Projekt</a:t>
+            </a:r>
+            <a:endParaRPr lang="en-US" altLang="de-DE" kern="0" dirty="0"/>
+          </a:p>
+          <a:p>
+            <a:pPr lvl="2"/>
+            <a:r>
+              <a:rPr lang="en-US" altLang="de-DE" kern="0" dirty="0" err="1"/>
+              <a:t>Cmake</a:t>
+            </a:r>
+            <a:r>
+              <a:rPr lang="en-US" altLang="de-DE" kern="0" dirty="0"/>
+              <a:t> </a:t>
+            </a:r>
+            <a:r>
+              <a:rPr lang="en-US" altLang="de-DE" kern="0" dirty="0" err="1"/>
+              <a:t>editieren</a:t>
+            </a:r>
+            <a:endParaRPr lang="en-US" altLang="de-DE" kern="0" dirty="0"/>
+          </a:p>
+          <a:p>
+            <a:pPr lvl="2"/>
+            <a:r>
+              <a:rPr lang="en-US" altLang="de-DE" kern="0" dirty="0"/>
+              <a:t>JNI </a:t>
+            </a:r>
+            <a:r>
+              <a:rPr lang="en-US" altLang="de-DE" kern="0" dirty="0" err="1"/>
+              <a:t>Datentypkonvertierung</a:t>
+            </a:r>
+            <a:endParaRPr lang="de-DE" altLang="de-DE" kern="0" dirty="0"/>
+          </a:p>
+          <a:p>
+            <a:pPr lvl="1"/>
+            <a:endParaRPr lang="de-DE" altLang="de-DE" kern="0" dirty="0"/>
+          </a:p>
+          <a:p>
+            <a:pPr lvl="1"/>
+            <a:endParaRPr lang="de-DE" altLang="de-DE" kern="0" dirty="0"/>
+          </a:p>
+        </p:txBody>
+      </p:sp>
     </p:spTree>
     <p:extLst>
       <p:ext uri="{BB962C8B-B14F-4D97-AF65-F5344CB8AC3E}">

--- a/docs/final_documentation/Präsi_vonAlexgeändert.pptx
+++ b/docs/final_documentation/Präsi_vonAlexgeändert.pptx
@@ -19393,7 +19393,7 @@
             </a:pPr>
             <a:r>
               <a:rPr lang="de-DE" altLang="de-DE" kern="0" dirty="0"/>
-              <a:t>  des AKF Histogramms.</a:t>
+              <a:t>  des AKF Signal.</a:t>
             </a:r>
           </a:p>
           <a:p>
@@ -19718,13 +19718,13 @@
             </a:pPr>
             <a:r>
               <a:rPr lang="de-DE" altLang="de-DE" kern="0" dirty="0"/>
-              <a:t>AKF-Histogramm </a:t>
+              <a:t>AKF </a:t>
             </a:r>
             <a:r>
               <a:rPr lang="de-DE" altLang="de-DE" kern="0" dirty="0">
                 <a:sym typeface="Wingdings" panose="05000000000000000000" pitchFamily="2" charset="2"/>
               </a:rPr>
-              <a:t> AKF-Matrix  AKF-Fenster</a:t>
+              <a:t> AKF-Histogramm  AKF-Fenster</a:t>
             </a:r>
           </a:p>
           <a:p>
@@ -19857,8 +19857,8 @@
         </p:blipFill>
         <p:spPr>
           <a:xfrm>
-            <a:off x="6644496" y="2167593"/>
-            <a:ext cx="2031144" cy="1519977"/>
+            <a:off x="5796136" y="2167593"/>
+            <a:ext cx="2807496" cy="1519977"/>
           </a:xfrm>
           <a:prstGeom prst="rect">
             <a:avLst/>
